--- a/docs/simetuc_presentation/simetuc_presentation.pptx
+++ b/docs/simetuc_presentation/simetuc_presentation.pptx
@@ -5,10 +5,10 @@
     <p:sldMasterId id="2147483792" r:id="rId1"/>
   </p:sldMasterIdLst>
   <p:notesMasterIdLst>
-    <p:notesMasterId r:id="rId23"/>
+    <p:notesMasterId r:id="rId27"/>
   </p:notesMasterIdLst>
   <p:handoutMasterIdLst>
-    <p:handoutMasterId r:id="rId24"/>
+    <p:handoutMasterId r:id="rId28"/>
   </p:handoutMasterIdLst>
   <p:sldIdLst>
     <p:sldId id="256" r:id="rId2"/>
@@ -21,17 +21,21 @@
     <p:sldId id="357" r:id="rId9"/>
     <p:sldId id="355" r:id="rId10"/>
     <p:sldId id="356" r:id="rId11"/>
-    <p:sldId id="358" r:id="rId12"/>
-    <p:sldId id="359" r:id="rId13"/>
-    <p:sldId id="367" r:id="rId14"/>
+    <p:sldId id="367" r:id="rId12"/>
+    <p:sldId id="358" r:id="rId13"/>
+    <p:sldId id="359" r:id="rId14"/>
     <p:sldId id="360" r:id="rId15"/>
     <p:sldId id="361" r:id="rId16"/>
-    <p:sldId id="368" r:id="rId17"/>
-    <p:sldId id="362" r:id="rId18"/>
-    <p:sldId id="363" r:id="rId19"/>
-    <p:sldId id="364" r:id="rId20"/>
-    <p:sldId id="366" r:id="rId21"/>
-    <p:sldId id="327" r:id="rId22"/>
+    <p:sldId id="372" r:id="rId17"/>
+    <p:sldId id="368" r:id="rId18"/>
+    <p:sldId id="362" r:id="rId19"/>
+    <p:sldId id="369" r:id="rId20"/>
+    <p:sldId id="363" r:id="rId21"/>
+    <p:sldId id="370" r:id="rId22"/>
+    <p:sldId id="364" r:id="rId23"/>
+    <p:sldId id="366" r:id="rId24"/>
+    <p:sldId id="371" r:id="rId25"/>
+    <p:sldId id="327" r:id="rId26"/>
   </p:sldIdLst>
   <p:sldSz cx="9144000" cy="6858000" type="screen4x3"/>
   <p:notesSz cx="6797675" cy="9928225"/>
@@ -245,7 +249,7 @@
           <a:p>
             <a:fld id="{D1B33434-D8F8-4DAE-8F77-A7B636CF804D}" type="datetimeFigureOut">
               <a:rPr lang="en-GB" smtClean="0"/>
-              <a:t>17/11/2016</a:t>
+              <a:t>01/01/2017</a:t>
             </a:fld>
             <a:endParaRPr lang="en-GB" dirty="0"/>
           </a:p>
@@ -410,7 +414,7 @@
           <a:p>
             <a:fld id="{FBD7F31E-DCE9-4A11-B7C9-BED4C875B831}" type="datetimeFigureOut">
               <a:rPr lang="es-ES" smtClean="0"/>
-              <a:t>17/11/2016</a:t>
+              <a:t>01/01/2017</a:t>
             </a:fld>
             <a:endParaRPr lang="es-ES" dirty="0"/>
           </a:p>
@@ -1102,7 +1106,7 @@
           <a:p>
             <a:fld id="{B97D5BCE-C7DB-47EE-AD74-02C16C413AD1}" type="slidenum">
               <a:rPr lang="es-ES" smtClean="0"/>
-              <a:t>21</a:t>
+              <a:t>25</a:t>
             </a:fld>
             <a:endParaRPr lang="es-ES" dirty="0"/>
           </a:p>
@@ -2007,7 +2011,7 @@
                   <a:defRPr/>
                 </a:pPr>
                 <a:r>
-                  <a:rPr lang="en-US" sz="1000" dirty="0" smtClean="0">
+                  <a:rPr lang="en-US" sz="1000" dirty="0">
                     <a:solidFill>
                       <a:schemeClr val="bg1">
                         <a:lumMod val="50000"/>
@@ -2017,14 +2021,6 @@
                   </a:rPr>
                   <a:t>ET problems</a:t>
                 </a:r>
-                <a:endParaRPr lang="en-US" sz="1000" dirty="0">
-                  <a:solidFill>
-                    <a:schemeClr val="bg1">
-                      <a:lumMod val="50000"/>
-                    </a:schemeClr>
-                  </a:solidFill>
-                  <a:latin typeface="+mj-lt"/>
-                </a:endParaRPr>
               </a:p>
             </p:txBody>
           </p:sp>
@@ -2131,7 +2127,7 @@
                   <a:defRPr/>
                 </a:pPr>
                 <a:r>
-                  <a:rPr lang="en-US" sz="1000" dirty="0" smtClean="0">
+                  <a:rPr lang="en-US" sz="1000" dirty="0">
                     <a:solidFill>
                       <a:schemeClr val="bg1">
                         <a:lumMod val="50000"/>
@@ -2141,14 +2137,6 @@
                   </a:rPr>
                   <a:t>Solutions</a:t>
                 </a:r>
-                <a:endParaRPr lang="en-US" sz="1000" dirty="0">
-                  <a:solidFill>
-                    <a:schemeClr val="bg1">
-                      <a:lumMod val="50000"/>
-                    </a:schemeClr>
-                  </a:solidFill>
-                  <a:latin typeface="+mj-lt"/>
-                </a:endParaRPr>
               </a:p>
             </p:txBody>
           </p:sp>
@@ -2255,7 +2243,7 @@
                   <a:defRPr/>
                 </a:pPr>
                 <a:r>
-                  <a:rPr lang="en-US" sz="1000" dirty="0" smtClean="0">
+                  <a:rPr lang="en-US" sz="1000" dirty="0">
                     <a:solidFill>
                       <a:schemeClr val="bg1">
                         <a:lumMod val="50000"/>
@@ -2266,7 +2254,7 @@
                   <a:t>Installing</a:t>
                 </a:r>
                 <a:r>
-                  <a:rPr lang="en-US" sz="1000" baseline="0" dirty="0" smtClean="0">
+                  <a:rPr lang="en-US" sz="1000" baseline="0" dirty="0">
                     <a:solidFill>
                       <a:schemeClr val="bg1">
                         <a:lumMod val="50000"/>
@@ -2277,7 +2265,7 @@
                   <a:t> </a:t>
                 </a:r>
                 <a:r>
-                  <a:rPr lang="en-US" sz="1000" i="1" dirty="0" err="1" smtClean="0">
+                  <a:rPr lang="en-US" sz="1000" i="1" dirty="0" err="1">
                     <a:solidFill>
                       <a:schemeClr val="bg1">
                         <a:lumMod val="50000"/>
@@ -2401,7 +2389,7 @@
                   <a:defRPr/>
                 </a:pPr>
                 <a:r>
-                  <a:rPr kumimoji="0" lang="en-US" sz="1000" b="0" i="0" u="none" strike="noStrike" kern="1200" cap="none" spc="0" normalizeH="0" baseline="0" noProof="0" dirty="0" smtClean="0">
+                  <a:rPr kumimoji="0" lang="en-US" sz="1000" b="0" i="0" u="none" strike="noStrike" kern="1200" cap="none" spc="0" normalizeH="0" baseline="0" noProof="0" dirty="0">
                     <a:ln>
                       <a:noFill/>
                     </a:ln>
@@ -2420,7 +2408,7 @@
                   <a:t>Using </a:t>
                 </a:r>
                 <a:r>
-                  <a:rPr kumimoji="0" lang="en-US" sz="1000" b="0" i="1" u="none" strike="noStrike" kern="1200" cap="none" spc="0" normalizeH="0" baseline="0" noProof="0" dirty="0" err="1" smtClean="0">
+                  <a:rPr kumimoji="0" lang="en-US" sz="1000" b="0" i="1" u="none" strike="noStrike" kern="1200" cap="none" spc="0" normalizeH="0" baseline="0" noProof="0" dirty="0" err="1">
                     <a:ln>
                       <a:noFill/>
                     </a:ln>
@@ -2552,7 +2540,7 @@
                   <a:defRPr/>
                 </a:pPr>
                 <a:r>
-                  <a:rPr lang="en-US" sz="1000" dirty="0" smtClean="0">
+                  <a:rPr lang="en-US" sz="1000" dirty="0">
                     <a:solidFill>
                       <a:schemeClr val="bg1">
                         <a:lumMod val="50000"/>
@@ -2580,13 +2568,6 @@
   <p:clrMapOvr>
     <a:masterClrMapping/>
   </p:clrMapOvr>
-  <p:timing>
-    <p:tnLst>
-      <p:par>
-        <p:cTn id="1" dur="indefinite" restart="never" nodeType="tmRoot"/>
-      </p:par>
-    </p:tnLst>
-  </p:timing>
 </p:sldLayout>
 </file>
 
@@ -4653,13 +4634,6 @@
     <p:sldLayoutId id="2147483802" r:id="rId10"/>
     <p:sldLayoutId id="2147483803" r:id="rId11"/>
   </p:sldLayoutIdLst>
-  <p:timing>
-    <p:tnLst>
-      <p:par>
-        <p:cTn id="1" dur="indefinite" restart="never" nodeType="tmRoot"/>
-      </p:par>
-    </p:tnLst>
-  </p:timing>
   <p:hf hdr="0" dt="0"/>
   <p:txStyles>
     <p:titleStyle>
@@ -4999,18 +4973,18 @@
           <a:lstStyle/>
           <a:p>
             <a:r>
-              <a:rPr lang="en-US" sz="4400" dirty="0" smtClean="0">
+              <a:rPr lang="en-US" sz="4400" dirty="0">
                 <a:latin typeface="Arial Black" pitchFamily="34" charset="0"/>
               </a:rPr>
               <a:t>SIMulating Energy Transfer and UpConversion:</a:t>
             </a:r>
             <a:br>
-              <a:rPr lang="en-US" sz="4400" dirty="0" smtClean="0">
+              <a:rPr lang="en-US" sz="4400" dirty="0">
                 <a:latin typeface="Arial Black" pitchFamily="34" charset="0"/>
               </a:rPr>
             </a:br>
             <a:r>
-              <a:rPr lang="en-US" sz="4400" dirty="0" smtClean="0"/>
+              <a:rPr lang="en-US" sz="4400" dirty="0"/>
               <a:t>SIMETUC</a:t>
             </a:r>
             <a:endParaRPr lang="en-US" sz="4000" dirty="0">
@@ -5031,8 +5005,8 @@
         </p:nvSpPr>
         <p:spPr>
           <a:xfrm>
-            <a:off x="1371600" y="5257800"/>
-            <a:ext cx="6400800" cy="1600200"/>
+            <a:off x="1371600" y="5791200"/>
+            <a:ext cx="6400800" cy="685800"/>
           </a:xfrm>
         </p:spPr>
         <p:txBody>
@@ -5056,62 +5030,6 @@
               <a:t>Pedro Villanueva Delgado</a:t>
             </a:r>
           </a:p>
-          <a:p>
-            <a:r>
-              <a:rPr lang="en-US" altLang="en-US" sz="2800" dirty="0">
-                <a:ln w="3175">
-                  <a:noFill/>
-                </a:ln>
-                <a:solidFill>
-                  <a:schemeClr val="tx2">
-                    <a:lumMod val="50000"/>
-                  </a:schemeClr>
-                </a:solidFill>
-                <a:cs typeface="Arial" panose="020B0604020202020204" pitchFamily="34" charset="0"/>
-              </a:rPr>
-              <a:t>University of </a:t>
-            </a:r>
-            <a:r>
-              <a:rPr lang="en-US" altLang="en-US" sz="2800" dirty="0" smtClean="0">
-                <a:ln w="3175">
-                  <a:noFill/>
-                </a:ln>
-                <a:solidFill>
-                  <a:schemeClr val="tx2">
-                    <a:lumMod val="50000"/>
-                  </a:schemeClr>
-                </a:solidFill>
-                <a:cs typeface="Arial" panose="020B0604020202020204" pitchFamily="34" charset="0"/>
-              </a:rPr>
-              <a:t>Bern</a:t>
-            </a:r>
-          </a:p>
-          <a:p>
-            <a:r>
-              <a:rPr lang="de-CH" sz="2800" dirty="0" smtClean="0">
-                <a:ln w="3175">
-                  <a:noFill/>
-                </a:ln>
-                <a:solidFill>
-                  <a:schemeClr val="tx2">
-                    <a:lumMod val="50000"/>
-                  </a:schemeClr>
-                </a:solidFill>
-                <a:cs typeface="Arial" panose="020B0604020202020204" pitchFamily="34" charset="0"/>
-              </a:rPr>
-              <a:t>Group seminar Nov. 2016</a:t>
-            </a:r>
-            <a:endParaRPr lang="en-US" sz="2800" dirty="0">
-              <a:ln w="3175">
-                <a:noFill/>
-              </a:ln>
-              <a:solidFill>
-                <a:schemeClr val="tx2">
-                  <a:lumMod val="50000"/>
-                </a:schemeClr>
-              </a:solidFill>
-            </a:endParaRPr>
-          </a:p>
         </p:txBody>
       </p:sp>
     </p:spTree>
@@ -5124,13 +5042,6 @@
   <p:clrMapOvr>
     <a:masterClrMapping/>
   </p:clrMapOvr>
-  <p:timing>
-    <p:tnLst>
-      <p:par>
-        <p:cTn id="1" dur="indefinite" restart="never" nodeType="tmRoot"/>
-      </p:par>
-    </p:tnLst>
-  </p:timing>
 </p:sld>
 </file>
 
@@ -5167,7 +5078,7 @@
           <a:lstStyle/>
           <a:p>
             <a:r>
-              <a:rPr lang="de-CH" dirty="0" smtClean="0"/>
+              <a:rPr lang="de-CH" dirty="0"/>
               <a:t>How to use </a:t>
             </a:r>
             <a:r>
@@ -5202,12 +5113,8 @@
           <a:lstStyle/>
           <a:p>
             <a:r>
-              <a:rPr lang="de-CH" dirty="0" smtClean="0"/>
-              <a:t>Lattice</a:t>
-            </a:r>
-            <a:r>
               <a:rPr lang="de-CH" dirty="0"/>
-              <a:t>:</a:t>
+              <a:t>Lattice:</a:t>
             </a:r>
             <a:endParaRPr lang="en-US" dirty="0"/>
           </a:p>
@@ -5486,6 +5393,181 @@
       </p:grpSpPr>
       <p:sp>
         <p:nvSpPr>
+          <p:cNvPr id="10" name="Content Placeholder 2"/>
+          <p:cNvSpPr>
+            <a:spLocks noGrp="1"/>
+          </p:cNvSpPr>
+          <p:nvPr>
+            <p:ph idx="1"/>
+          </p:nvPr>
+        </p:nvSpPr>
+        <p:spPr>
+          <a:xfrm>
+            <a:off x="457200" y="1219201"/>
+            <a:ext cx="8229600" cy="4906964"/>
+          </a:xfrm>
+        </p:spPr>
+        <p:txBody>
+          <a:bodyPr/>
+          <a:lstStyle/>
+          <a:p>
+            <a:r>
+              <a:rPr lang="en-US" dirty="0"/>
+              <a:t>Experimental data:</a:t>
+            </a:r>
+          </a:p>
+          <a:p>
+            <a:pPr lvl="1"/>
+            <a:r>
+              <a:rPr lang="de-CH" dirty="0"/>
+              <a:t>Inside folder </a:t>
+            </a:r>
+            <a:r>
+              <a:rPr lang="de-CH" b="1" i="1" dirty="0"/>
+              <a:t>expData/latticeName/</a:t>
+            </a:r>
+          </a:p>
+          <a:p>
+            <a:pPr lvl="1"/>
+            <a:r>
+              <a:rPr lang="de-CH" dirty="0"/>
+              <a:t>Name format: data_</a:t>
+            </a:r>
+            <a:r>
+              <a:rPr lang="de-CH" b="1" dirty="0"/>
+              <a:t>ION</a:t>
+            </a:r>
+            <a:r>
+              <a:rPr lang="de-CH" dirty="0"/>
+              <a:t>_</a:t>
+            </a:r>
+            <a:r>
+              <a:rPr lang="de-CH" b="1" dirty="0"/>
+              <a:t>STATE</a:t>
+            </a:r>
+            <a:r>
+              <a:rPr lang="de-CH" dirty="0"/>
+              <a:t>_exc_</a:t>
+            </a:r>
+            <a:r>
+              <a:rPr lang="de-CH" b="1" dirty="0"/>
+              <a:t>EXCLABEL</a:t>
+            </a:r>
+            <a:r>
+              <a:rPr lang="de-CH" dirty="0"/>
+              <a:t>_</a:t>
+            </a:r>
+            <a:r>
+              <a:rPr lang="de-CH" i="1" dirty="0"/>
+              <a:t>xx.x</a:t>
+            </a:r>
+            <a:r>
+              <a:rPr lang="de-CH" b="1" dirty="0"/>
+              <a:t>ION</a:t>
+            </a:r>
+            <a:r>
+              <a:rPr lang="de-CH" dirty="0"/>
+              <a:t>_</a:t>
+            </a:r>
+            <a:r>
+              <a:rPr lang="de-CH" i="1" dirty="0"/>
+              <a:t>yy.y</a:t>
+            </a:r>
+            <a:r>
+              <a:rPr lang="de-CH" b="1" dirty="0"/>
+              <a:t>ION</a:t>
+            </a:r>
+            <a:r>
+              <a:rPr lang="de-CH" dirty="0"/>
+              <a:t>.txt</a:t>
+            </a:r>
+          </a:p>
+          <a:p>
+            <a:pPr lvl="2"/>
+            <a:r>
+              <a:rPr lang="de-CH" b="1" dirty="0"/>
+              <a:t>ION</a:t>
+            </a:r>
+            <a:r>
+              <a:rPr lang="de-CH" dirty="0"/>
+              <a:t>: ion label</a:t>
+            </a:r>
+          </a:p>
+          <a:p>
+            <a:pPr lvl="2"/>
+            <a:r>
+              <a:rPr lang="de-CH" b="1" dirty="0"/>
+              <a:t>STATE</a:t>
+            </a:r>
+            <a:r>
+              <a:rPr lang="de-CH" dirty="0"/>
+              <a:t>: state label</a:t>
+            </a:r>
+          </a:p>
+          <a:p>
+            <a:pPr lvl="2"/>
+            <a:r>
+              <a:rPr lang="de-CH" b="1" dirty="0"/>
+              <a:t>EXCLABEL</a:t>
+            </a:r>
+            <a:r>
+              <a:rPr lang="de-CH" dirty="0"/>
+              <a:t>: excitation label</a:t>
+            </a:r>
+          </a:p>
+          <a:p>
+            <a:pPr lvl="2"/>
+            <a:r>
+              <a:rPr lang="de-CH" i="1" dirty="0"/>
+              <a:t>xx.x</a:t>
+            </a:r>
+            <a:r>
+              <a:rPr lang="de-CH" dirty="0"/>
+              <a:t>: concentration of sensitizer</a:t>
+            </a:r>
+          </a:p>
+          <a:p>
+            <a:pPr lvl="2"/>
+            <a:r>
+              <a:rPr lang="de-CH" i="1" dirty="0"/>
+              <a:t>yy.y</a:t>
+            </a:r>
+            <a:r>
+              <a:rPr lang="de-CH" dirty="0"/>
+              <a:t>: concentration of activator</a:t>
+            </a:r>
+          </a:p>
+          <a:p>
+            <a:pPr lvl="1"/>
+            <a:r>
+              <a:rPr lang="de-CH" dirty="0"/>
+              <a:t>File format: two columns.</a:t>
+            </a:r>
+          </a:p>
+          <a:p>
+            <a:pPr lvl="2"/>
+            <a:r>
+              <a:rPr lang="de-CH" dirty="0"/>
+              <a:t>First: time in seconds</a:t>
+            </a:r>
+          </a:p>
+          <a:p>
+            <a:pPr lvl="2"/>
+            <a:r>
+              <a:rPr lang="de-CH" dirty="0"/>
+              <a:t>Second: emission intensity (any units). </a:t>
+            </a:r>
+          </a:p>
+          <a:p>
+            <a:pPr marL="914400" lvl="2" indent="0">
+              <a:buNone/>
+            </a:pPr>
+            <a:endParaRPr lang="en-US" dirty="0"/>
+          </a:p>
+        </p:txBody>
+      </p:sp>
+      <p:sp>
+        <p:nvSpPr>
           <p:cNvPr id="2" name="Title 1"/>
           <p:cNvSpPr>
             <a:spLocks noGrp="1"/>
@@ -5500,7 +5582,7 @@
           <a:lstStyle/>
           <a:p>
             <a:r>
-              <a:rPr lang="de-CH" dirty="0" smtClean="0"/>
+              <a:rPr lang="de-CH" dirty="0"/>
               <a:t>How to use </a:t>
             </a:r>
             <a:r>
@@ -5515,41 +5597,15 @@
               </a:rPr>
               <a:t>simetuc</a:t>
             </a:r>
-            <a:endParaRPr lang="en-US" dirty="0"/>
-          </a:p>
-        </p:txBody>
-      </p:sp>
-      <p:sp>
-        <p:nvSpPr>
-          <p:cNvPr id="3" name="Content Placeholder 2"/>
-          <p:cNvSpPr>
-            <a:spLocks noGrp="1"/>
-          </p:cNvSpPr>
-          <p:nvPr>
-            <p:ph idx="1"/>
-          </p:nvPr>
-        </p:nvSpPr>
-        <p:spPr/>
-        <p:txBody>
-          <a:bodyPr/>
-          <a:lstStyle/>
-          <a:p>
-            <a:r>
-              <a:rPr lang="en-US" dirty="0" smtClean="0"/>
-              <a:t>Configuration file:</a:t>
-            </a:r>
-          </a:p>
-          <a:p>
-            <a:pPr lvl="1"/>
-            <a:r>
-              <a:rPr lang="de-CH" dirty="0" smtClean="0"/>
-              <a:t>Dynamics</a:t>
-            </a:r>
-            <a:r>
-              <a:rPr lang="de-CH" dirty="0"/>
-              <a:t> (not ET):</a:t>
-            </a:r>
-            <a:endParaRPr lang="en-US" dirty="0"/>
+            <a:endParaRPr lang="en-US" i="1" dirty="0">
+              <a:effectLst>
+                <a:outerShdw blurRad="38100" dist="38100" dir="2700000" algn="tl">
+                  <a:srgbClr val="000000">
+                    <a:alpha val="43137"/>
+                  </a:srgbClr>
+                </a:outerShdw>
+              </a:effectLst>
+            </a:endParaRPr>
           </a:p>
         </p:txBody>
       </p:sp>
@@ -5579,787 +5635,7 @@
       </p:sp>
       <p:sp>
         <p:nvSpPr>
-          <p:cNvPr id="6" name="TextBox 5"/>
-          <p:cNvSpPr txBox="1"/>
-          <p:nvPr/>
-        </p:nvSpPr>
-        <p:spPr>
-          <a:xfrm>
-            <a:off x="0" y="1981200"/>
-            <a:ext cx="6096000" cy="3785652"/>
-          </a:xfrm>
-          <a:prstGeom prst="rect">
-            <a:avLst/>
-          </a:prstGeom>
-          <a:noFill/>
-        </p:spPr>
-        <p:txBody>
-          <a:bodyPr wrap="square" rtlCol="0">
-            <a:spAutoFit/>
-          </a:bodyPr>
-          <a:lstStyle/>
-          <a:p>
-            <a:r>
-              <a:rPr lang="en-US" sz="1200" b="1" dirty="0">
-                <a:latin typeface="Lucida Sans Typewriter" panose="020B0509030504030204" pitchFamily="49" charset="0"/>
-              </a:rPr>
-              <a:t>states</a:t>
-            </a:r>
-            <a:r>
-              <a:rPr lang="en-US" sz="1200" dirty="0">
-                <a:latin typeface="Lucida Sans Typewriter" panose="020B0509030504030204" pitchFamily="49" charset="0"/>
-              </a:rPr>
-              <a:t>:</a:t>
-            </a:r>
-          </a:p>
-          <a:p>
-            <a:r>
-              <a:rPr lang="en-US" sz="1200" dirty="0" smtClean="0">
-                <a:latin typeface="Lucida Sans Typewriter" panose="020B0509030504030204" pitchFamily="49" charset="0"/>
-              </a:rPr>
-              <a:t>    </a:t>
-            </a:r>
-            <a:r>
-              <a:rPr lang="en-US" sz="1200" dirty="0" err="1" smtClean="0">
-                <a:latin typeface="Lucida Sans Typewriter" panose="020B0509030504030204" pitchFamily="49" charset="0"/>
-              </a:rPr>
-              <a:t>sensitizer_ion_label</a:t>
-            </a:r>
-            <a:r>
-              <a:rPr lang="en-US" sz="1200" dirty="0">
-                <a:latin typeface="Lucida Sans Typewriter" panose="020B0509030504030204" pitchFamily="49" charset="0"/>
-              </a:rPr>
-              <a:t>: </a:t>
-            </a:r>
-            <a:r>
-              <a:rPr lang="en-US" sz="1200" dirty="0" err="1">
-                <a:latin typeface="Lucida Sans Typewriter" panose="020B0509030504030204" pitchFamily="49" charset="0"/>
-              </a:rPr>
-              <a:t>Yb</a:t>
-            </a:r>
-            <a:endParaRPr lang="en-US" sz="1200" dirty="0">
-              <a:latin typeface="Lucida Sans Typewriter" panose="020B0509030504030204" pitchFamily="49" charset="0"/>
-            </a:endParaRPr>
-          </a:p>
-          <a:p>
-            <a:r>
-              <a:rPr lang="en-US" sz="1200" dirty="0">
-                <a:latin typeface="Lucida Sans Typewriter" panose="020B0509030504030204" pitchFamily="49" charset="0"/>
-              </a:rPr>
-              <a:t>    </a:t>
-            </a:r>
-            <a:r>
-              <a:rPr lang="en-US" sz="1200" dirty="0" err="1">
-                <a:latin typeface="Lucida Sans Typewriter" panose="020B0509030504030204" pitchFamily="49" charset="0"/>
-              </a:rPr>
-              <a:t>sensitizer_states_labels</a:t>
-            </a:r>
-            <a:r>
-              <a:rPr lang="en-US" sz="1200" dirty="0">
-                <a:latin typeface="Lucida Sans Typewriter" panose="020B0509030504030204" pitchFamily="49" charset="0"/>
-              </a:rPr>
-              <a:t>: [GS, ES]</a:t>
-            </a:r>
-          </a:p>
-          <a:p>
-            <a:r>
-              <a:rPr lang="en-US" sz="1200" dirty="0">
-                <a:latin typeface="Lucida Sans Typewriter" panose="020B0509030504030204" pitchFamily="49" charset="0"/>
-              </a:rPr>
-              <a:t>    </a:t>
-            </a:r>
-            <a:r>
-              <a:rPr lang="en-US" sz="1200" dirty="0" err="1">
-                <a:latin typeface="Lucida Sans Typewriter" panose="020B0509030504030204" pitchFamily="49" charset="0"/>
-              </a:rPr>
-              <a:t>activator_ion_label</a:t>
-            </a:r>
-            <a:r>
-              <a:rPr lang="en-US" sz="1200" dirty="0">
-                <a:latin typeface="Lucida Sans Typewriter" panose="020B0509030504030204" pitchFamily="49" charset="0"/>
-              </a:rPr>
-              <a:t>: Tm</a:t>
-            </a:r>
-          </a:p>
-          <a:p>
-            <a:r>
-              <a:rPr lang="en-US" sz="1200" dirty="0">
-                <a:latin typeface="Lucida Sans Typewriter" panose="020B0509030504030204" pitchFamily="49" charset="0"/>
-              </a:rPr>
-              <a:t>    </a:t>
-            </a:r>
-            <a:r>
-              <a:rPr lang="en-US" sz="1200" dirty="0" err="1">
-                <a:latin typeface="Lucida Sans Typewriter" panose="020B0509030504030204" pitchFamily="49" charset="0"/>
-              </a:rPr>
-              <a:t>activator_states_labels</a:t>
-            </a:r>
-            <a:r>
-              <a:rPr lang="en-US" sz="1200" dirty="0">
-                <a:latin typeface="Lucida Sans Typewriter" panose="020B0509030504030204" pitchFamily="49" charset="0"/>
-              </a:rPr>
-              <a:t>: [3H6, 3F4, 3H5, 3H4, 3F3, 1G4, 1D2</a:t>
-            </a:r>
-            <a:r>
-              <a:rPr lang="en-US" sz="1200" dirty="0" smtClean="0">
-                <a:latin typeface="Lucida Sans Typewriter" panose="020B0509030504030204" pitchFamily="49" charset="0"/>
-              </a:rPr>
-              <a:t>]</a:t>
-            </a:r>
-          </a:p>
-          <a:p>
-            <a:endParaRPr lang="en-US" sz="1200" b="1" dirty="0" smtClean="0">
-              <a:latin typeface="Lucida Sans Typewriter" panose="020B0509030504030204" pitchFamily="49" charset="0"/>
-            </a:endParaRPr>
-          </a:p>
-          <a:p>
-            <a:r>
-              <a:rPr lang="en-US" sz="1200" b="1" dirty="0" smtClean="0">
-                <a:latin typeface="Lucida Sans Typewriter" panose="020B0509030504030204" pitchFamily="49" charset="0"/>
-              </a:rPr>
-              <a:t>excitations</a:t>
-            </a:r>
-            <a:r>
-              <a:rPr lang="en-US" sz="1200" dirty="0">
-                <a:latin typeface="Lucida Sans Typewriter" panose="020B0509030504030204" pitchFamily="49" charset="0"/>
-              </a:rPr>
-              <a:t>:</a:t>
-            </a:r>
-          </a:p>
-          <a:p>
-            <a:r>
-              <a:rPr lang="en-US" sz="1200" dirty="0" smtClean="0">
-                <a:latin typeface="Lucida Sans Typewriter" panose="020B0509030504030204" pitchFamily="49" charset="0"/>
-              </a:rPr>
-              <a:t>    </a:t>
-            </a:r>
-            <a:r>
-              <a:rPr lang="en-US" sz="1200" b="1" dirty="0" smtClean="0">
-                <a:latin typeface="Lucida Sans Typewriter" panose="020B0509030504030204" pitchFamily="49" charset="0"/>
-              </a:rPr>
-              <a:t>Vis_473</a:t>
-            </a:r>
-            <a:r>
-              <a:rPr lang="en-US" sz="1200" dirty="0">
-                <a:latin typeface="Lucida Sans Typewriter" panose="020B0509030504030204" pitchFamily="49" charset="0"/>
-              </a:rPr>
-              <a:t>:</a:t>
-            </a:r>
-          </a:p>
-          <a:p>
-            <a:r>
-              <a:rPr lang="en-US" sz="1200" dirty="0">
-                <a:latin typeface="Lucida Sans Typewriter" panose="020B0509030504030204" pitchFamily="49" charset="0"/>
-              </a:rPr>
-              <a:t>        active: True</a:t>
-            </a:r>
-          </a:p>
-          <a:p>
-            <a:r>
-              <a:rPr lang="en-US" sz="1200" dirty="0">
-                <a:latin typeface="Lucida Sans Typewriter" panose="020B0509030504030204" pitchFamily="49" charset="0"/>
-              </a:rPr>
-              <a:t>        </a:t>
-            </a:r>
-            <a:r>
-              <a:rPr lang="en-US" sz="1200" dirty="0" err="1">
-                <a:latin typeface="Lucida Sans Typewriter" panose="020B0509030504030204" pitchFamily="49" charset="0"/>
-              </a:rPr>
-              <a:t>power_dens</a:t>
-            </a:r>
-            <a:r>
-              <a:rPr lang="en-US" sz="1200" dirty="0">
-                <a:latin typeface="Lucida Sans Typewriter" panose="020B0509030504030204" pitchFamily="49" charset="0"/>
-              </a:rPr>
-              <a:t>: 1e6 </a:t>
-            </a:r>
-            <a:r>
-              <a:rPr lang="en-US" sz="1200" dirty="0">
-                <a:solidFill>
-                  <a:srgbClr val="176FC1"/>
-                </a:solidFill>
-                <a:latin typeface="Lucida Sans Typewriter" panose="020B0509030504030204" pitchFamily="49" charset="0"/>
-              </a:rPr>
-              <a:t># power density W/cm^2</a:t>
-            </a:r>
-          </a:p>
-          <a:p>
-            <a:r>
-              <a:rPr lang="en-US" sz="1200" dirty="0">
-                <a:latin typeface="Lucida Sans Typewriter" panose="020B0509030504030204" pitchFamily="49" charset="0"/>
-              </a:rPr>
-              <a:t>        </a:t>
-            </a:r>
-            <a:r>
-              <a:rPr lang="en-US" sz="1200" dirty="0" err="1">
-                <a:latin typeface="Lucida Sans Typewriter" panose="020B0509030504030204" pitchFamily="49" charset="0"/>
-              </a:rPr>
-              <a:t>t_pulse</a:t>
-            </a:r>
-            <a:r>
-              <a:rPr lang="en-US" sz="1200" dirty="0">
-                <a:latin typeface="Lucida Sans Typewriter" panose="020B0509030504030204" pitchFamily="49" charset="0"/>
-              </a:rPr>
-              <a:t>: 1e-8 </a:t>
-            </a:r>
-            <a:r>
-              <a:rPr lang="en-US" sz="1200" dirty="0">
-                <a:solidFill>
-                  <a:srgbClr val="176FC1"/>
-                </a:solidFill>
-                <a:latin typeface="Lucida Sans Typewriter" panose="020B0509030504030204" pitchFamily="49" charset="0"/>
-              </a:rPr>
-              <a:t># pulse width, seconds</a:t>
-            </a:r>
-          </a:p>
-          <a:p>
-            <a:r>
-              <a:rPr lang="en-US" sz="1200" dirty="0">
-                <a:latin typeface="Lucida Sans Typewriter" panose="020B0509030504030204" pitchFamily="49" charset="0"/>
-              </a:rPr>
-              <a:t>        process: Tm(3H6) -&gt; Tm(1G4) </a:t>
-            </a:r>
-            <a:endParaRPr lang="en-US" sz="1200" dirty="0" smtClean="0">
-              <a:latin typeface="Lucida Sans Typewriter" panose="020B0509030504030204" pitchFamily="49" charset="0"/>
-            </a:endParaRPr>
-          </a:p>
-          <a:p>
-            <a:r>
-              <a:rPr lang="en-US" sz="1200" dirty="0">
-                <a:latin typeface="Lucida Sans Typewriter" panose="020B0509030504030204" pitchFamily="49" charset="0"/>
-              </a:rPr>
-              <a:t> </a:t>
-            </a:r>
-            <a:r>
-              <a:rPr lang="en-US" sz="1200" dirty="0" smtClean="0">
-                <a:latin typeface="Lucida Sans Typewriter" panose="020B0509030504030204" pitchFamily="49" charset="0"/>
-              </a:rPr>
-              <a:t>       degeneracy</a:t>
-            </a:r>
-            <a:r>
-              <a:rPr lang="en-US" sz="1200" dirty="0">
-                <a:latin typeface="Lucida Sans Typewriter" panose="020B0509030504030204" pitchFamily="49" charset="0"/>
-              </a:rPr>
-              <a:t>: 13/9 </a:t>
-            </a:r>
-            <a:r>
-              <a:rPr lang="en-US" sz="1200" dirty="0">
-                <a:solidFill>
-                  <a:srgbClr val="176FC1"/>
-                </a:solidFill>
-                <a:latin typeface="Lucida Sans Typewriter" panose="020B0509030504030204" pitchFamily="49" charset="0"/>
-              </a:rPr>
-              <a:t># </a:t>
-            </a:r>
-            <a:r>
-              <a:rPr lang="en-US" sz="1200" dirty="0" err="1">
-                <a:solidFill>
-                  <a:srgbClr val="176FC1"/>
-                </a:solidFill>
-                <a:latin typeface="Lucida Sans Typewriter" panose="020B0509030504030204" pitchFamily="49" charset="0"/>
-              </a:rPr>
-              <a:t>initial_state_g</a:t>
-            </a:r>
-            <a:r>
-              <a:rPr lang="en-US" sz="1200" dirty="0">
-                <a:solidFill>
-                  <a:srgbClr val="176FC1"/>
-                </a:solidFill>
-                <a:latin typeface="Lucida Sans Typewriter" panose="020B0509030504030204" pitchFamily="49" charset="0"/>
-              </a:rPr>
-              <a:t>/</a:t>
-            </a:r>
-            <a:r>
-              <a:rPr lang="en-US" sz="1200" dirty="0" err="1">
-                <a:solidFill>
-                  <a:srgbClr val="176FC1"/>
-                </a:solidFill>
-                <a:latin typeface="Lucida Sans Typewriter" panose="020B0509030504030204" pitchFamily="49" charset="0"/>
-              </a:rPr>
-              <a:t>final_state_g</a:t>
-            </a:r>
-            <a:endParaRPr lang="en-US" sz="1200" dirty="0">
-              <a:solidFill>
-                <a:srgbClr val="176FC1"/>
-              </a:solidFill>
-              <a:latin typeface="Lucida Sans Typewriter" panose="020B0509030504030204" pitchFamily="49" charset="0"/>
-            </a:endParaRPr>
-          </a:p>
-          <a:p>
-            <a:r>
-              <a:rPr lang="en-US" sz="1200" dirty="0">
-                <a:latin typeface="Lucida Sans Typewriter" panose="020B0509030504030204" pitchFamily="49" charset="0"/>
-              </a:rPr>
-              <a:t>        </a:t>
-            </a:r>
-            <a:r>
-              <a:rPr lang="en-US" sz="1200" dirty="0" err="1">
-                <a:latin typeface="Lucida Sans Typewriter" panose="020B0509030504030204" pitchFamily="49" charset="0"/>
-              </a:rPr>
-              <a:t>pump_rate</a:t>
-            </a:r>
-            <a:r>
-              <a:rPr lang="en-US" sz="1200" dirty="0">
-                <a:latin typeface="Lucida Sans Typewriter" panose="020B0509030504030204" pitchFamily="49" charset="0"/>
-              </a:rPr>
-              <a:t>: 9.3e-4 </a:t>
-            </a:r>
-            <a:r>
-              <a:rPr lang="en-US" sz="1200" dirty="0">
-                <a:solidFill>
-                  <a:srgbClr val="176FC1"/>
-                </a:solidFill>
-                <a:latin typeface="Lucida Sans Typewriter" panose="020B0509030504030204" pitchFamily="49" charset="0"/>
-              </a:rPr>
-              <a:t># </a:t>
-            </a:r>
-            <a:r>
-              <a:rPr lang="en-US" sz="1200" dirty="0" smtClean="0">
-                <a:solidFill>
-                  <a:srgbClr val="176FC1"/>
-                </a:solidFill>
-                <a:latin typeface="Lucida Sans Typewriter" panose="020B0509030504030204" pitchFamily="49" charset="0"/>
-              </a:rPr>
-              <a:t>cm2/J</a:t>
-            </a:r>
-          </a:p>
-          <a:p>
-            <a:r>
-              <a:rPr lang="en-US" sz="1200" dirty="0" smtClean="0">
-                <a:latin typeface="Lucida Sans Typewriter" panose="020B0509030504030204" pitchFamily="49" charset="0"/>
-              </a:rPr>
-              <a:t>    </a:t>
-            </a:r>
-            <a:r>
-              <a:rPr lang="en-US" sz="1200" b="1" dirty="0" smtClean="0">
-                <a:latin typeface="Lucida Sans Typewriter" panose="020B0509030504030204" pitchFamily="49" charset="0"/>
-              </a:rPr>
-              <a:t>NIR_800</a:t>
-            </a:r>
-            <a:r>
-              <a:rPr lang="en-US" sz="1200" dirty="0">
-                <a:latin typeface="Lucida Sans Typewriter" panose="020B0509030504030204" pitchFamily="49" charset="0"/>
-              </a:rPr>
-              <a:t>: </a:t>
-            </a:r>
-            <a:endParaRPr lang="en-US" sz="1200" dirty="0" smtClean="0">
-              <a:latin typeface="Lucida Sans Typewriter" panose="020B0509030504030204" pitchFamily="49" charset="0"/>
-            </a:endParaRPr>
-          </a:p>
-          <a:p>
-            <a:r>
-              <a:rPr lang="en-US" sz="1200" dirty="0">
-                <a:latin typeface="Lucida Sans Typewriter" panose="020B0509030504030204" pitchFamily="49" charset="0"/>
-              </a:rPr>
-              <a:t> </a:t>
-            </a:r>
-            <a:r>
-              <a:rPr lang="en-US" sz="1200" dirty="0" smtClean="0">
-                <a:latin typeface="Lucida Sans Typewriter" panose="020B0509030504030204" pitchFamily="49" charset="0"/>
-              </a:rPr>
-              <a:t>       active</a:t>
-            </a:r>
-            <a:r>
-              <a:rPr lang="en-US" sz="1200" dirty="0">
-                <a:latin typeface="Lucida Sans Typewriter" panose="020B0509030504030204" pitchFamily="49" charset="0"/>
-              </a:rPr>
-              <a:t>: False</a:t>
-            </a:r>
-          </a:p>
-          <a:p>
-            <a:r>
-              <a:rPr lang="en-US" sz="1200" dirty="0">
-                <a:latin typeface="Lucida Sans Typewriter" panose="020B0509030504030204" pitchFamily="49" charset="0"/>
-              </a:rPr>
-              <a:t>        </a:t>
-            </a:r>
-            <a:r>
-              <a:rPr lang="en-US" sz="1200" dirty="0" err="1">
-                <a:latin typeface="Lucida Sans Typewriter" panose="020B0509030504030204" pitchFamily="49" charset="0"/>
-              </a:rPr>
-              <a:t>power_dens</a:t>
-            </a:r>
-            <a:r>
-              <a:rPr lang="en-US" sz="1200" dirty="0">
-                <a:latin typeface="Lucida Sans Typewriter" panose="020B0509030504030204" pitchFamily="49" charset="0"/>
-              </a:rPr>
-              <a:t>: </a:t>
-            </a:r>
-            <a:r>
-              <a:rPr lang="en-US" sz="1200" dirty="0" smtClean="0">
-                <a:latin typeface="Lucida Sans Typewriter" panose="020B0509030504030204" pitchFamily="49" charset="0"/>
-              </a:rPr>
-              <a:t>1e7</a:t>
-            </a:r>
-          </a:p>
-          <a:p>
-            <a:r>
-              <a:rPr lang="en-US" sz="1200" dirty="0" smtClean="0">
-                <a:latin typeface="Lucida Sans Typewriter" panose="020B0509030504030204" pitchFamily="49" charset="0"/>
-              </a:rPr>
-              <a:t>        process</a:t>
-            </a:r>
-            <a:r>
-              <a:rPr lang="en-US" sz="1200" dirty="0">
-                <a:latin typeface="Lucida Sans Typewriter" panose="020B0509030504030204" pitchFamily="49" charset="0"/>
-              </a:rPr>
-              <a:t>: [Tm(3H6)-&gt;Tm(3H4), Tm(3H5)-&gt;Tm(1G4)]</a:t>
-            </a:r>
-          </a:p>
-          <a:p>
-            <a:r>
-              <a:rPr lang="en-US" sz="1200" dirty="0">
-                <a:latin typeface="Lucida Sans Typewriter" panose="020B0509030504030204" pitchFamily="49" charset="0"/>
-              </a:rPr>
-              <a:t>        degeneracy: [13/9, 11/9]</a:t>
-            </a:r>
-          </a:p>
-          <a:p>
-            <a:r>
-              <a:rPr lang="en-US" sz="1200" dirty="0">
-                <a:latin typeface="Lucida Sans Typewriter" panose="020B0509030504030204" pitchFamily="49" charset="0"/>
-              </a:rPr>
-              <a:t>        </a:t>
-            </a:r>
-            <a:r>
-              <a:rPr lang="en-US" sz="1200" dirty="0" err="1">
-                <a:latin typeface="Lucida Sans Typewriter" panose="020B0509030504030204" pitchFamily="49" charset="0"/>
-              </a:rPr>
-              <a:t>pump_rate</a:t>
-            </a:r>
-            <a:r>
-              <a:rPr lang="en-US" sz="1200" dirty="0">
-                <a:latin typeface="Lucida Sans Typewriter" panose="020B0509030504030204" pitchFamily="49" charset="0"/>
-              </a:rPr>
-              <a:t>: [4.4e-3, 4e-3</a:t>
-            </a:r>
-            <a:r>
-              <a:rPr lang="en-US" sz="1200" dirty="0" smtClean="0">
-                <a:latin typeface="Lucida Sans Typewriter" panose="020B0509030504030204" pitchFamily="49" charset="0"/>
-              </a:rPr>
-              <a:t>]</a:t>
-            </a:r>
-            <a:endParaRPr lang="en-US" sz="1200" dirty="0">
-              <a:latin typeface="Lucida Sans Typewriter" panose="020B0509030504030204" pitchFamily="49" charset="0"/>
-            </a:endParaRPr>
-          </a:p>
-        </p:txBody>
-      </p:sp>
-      <p:sp>
-        <p:nvSpPr>
-          <p:cNvPr id="7" name="TextBox 6"/>
-          <p:cNvSpPr txBox="1"/>
-          <p:nvPr/>
-        </p:nvSpPr>
-        <p:spPr>
-          <a:xfrm>
-            <a:off x="6019800" y="1524000"/>
-            <a:ext cx="3086100" cy="4893647"/>
-          </a:xfrm>
-          <a:prstGeom prst="rect">
-            <a:avLst/>
-          </a:prstGeom>
-          <a:noFill/>
-        </p:spPr>
-        <p:txBody>
-          <a:bodyPr wrap="square" rtlCol="0">
-            <a:spAutoFit/>
-          </a:bodyPr>
-          <a:lstStyle/>
-          <a:p>
-            <a:r>
-              <a:rPr lang="en-US" sz="1200" dirty="0">
-                <a:solidFill>
-                  <a:srgbClr val="176FC1"/>
-                </a:solidFill>
-                <a:latin typeface="Lucida Sans Typewriter" panose="020B0509030504030204" pitchFamily="49" charset="0"/>
-              </a:rPr>
-              <a:t># lifetimes in s</a:t>
-            </a:r>
-            <a:endParaRPr lang="en-US" sz="1200" b="1" dirty="0">
-              <a:solidFill>
-                <a:srgbClr val="176FC1"/>
-              </a:solidFill>
-              <a:latin typeface="Lucida Sans Typewriter" panose="020B0509030504030204" pitchFamily="49" charset="0"/>
-            </a:endParaRPr>
-          </a:p>
-          <a:p>
-            <a:r>
-              <a:rPr lang="en-US" sz="1200" b="1" dirty="0" err="1">
-                <a:latin typeface="Lucida Sans Typewriter" panose="020B0509030504030204" pitchFamily="49" charset="0"/>
-              </a:rPr>
-              <a:t>sensitizer_decay</a:t>
-            </a:r>
-            <a:r>
-              <a:rPr lang="en-US" sz="1200" dirty="0">
-                <a:latin typeface="Lucida Sans Typewriter" panose="020B0509030504030204" pitchFamily="49" charset="0"/>
-              </a:rPr>
-              <a:t>:</a:t>
-            </a:r>
-          </a:p>
-          <a:p>
-            <a:r>
-              <a:rPr lang="en-US" sz="1200" dirty="0">
-                <a:latin typeface="Lucida Sans Typewriter" panose="020B0509030504030204" pitchFamily="49" charset="0"/>
-              </a:rPr>
-              <a:t>    ES: 2.5e-3</a:t>
-            </a:r>
-          </a:p>
-          <a:p>
-            <a:endParaRPr lang="pt-BR" sz="1200" b="1" dirty="0" smtClean="0">
-              <a:latin typeface="Lucida Sans Typewriter" panose="020B0509030504030204" pitchFamily="49" charset="0"/>
-            </a:endParaRPr>
-          </a:p>
-          <a:p>
-            <a:r>
-              <a:rPr lang="pt-BR" sz="1200" b="1" dirty="0" smtClean="0">
-                <a:latin typeface="Lucida Sans Typewriter" panose="020B0509030504030204" pitchFamily="49" charset="0"/>
-              </a:rPr>
-              <a:t>activator_decay</a:t>
-            </a:r>
-            <a:r>
-              <a:rPr lang="pt-BR" sz="1200" dirty="0">
-                <a:latin typeface="Lucida Sans Typewriter" panose="020B0509030504030204" pitchFamily="49" charset="0"/>
-              </a:rPr>
-              <a:t>:</a:t>
-            </a:r>
-          </a:p>
-          <a:p>
-            <a:r>
-              <a:rPr lang="pt-BR" sz="1200" dirty="0">
-                <a:latin typeface="Lucida Sans Typewriter" panose="020B0509030504030204" pitchFamily="49" charset="0"/>
-              </a:rPr>
-              <a:t>    3F4: 12e-3</a:t>
-            </a:r>
-          </a:p>
-          <a:p>
-            <a:r>
-              <a:rPr lang="pt-BR" sz="1200" dirty="0">
-                <a:latin typeface="Lucida Sans Typewriter" panose="020B0509030504030204" pitchFamily="49" charset="0"/>
-              </a:rPr>
-              <a:t>    3H5: 25e-6</a:t>
-            </a:r>
-          </a:p>
-          <a:p>
-            <a:r>
-              <a:rPr lang="pt-BR" sz="1200" dirty="0">
-                <a:latin typeface="Lucida Sans Typewriter" panose="020B0509030504030204" pitchFamily="49" charset="0"/>
-              </a:rPr>
-              <a:t>    3H4: 2e-3</a:t>
-            </a:r>
-          </a:p>
-          <a:p>
-            <a:r>
-              <a:rPr lang="pt-BR" sz="1200" dirty="0">
-                <a:latin typeface="Lucida Sans Typewriter" panose="020B0509030504030204" pitchFamily="49" charset="0"/>
-              </a:rPr>
-              <a:t>    3F3: 2e-6</a:t>
-            </a:r>
-          </a:p>
-          <a:p>
-            <a:r>
-              <a:rPr lang="pt-BR" sz="1200" dirty="0">
-                <a:latin typeface="Lucida Sans Typewriter" panose="020B0509030504030204" pitchFamily="49" charset="0"/>
-              </a:rPr>
-              <a:t>    1G4: 760e-6</a:t>
-            </a:r>
-          </a:p>
-          <a:p>
-            <a:r>
-              <a:rPr lang="pt-BR" sz="1200" dirty="0">
-                <a:latin typeface="Lucida Sans Typewriter" panose="020B0509030504030204" pitchFamily="49" charset="0"/>
-              </a:rPr>
-              <a:t>    1D2: </a:t>
-            </a:r>
-            <a:r>
-              <a:rPr lang="pt-BR" sz="1200" dirty="0" smtClean="0">
-                <a:latin typeface="Lucida Sans Typewriter" panose="020B0509030504030204" pitchFamily="49" charset="0"/>
-              </a:rPr>
-              <a:t>67.5e-6</a:t>
-            </a:r>
-            <a:endParaRPr lang="en-US" sz="1200" b="1" dirty="0" smtClean="0">
-              <a:latin typeface="Lucida Sans Typewriter" panose="020B0509030504030204" pitchFamily="49" charset="0"/>
-            </a:endParaRPr>
-          </a:p>
-          <a:p>
-            <a:endParaRPr lang="en-US" sz="1200" b="1" dirty="0" smtClean="0">
-              <a:latin typeface="Lucida Sans Typewriter" panose="020B0509030504030204" pitchFamily="49" charset="0"/>
-            </a:endParaRPr>
-          </a:p>
-          <a:p>
-            <a:r>
-              <a:rPr lang="en-US" sz="1200" b="1" dirty="0" err="1" smtClean="0">
-                <a:latin typeface="Lucida Sans Typewriter" panose="020B0509030504030204" pitchFamily="49" charset="0"/>
-              </a:rPr>
-              <a:t>activator_branching_ratios</a:t>
-            </a:r>
-            <a:r>
-              <a:rPr lang="en-US" sz="1200" dirty="0">
-                <a:latin typeface="Lucida Sans Typewriter" panose="020B0509030504030204" pitchFamily="49" charset="0"/>
-              </a:rPr>
-              <a:t>:</a:t>
-            </a:r>
-          </a:p>
-          <a:p>
-            <a:r>
-              <a:rPr lang="en-US" sz="1200" dirty="0">
-                <a:latin typeface="Lucida Sans Typewriter" panose="020B0509030504030204" pitchFamily="49" charset="0"/>
-              </a:rPr>
-              <a:t>    </a:t>
-            </a:r>
-            <a:r>
-              <a:rPr lang="en-US" sz="1200" dirty="0">
-                <a:solidFill>
-                  <a:srgbClr val="176FC1"/>
-                </a:solidFill>
-                <a:latin typeface="Lucida Sans Typewriter" panose="020B0509030504030204" pitchFamily="49" charset="0"/>
-              </a:rPr>
-              <a:t># 3H5 and 3H4 to 3F4</a:t>
-            </a:r>
-          </a:p>
-          <a:p>
-            <a:r>
-              <a:rPr lang="en-US" sz="1200" dirty="0">
-                <a:latin typeface="Lucida Sans Typewriter" panose="020B0509030504030204" pitchFamily="49" charset="0"/>
-              </a:rPr>
-              <a:t>    3H5-&gt;3F4: 0.4</a:t>
-            </a:r>
-          </a:p>
-          <a:p>
-            <a:r>
-              <a:rPr lang="en-US" sz="1200" dirty="0">
-                <a:latin typeface="Lucida Sans Typewriter" panose="020B0509030504030204" pitchFamily="49" charset="0"/>
-              </a:rPr>
-              <a:t>    3H4-&gt;3F4: 0.3</a:t>
-            </a:r>
-          </a:p>
-          <a:p>
-            <a:r>
-              <a:rPr lang="en-US" sz="1200" dirty="0">
-                <a:latin typeface="Lucida Sans Typewriter" panose="020B0509030504030204" pitchFamily="49" charset="0"/>
-              </a:rPr>
-              <a:t>    3H4-&gt;3H5: 0.1</a:t>
-            </a:r>
-          </a:p>
-          <a:p>
-            <a:r>
-              <a:rPr lang="en-US" sz="1200" dirty="0">
-                <a:latin typeface="Lucida Sans Typewriter" panose="020B0509030504030204" pitchFamily="49" charset="0"/>
-              </a:rPr>
-              <a:t>    </a:t>
-            </a:r>
-            <a:r>
-              <a:rPr lang="en-US" sz="1200" dirty="0">
-                <a:solidFill>
-                  <a:srgbClr val="176FC1"/>
-                </a:solidFill>
-                <a:latin typeface="Lucida Sans Typewriter" panose="020B0509030504030204" pitchFamily="49" charset="0"/>
-              </a:rPr>
-              <a:t># 3F3 to 3H4</a:t>
-            </a:r>
-          </a:p>
-          <a:p>
-            <a:r>
-              <a:rPr lang="en-US" sz="1200" dirty="0">
-                <a:latin typeface="Lucida Sans Typewriter" panose="020B0509030504030204" pitchFamily="49" charset="0"/>
-              </a:rPr>
-              <a:t>    3F3-&gt;3H4: 0.999</a:t>
-            </a:r>
-          </a:p>
-          <a:p>
-            <a:r>
-              <a:rPr lang="en-US" sz="1200" dirty="0">
-                <a:latin typeface="Lucida Sans Typewriter" panose="020B0509030504030204" pitchFamily="49" charset="0"/>
-              </a:rPr>
-              <a:t>    </a:t>
-            </a:r>
-            <a:r>
-              <a:rPr lang="en-US" sz="1200" dirty="0">
-                <a:solidFill>
-                  <a:srgbClr val="176FC1"/>
-                </a:solidFill>
-                <a:latin typeface="Lucida Sans Typewriter" panose="020B0509030504030204" pitchFamily="49" charset="0"/>
-              </a:rPr>
-              <a:t># 1G4 to 3F4, 3H5, </a:t>
-            </a:r>
-            <a:r>
-              <a:rPr lang="en-US" sz="1200" dirty="0" smtClean="0">
-                <a:solidFill>
-                  <a:srgbClr val="176FC1"/>
-                </a:solidFill>
-                <a:latin typeface="Lucida Sans Typewriter" panose="020B0509030504030204" pitchFamily="49" charset="0"/>
-              </a:rPr>
-              <a:t>3H4, 3F3</a:t>
-            </a:r>
-            <a:endParaRPr lang="en-US" sz="1200" dirty="0">
-              <a:solidFill>
-                <a:srgbClr val="176FC1"/>
-              </a:solidFill>
-              <a:latin typeface="Lucida Sans Typewriter" panose="020B0509030504030204" pitchFamily="49" charset="0"/>
-            </a:endParaRPr>
-          </a:p>
-          <a:p>
-            <a:r>
-              <a:rPr lang="en-US" sz="1200" dirty="0">
-                <a:latin typeface="Lucida Sans Typewriter" panose="020B0509030504030204" pitchFamily="49" charset="0"/>
-              </a:rPr>
-              <a:t>    1G4-&gt;3F4: 0.15</a:t>
-            </a:r>
-          </a:p>
-          <a:p>
-            <a:r>
-              <a:rPr lang="en-US" sz="1200" dirty="0">
-                <a:latin typeface="Lucida Sans Typewriter" panose="020B0509030504030204" pitchFamily="49" charset="0"/>
-              </a:rPr>
-              <a:t>    1G4-&gt;3H5: 0.16</a:t>
-            </a:r>
-          </a:p>
-          <a:p>
-            <a:r>
-              <a:rPr lang="en-US" sz="1200" dirty="0">
-                <a:latin typeface="Lucida Sans Typewriter" panose="020B0509030504030204" pitchFamily="49" charset="0"/>
-              </a:rPr>
-              <a:t>    1G4-&gt;3H4: 0.04</a:t>
-            </a:r>
-          </a:p>
-          <a:p>
-            <a:r>
-              <a:rPr lang="en-US" sz="1200" dirty="0">
-                <a:latin typeface="Lucida Sans Typewriter" panose="020B0509030504030204" pitchFamily="49" charset="0"/>
-              </a:rPr>
-              <a:t>    1G4-&gt;3F3: 0.00</a:t>
-            </a:r>
-          </a:p>
-          <a:p>
-            <a:r>
-              <a:rPr lang="en-US" sz="1200" dirty="0">
-                <a:latin typeface="Lucida Sans Typewriter" panose="020B0509030504030204" pitchFamily="49" charset="0"/>
-              </a:rPr>
-              <a:t>    </a:t>
-            </a:r>
-            <a:r>
-              <a:rPr lang="en-US" sz="1200" dirty="0">
-                <a:solidFill>
-                  <a:srgbClr val="176FC1"/>
-                </a:solidFill>
-                <a:latin typeface="Lucida Sans Typewriter" panose="020B0509030504030204" pitchFamily="49" charset="0"/>
-              </a:rPr>
-              <a:t># 1D2 to 3F4</a:t>
-            </a:r>
-          </a:p>
-          <a:p>
-            <a:r>
-              <a:rPr lang="en-US" sz="1200" dirty="0">
-                <a:latin typeface="Lucida Sans Typewriter" panose="020B0509030504030204" pitchFamily="49" charset="0"/>
-              </a:rPr>
-              <a:t>    1D2-&gt;3F4: 0.43</a:t>
-            </a:r>
-          </a:p>
-        </p:txBody>
-      </p:sp>
-      <p:sp>
-        <p:nvSpPr>
-          <p:cNvPr id="8" name="Oval 7"/>
+          <p:cNvPr id="9" name="Oval 8"/>
           <p:cNvSpPr/>
           <p:nvPr/>
         </p:nvSpPr>
@@ -6413,23 +5689,134 @@
           </a:p>
         </p:txBody>
       </p:sp>
+      <p:pic>
+        <p:nvPicPr>
+          <p:cNvPr id="3" name="Picture 2"/>
+          <p:cNvPicPr>
+            <a:picLocks noChangeAspect="1"/>
+          </p:cNvPicPr>
+          <p:nvPr/>
+        </p:nvPicPr>
+        <p:blipFill rotWithShape="1">
+          <a:blip r:embed="rId2"/>
+          <a:srcRect l="-2113" t="-293" r="55532" b="59116"/>
+          <a:stretch/>
+        </p:blipFill>
+        <p:spPr>
+          <a:xfrm>
+            <a:off x="1219200" y="4800600"/>
+            <a:ext cx="3910797" cy="1325565"/>
+          </a:xfrm>
+          <a:prstGeom prst="rect">
+            <a:avLst/>
+          </a:prstGeom>
+        </p:spPr>
+      </p:pic>
+      <p:grpSp>
+        <p:nvGrpSpPr>
+          <p:cNvPr id="8" name="Group 7"/>
+          <p:cNvGrpSpPr/>
+          <p:nvPr/>
+        </p:nvGrpSpPr>
+        <p:grpSpPr>
+          <a:xfrm>
+            <a:off x="4477623" y="2286000"/>
+            <a:ext cx="4209177" cy="762000"/>
+            <a:chOff x="4343400" y="2514600"/>
+            <a:chExt cx="4209177" cy="762000"/>
+          </a:xfrm>
+        </p:grpSpPr>
+        <p:sp>
+          <p:nvSpPr>
+            <p:cNvPr id="6" name="Rectangle 5"/>
+            <p:cNvSpPr/>
+            <p:nvPr/>
+          </p:nvSpPr>
+          <p:spPr>
+            <a:xfrm>
+              <a:off x="4572000" y="2726323"/>
+              <a:ext cx="3980577" cy="338554"/>
+            </a:xfrm>
+            <a:prstGeom prst="rect">
+              <a:avLst/>
+            </a:prstGeom>
+          </p:spPr>
+          <p:txBody>
+            <a:bodyPr wrap="none">
+              <a:spAutoFit/>
+            </a:bodyPr>
+            <a:lstStyle/>
+            <a:p>
+              <a:r>
+                <a:rPr lang="de-CH" sz="1600" dirty="0">
+                  <a:solidFill>
+                    <a:prstClr val="black">
+                      <a:lumMod val="85000"/>
+                      <a:lumOff val="15000"/>
+                    </a:prstClr>
+                  </a:solidFill>
+                  <a:latin typeface="Century Gothic"/>
+                </a:rPr>
+                <a:t>Labels defined in the configuration file</a:t>
+              </a:r>
+              <a:endParaRPr lang="en-US" sz="1200" dirty="0"/>
+            </a:p>
+          </p:txBody>
+        </p:sp>
+        <p:sp>
+          <p:nvSpPr>
+            <p:cNvPr id="7" name="Right Brace 6"/>
+            <p:cNvSpPr/>
+            <p:nvPr/>
+          </p:nvSpPr>
+          <p:spPr>
+            <a:xfrm>
+              <a:off x="4343400" y="2514600"/>
+              <a:ext cx="152400" cy="762000"/>
+            </a:xfrm>
+            <a:prstGeom prst="rightBrace">
+              <a:avLst/>
+            </a:prstGeom>
+            <a:ln>
+              <a:solidFill>
+                <a:schemeClr val="tx1"/>
+              </a:solidFill>
+            </a:ln>
+          </p:spPr>
+          <p:style>
+            <a:lnRef idx="1">
+              <a:schemeClr val="accent1"/>
+            </a:lnRef>
+            <a:fillRef idx="0">
+              <a:schemeClr val="accent1"/>
+            </a:fillRef>
+            <a:effectRef idx="0">
+              <a:schemeClr val="accent1"/>
+            </a:effectRef>
+            <a:fontRef idx="minor">
+              <a:schemeClr val="tx1"/>
+            </a:fontRef>
+          </p:style>
+          <p:txBody>
+            <a:bodyPr rtlCol="0" anchor="ctr"/>
+            <a:lstStyle/>
+            <a:p>
+              <a:pPr algn="ctr"/>
+              <a:endParaRPr lang="en-US"/>
+            </a:p>
+          </p:txBody>
+        </p:sp>
+      </p:grpSp>
     </p:spTree>
     <p:extLst>
       <p:ext uri="{BB962C8B-B14F-4D97-AF65-F5344CB8AC3E}">
-        <p14:creationId xmlns:p14="http://schemas.microsoft.com/office/powerpoint/2010/main" val="1450495992"/>
+        <p14:creationId xmlns:p14="http://schemas.microsoft.com/office/powerpoint/2010/main" val="4042773668"/>
       </p:ext>
     </p:extLst>
   </p:cSld>
   <p:clrMapOvr>
     <a:masterClrMapping/>
   </p:clrMapOvr>
-  <p:timing>
-    <p:tnLst>
-      <p:par>
-        <p:cTn id="1" dur="indefinite" restart="never" nodeType="tmRoot"/>
-      </p:par>
-    </p:tnLst>
-  </p:timing>
 </p:sld>
 </file>
 
@@ -6466,7 +5853,7 @@
           <a:lstStyle/>
           <a:p>
             <a:r>
-              <a:rPr lang="de-CH" dirty="0" smtClean="0"/>
+              <a:rPr lang="de-CH" dirty="0"/>
               <a:t>How to use </a:t>
             </a:r>
             <a:r>
@@ -6487,6 +5874,36 @@
       </p:sp>
       <p:sp>
         <p:nvSpPr>
+          <p:cNvPr id="3" name="Content Placeholder 2"/>
+          <p:cNvSpPr>
+            <a:spLocks noGrp="1"/>
+          </p:cNvSpPr>
+          <p:nvPr>
+            <p:ph idx="1"/>
+          </p:nvPr>
+        </p:nvSpPr>
+        <p:spPr/>
+        <p:txBody>
+          <a:bodyPr/>
+          <a:lstStyle/>
+          <a:p>
+            <a:r>
+              <a:rPr lang="en-US" dirty="0"/>
+              <a:t>Configuration file:</a:t>
+            </a:r>
+          </a:p>
+          <a:p>
+            <a:pPr lvl="1"/>
+            <a:r>
+              <a:rPr lang="de-CH" dirty="0"/>
+              <a:t>Dynamics (not ET):</a:t>
+            </a:r>
+            <a:endParaRPr lang="en-US" dirty="0"/>
+          </a:p>
+        </p:txBody>
+      </p:sp>
+      <p:sp>
+        <p:nvSpPr>
           <p:cNvPr id="4" name="Slide Number Placeholder 3"/>
           <p:cNvSpPr>
             <a:spLocks noGrp="1"/>
@@ -6509,108 +5926,702 @@
           </a:p>
         </p:txBody>
       </p:sp>
-      <p:pic>
-        <p:nvPicPr>
-          <p:cNvPr id="8" name="Picture 7"/>
-          <p:cNvPicPr>
-            <a:picLocks noChangeAspect="1"/>
-          </p:cNvPicPr>
+      <p:sp>
+        <p:nvSpPr>
+          <p:cNvPr id="6" name="TextBox 5"/>
+          <p:cNvSpPr txBox="1"/>
           <p:nvPr/>
-        </p:nvPicPr>
-        <p:blipFill>
-          <a:blip r:embed="rId2">
-            <a:extLst>
-              <a:ext uri="{28A0092B-C50C-407E-A947-70E740481C1C}">
-                <a14:useLocalDpi xmlns:a14="http://schemas.microsoft.com/office/drawing/2010/main" val="0"/>
-              </a:ext>
-            </a:extLst>
-          </a:blip>
-          <a:stretch>
-            <a:fillRect/>
-          </a:stretch>
-        </p:blipFill>
+        </p:nvSpPr>
         <p:spPr>
           <a:xfrm>
-            <a:off x="266700" y="1902938"/>
-            <a:ext cx="8610600" cy="4650262"/>
-          </a:xfrm>
-          <a:prstGeom prst="rect">
-            <a:avLst/>
-          </a:prstGeom>
-        </p:spPr>
-      </p:pic>
-      <p:sp>
-        <p:nvSpPr>
-          <p:cNvPr id="3" name="Content Placeholder 2"/>
-          <p:cNvSpPr>
-            <a:spLocks noGrp="1"/>
-          </p:cNvSpPr>
-          <p:nvPr>
-            <p:ph idx="1"/>
-          </p:nvPr>
-        </p:nvSpPr>
-        <p:spPr/>
-        <p:txBody>
-          <a:bodyPr/>
-          <a:lstStyle/>
-          <a:p>
-            <a:r>
-              <a:rPr lang="de-CH" dirty="0" smtClean="0"/>
-              <a:t>Dynamics (not ET):</a:t>
-            </a:r>
-            <a:endParaRPr lang="en-US" dirty="0"/>
-          </a:p>
-        </p:txBody>
-      </p:sp>
-      <p:sp>
-        <p:nvSpPr>
-          <p:cNvPr id="9" name="Rectangle 8"/>
-          <p:cNvSpPr/>
-          <p:nvPr/>
-        </p:nvSpPr>
-        <p:spPr>
-          <a:xfrm>
-            <a:off x="5792788" y="4953000"/>
-            <a:ext cx="1370012" cy="1173165"/>
+            <a:off x="0" y="1981200"/>
+            <a:ext cx="6096000" cy="3785652"/>
           </a:xfrm>
           <a:prstGeom prst="rect">
             <a:avLst/>
           </a:prstGeom>
           <a:noFill/>
-          <a:ln>
-            <a:solidFill>
-              <a:srgbClr val="FF0000"/>
-            </a:solidFill>
-          </a:ln>
         </p:spPr>
-        <p:style>
-          <a:lnRef idx="2">
-            <a:schemeClr val="accent1">
-              <a:shade val="50000"/>
-            </a:schemeClr>
-          </a:lnRef>
-          <a:fillRef idx="1">
-            <a:schemeClr val="accent1"/>
-          </a:fillRef>
-          <a:effectRef idx="0">
-            <a:schemeClr val="accent1"/>
-          </a:effectRef>
-          <a:fontRef idx="minor">
-            <a:schemeClr val="lt1"/>
-          </a:fontRef>
-        </p:style>
-        <p:txBody>
-          <a:bodyPr rtlCol="0" anchor="ctr"/>
-          <a:lstStyle/>
-          <a:p>
-            <a:pPr algn="ctr"/>
-            <a:endParaRPr lang="en-US"/>
-          </a:p>
-        </p:txBody>
-      </p:sp>
-      <p:sp>
-        <p:nvSpPr>
-          <p:cNvPr id="10" name="Oval 9"/>
+        <p:txBody>
+          <a:bodyPr wrap="square" rtlCol="0">
+            <a:spAutoFit/>
+          </a:bodyPr>
+          <a:lstStyle/>
+          <a:p>
+            <a:r>
+              <a:rPr lang="en-US" sz="1200" b="1" dirty="0">
+                <a:latin typeface="Lucida Sans Typewriter" panose="020B0509030504030204" pitchFamily="49" charset="0"/>
+              </a:rPr>
+              <a:t>states</a:t>
+            </a:r>
+            <a:r>
+              <a:rPr lang="en-US" sz="1200" dirty="0">
+                <a:latin typeface="Lucida Sans Typewriter" panose="020B0509030504030204" pitchFamily="49" charset="0"/>
+              </a:rPr>
+              <a:t>:</a:t>
+            </a:r>
+          </a:p>
+          <a:p>
+            <a:r>
+              <a:rPr lang="en-US" sz="1200" dirty="0">
+                <a:latin typeface="Lucida Sans Typewriter" panose="020B0509030504030204" pitchFamily="49" charset="0"/>
+              </a:rPr>
+              <a:t>    </a:t>
+            </a:r>
+            <a:r>
+              <a:rPr lang="en-US" sz="1200" dirty="0" err="1">
+                <a:latin typeface="Lucida Sans Typewriter" panose="020B0509030504030204" pitchFamily="49" charset="0"/>
+              </a:rPr>
+              <a:t>sensitizer_ion_label</a:t>
+            </a:r>
+            <a:r>
+              <a:rPr lang="en-US" sz="1200" dirty="0">
+                <a:latin typeface="Lucida Sans Typewriter" panose="020B0509030504030204" pitchFamily="49" charset="0"/>
+              </a:rPr>
+              <a:t>: </a:t>
+            </a:r>
+            <a:r>
+              <a:rPr lang="en-US" sz="1200" dirty="0" err="1">
+                <a:latin typeface="Lucida Sans Typewriter" panose="020B0509030504030204" pitchFamily="49" charset="0"/>
+              </a:rPr>
+              <a:t>Yb</a:t>
+            </a:r>
+            <a:endParaRPr lang="en-US" sz="1200" dirty="0">
+              <a:latin typeface="Lucida Sans Typewriter" panose="020B0509030504030204" pitchFamily="49" charset="0"/>
+            </a:endParaRPr>
+          </a:p>
+          <a:p>
+            <a:r>
+              <a:rPr lang="en-US" sz="1200" dirty="0">
+                <a:latin typeface="Lucida Sans Typewriter" panose="020B0509030504030204" pitchFamily="49" charset="0"/>
+              </a:rPr>
+              <a:t>    </a:t>
+            </a:r>
+            <a:r>
+              <a:rPr lang="en-US" sz="1200" dirty="0" err="1">
+                <a:latin typeface="Lucida Sans Typewriter" panose="020B0509030504030204" pitchFamily="49" charset="0"/>
+              </a:rPr>
+              <a:t>sensitizer_states_labels</a:t>
+            </a:r>
+            <a:r>
+              <a:rPr lang="en-US" sz="1200" dirty="0">
+                <a:latin typeface="Lucida Sans Typewriter" panose="020B0509030504030204" pitchFamily="49" charset="0"/>
+              </a:rPr>
+              <a:t>: [GS, ES]</a:t>
+            </a:r>
+          </a:p>
+          <a:p>
+            <a:r>
+              <a:rPr lang="en-US" sz="1200" dirty="0">
+                <a:latin typeface="Lucida Sans Typewriter" panose="020B0509030504030204" pitchFamily="49" charset="0"/>
+              </a:rPr>
+              <a:t>    </a:t>
+            </a:r>
+            <a:r>
+              <a:rPr lang="en-US" sz="1200" dirty="0" err="1">
+                <a:latin typeface="Lucida Sans Typewriter" panose="020B0509030504030204" pitchFamily="49" charset="0"/>
+              </a:rPr>
+              <a:t>activator_ion_label</a:t>
+            </a:r>
+            <a:r>
+              <a:rPr lang="en-US" sz="1200" dirty="0">
+                <a:latin typeface="Lucida Sans Typewriter" panose="020B0509030504030204" pitchFamily="49" charset="0"/>
+              </a:rPr>
+              <a:t>: Tm</a:t>
+            </a:r>
+          </a:p>
+          <a:p>
+            <a:r>
+              <a:rPr lang="en-US" sz="1200" dirty="0">
+                <a:latin typeface="Lucida Sans Typewriter" panose="020B0509030504030204" pitchFamily="49" charset="0"/>
+              </a:rPr>
+              <a:t>    </a:t>
+            </a:r>
+            <a:r>
+              <a:rPr lang="en-US" sz="1200" dirty="0" err="1">
+                <a:latin typeface="Lucida Sans Typewriter" panose="020B0509030504030204" pitchFamily="49" charset="0"/>
+              </a:rPr>
+              <a:t>activator_states_labels</a:t>
+            </a:r>
+            <a:r>
+              <a:rPr lang="en-US" sz="1200" dirty="0">
+                <a:latin typeface="Lucida Sans Typewriter" panose="020B0509030504030204" pitchFamily="49" charset="0"/>
+              </a:rPr>
+              <a:t>: [3H6, 3F4, 3H5, 3H4, 3F3, 1G4, 1D2]</a:t>
+            </a:r>
+          </a:p>
+          <a:p>
+            <a:endParaRPr lang="en-US" sz="1200" b="1" dirty="0">
+              <a:latin typeface="Lucida Sans Typewriter" panose="020B0509030504030204" pitchFamily="49" charset="0"/>
+            </a:endParaRPr>
+          </a:p>
+          <a:p>
+            <a:r>
+              <a:rPr lang="en-US" sz="1200" b="1" dirty="0">
+                <a:latin typeface="Lucida Sans Typewriter" panose="020B0509030504030204" pitchFamily="49" charset="0"/>
+              </a:rPr>
+              <a:t>excitations</a:t>
+            </a:r>
+            <a:r>
+              <a:rPr lang="en-US" sz="1200" dirty="0">
+                <a:latin typeface="Lucida Sans Typewriter" panose="020B0509030504030204" pitchFamily="49" charset="0"/>
+              </a:rPr>
+              <a:t>:</a:t>
+            </a:r>
+          </a:p>
+          <a:p>
+            <a:r>
+              <a:rPr lang="en-US" sz="1200" dirty="0">
+                <a:latin typeface="Lucida Sans Typewriter" panose="020B0509030504030204" pitchFamily="49" charset="0"/>
+              </a:rPr>
+              <a:t>    </a:t>
+            </a:r>
+            <a:r>
+              <a:rPr lang="en-US" sz="1200" b="1" dirty="0">
+                <a:latin typeface="Lucida Sans Typewriter" panose="020B0509030504030204" pitchFamily="49" charset="0"/>
+              </a:rPr>
+              <a:t>Vis_473</a:t>
+            </a:r>
+            <a:r>
+              <a:rPr lang="en-US" sz="1200" dirty="0">
+                <a:latin typeface="Lucida Sans Typewriter" panose="020B0509030504030204" pitchFamily="49" charset="0"/>
+              </a:rPr>
+              <a:t>:</a:t>
+            </a:r>
+          </a:p>
+          <a:p>
+            <a:r>
+              <a:rPr lang="en-US" sz="1200" dirty="0">
+                <a:latin typeface="Lucida Sans Typewriter" panose="020B0509030504030204" pitchFamily="49" charset="0"/>
+              </a:rPr>
+              <a:t>        active: True</a:t>
+            </a:r>
+          </a:p>
+          <a:p>
+            <a:r>
+              <a:rPr lang="en-US" sz="1200" dirty="0">
+                <a:latin typeface="Lucida Sans Typewriter" panose="020B0509030504030204" pitchFamily="49" charset="0"/>
+              </a:rPr>
+              <a:t>        </a:t>
+            </a:r>
+            <a:r>
+              <a:rPr lang="en-US" sz="1200" dirty="0" err="1">
+                <a:latin typeface="Lucida Sans Typewriter" panose="020B0509030504030204" pitchFamily="49" charset="0"/>
+              </a:rPr>
+              <a:t>power_dens</a:t>
+            </a:r>
+            <a:r>
+              <a:rPr lang="en-US" sz="1200" dirty="0">
+                <a:latin typeface="Lucida Sans Typewriter" panose="020B0509030504030204" pitchFamily="49" charset="0"/>
+              </a:rPr>
+              <a:t>: 1e6 </a:t>
+            </a:r>
+            <a:r>
+              <a:rPr lang="en-US" sz="1200" dirty="0">
+                <a:solidFill>
+                  <a:srgbClr val="176FC1"/>
+                </a:solidFill>
+                <a:latin typeface="Lucida Sans Typewriter" panose="020B0509030504030204" pitchFamily="49" charset="0"/>
+              </a:rPr>
+              <a:t># power density W/cm^2</a:t>
+            </a:r>
+          </a:p>
+          <a:p>
+            <a:r>
+              <a:rPr lang="en-US" sz="1200" dirty="0">
+                <a:latin typeface="Lucida Sans Typewriter" panose="020B0509030504030204" pitchFamily="49" charset="0"/>
+              </a:rPr>
+              <a:t>        </a:t>
+            </a:r>
+            <a:r>
+              <a:rPr lang="en-US" sz="1200" dirty="0" err="1">
+                <a:latin typeface="Lucida Sans Typewriter" panose="020B0509030504030204" pitchFamily="49" charset="0"/>
+              </a:rPr>
+              <a:t>t_pulse</a:t>
+            </a:r>
+            <a:r>
+              <a:rPr lang="en-US" sz="1200" dirty="0">
+                <a:latin typeface="Lucida Sans Typewriter" panose="020B0509030504030204" pitchFamily="49" charset="0"/>
+              </a:rPr>
+              <a:t>: 1e-8 </a:t>
+            </a:r>
+            <a:r>
+              <a:rPr lang="en-US" sz="1200" dirty="0">
+                <a:solidFill>
+                  <a:srgbClr val="176FC1"/>
+                </a:solidFill>
+                <a:latin typeface="Lucida Sans Typewriter" panose="020B0509030504030204" pitchFamily="49" charset="0"/>
+              </a:rPr>
+              <a:t># optional: pulse width, seconds</a:t>
+            </a:r>
+          </a:p>
+          <a:p>
+            <a:r>
+              <a:rPr lang="en-US" sz="1200" dirty="0">
+                <a:latin typeface="Lucida Sans Typewriter" panose="020B0509030504030204" pitchFamily="49" charset="0"/>
+              </a:rPr>
+              <a:t>        process: Tm(3H6) -&gt; Tm(1G4) </a:t>
+            </a:r>
+          </a:p>
+          <a:p>
+            <a:r>
+              <a:rPr lang="en-US" sz="1200" dirty="0">
+                <a:latin typeface="Lucida Sans Typewriter" panose="020B0509030504030204" pitchFamily="49" charset="0"/>
+              </a:rPr>
+              <a:t>        degeneracy: 13/9 </a:t>
+            </a:r>
+            <a:r>
+              <a:rPr lang="en-US" sz="1200" dirty="0">
+                <a:solidFill>
+                  <a:srgbClr val="176FC1"/>
+                </a:solidFill>
+                <a:latin typeface="Lucida Sans Typewriter" panose="020B0509030504030204" pitchFamily="49" charset="0"/>
+              </a:rPr>
+              <a:t># </a:t>
+            </a:r>
+            <a:r>
+              <a:rPr lang="en-US" sz="1200" dirty="0" err="1">
+                <a:solidFill>
+                  <a:srgbClr val="176FC1"/>
+                </a:solidFill>
+                <a:latin typeface="Lucida Sans Typewriter" panose="020B0509030504030204" pitchFamily="49" charset="0"/>
+              </a:rPr>
+              <a:t>initial_state_g</a:t>
+            </a:r>
+            <a:r>
+              <a:rPr lang="en-US" sz="1200" dirty="0">
+                <a:solidFill>
+                  <a:srgbClr val="176FC1"/>
+                </a:solidFill>
+                <a:latin typeface="Lucida Sans Typewriter" panose="020B0509030504030204" pitchFamily="49" charset="0"/>
+              </a:rPr>
+              <a:t>/</a:t>
+            </a:r>
+            <a:r>
+              <a:rPr lang="en-US" sz="1200" dirty="0" err="1">
+                <a:solidFill>
+                  <a:srgbClr val="176FC1"/>
+                </a:solidFill>
+                <a:latin typeface="Lucida Sans Typewriter" panose="020B0509030504030204" pitchFamily="49" charset="0"/>
+              </a:rPr>
+              <a:t>final_state_g</a:t>
+            </a:r>
+            <a:endParaRPr lang="en-US" sz="1200" dirty="0">
+              <a:solidFill>
+                <a:srgbClr val="176FC1"/>
+              </a:solidFill>
+              <a:latin typeface="Lucida Sans Typewriter" panose="020B0509030504030204" pitchFamily="49" charset="0"/>
+            </a:endParaRPr>
+          </a:p>
+          <a:p>
+            <a:r>
+              <a:rPr lang="en-US" sz="1200" dirty="0">
+                <a:latin typeface="Lucida Sans Typewriter" panose="020B0509030504030204" pitchFamily="49" charset="0"/>
+              </a:rPr>
+              <a:t>        </a:t>
+            </a:r>
+            <a:r>
+              <a:rPr lang="en-US" sz="1200" dirty="0" err="1">
+                <a:latin typeface="Lucida Sans Typewriter" panose="020B0509030504030204" pitchFamily="49" charset="0"/>
+              </a:rPr>
+              <a:t>pump_rate</a:t>
+            </a:r>
+            <a:r>
+              <a:rPr lang="en-US" sz="1200" dirty="0">
+                <a:latin typeface="Lucida Sans Typewriter" panose="020B0509030504030204" pitchFamily="49" charset="0"/>
+              </a:rPr>
+              <a:t>: 9.3e-4 </a:t>
+            </a:r>
+            <a:r>
+              <a:rPr lang="en-US" sz="1200" dirty="0">
+                <a:solidFill>
+                  <a:srgbClr val="176FC1"/>
+                </a:solidFill>
+                <a:latin typeface="Lucida Sans Typewriter" panose="020B0509030504030204" pitchFamily="49" charset="0"/>
+              </a:rPr>
+              <a:t># cross-section/energy cm2/J</a:t>
+            </a:r>
+          </a:p>
+          <a:p>
+            <a:r>
+              <a:rPr lang="en-US" sz="1200" dirty="0">
+                <a:latin typeface="Lucida Sans Typewriter" panose="020B0509030504030204" pitchFamily="49" charset="0"/>
+              </a:rPr>
+              <a:t>    </a:t>
+            </a:r>
+            <a:r>
+              <a:rPr lang="en-US" sz="1200" b="1" dirty="0">
+                <a:latin typeface="Lucida Sans Typewriter" panose="020B0509030504030204" pitchFamily="49" charset="0"/>
+              </a:rPr>
+              <a:t>NIR_800</a:t>
+            </a:r>
+            <a:r>
+              <a:rPr lang="en-US" sz="1200" dirty="0">
+                <a:latin typeface="Lucida Sans Typewriter" panose="020B0509030504030204" pitchFamily="49" charset="0"/>
+              </a:rPr>
+              <a:t>: </a:t>
+            </a:r>
+          </a:p>
+          <a:p>
+            <a:r>
+              <a:rPr lang="en-US" sz="1200" dirty="0">
+                <a:latin typeface="Lucida Sans Typewriter" panose="020B0509030504030204" pitchFamily="49" charset="0"/>
+              </a:rPr>
+              <a:t>        active: False</a:t>
+            </a:r>
+          </a:p>
+          <a:p>
+            <a:r>
+              <a:rPr lang="en-US" sz="1200" dirty="0">
+                <a:latin typeface="Lucida Sans Typewriter" panose="020B0509030504030204" pitchFamily="49" charset="0"/>
+              </a:rPr>
+              <a:t>        </a:t>
+            </a:r>
+            <a:r>
+              <a:rPr lang="en-US" sz="1200" dirty="0" err="1">
+                <a:latin typeface="Lucida Sans Typewriter" panose="020B0509030504030204" pitchFamily="49" charset="0"/>
+              </a:rPr>
+              <a:t>power_dens</a:t>
+            </a:r>
+            <a:r>
+              <a:rPr lang="en-US" sz="1200" dirty="0">
+                <a:latin typeface="Lucida Sans Typewriter" panose="020B0509030504030204" pitchFamily="49" charset="0"/>
+              </a:rPr>
+              <a:t>: 1e7</a:t>
+            </a:r>
+          </a:p>
+          <a:p>
+            <a:r>
+              <a:rPr lang="en-US" sz="1200" dirty="0">
+                <a:latin typeface="Lucida Sans Typewriter" panose="020B0509030504030204" pitchFamily="49" charset="0"/>
+              </a:rPr>
+              <a:t>        process: [Tm(3H6)-&gt;Tm(3H4), Tm(3H5)-&gt;Tm(1G4)]</a:t>
+            </a:r>
+          </a:p>
+          <a:p>
+            <a:r>
+              <a:rPr lang="en-US" sz="1200" dirty="0">
+                <a:latin typeface="Lucida Sans Typewriter" panose="020B0509030504030204" pitchFamily="49" charset="0"/>
+              </a:rPr>
+              <a:t>        degeneracy: [13/9, 11/9]</a:t>
+            </a:r>
+          </a:p>
+          <a:p>
+            <a:r>
+              <a:rPr lang="en-US" sz="1200" dirty="0">
+                <a:latin typeface="Lucida Sans Typewriter" panose="020B0509030504030204" pitchFamily="49" charset="0"/>
+              </a:rPr>
+              <a:t>        </a:t>
+            </a:r>
+            <a:r>
+              <a:rPr lang="en-US" sz="1200" dirty="0" err="1">
+                <a:latin typeface="Lucida Sans Typewriter" panose="020B0509030504030204" pitchFamily="49" charset="0"/>
+              </a:rPr>
+              <a:t>pump_rate</a:t>
+            </a:r>
+            <a:r>
+              <a:rPr lang="en-US" sz="1200" dirty="0">
+                <a:latin typeface="Lucida Sans Typewriter" panose="020B0509030504030204" pitchFamily="49" charset="0"/>
+              </a:rPr>
+              <a:t>: [4.4e-3, 4e-3]</a:t>
+            </a:r>
+          </a:p>
+        </p:txBody>
+      </p:sp>
+      <p:sp>
+        <p:nvSpPr>
+          <p:cNvPr id="7" name="TextBox 6"/>
+          <p:cNvSpPr txBox="1"/>
+          <p:nvPr/>
+        </p:nvSpPr>
+        <p:spPr>
+          <a:xfrm>
+            <a:off x="6019800" y="1524000"/>
+            <a:ext cx="3086100" cy="4893647"/>
+          </a:xfrm>
+          <a:prstGeom prst="rect">
+            <a:avLst/>
+          </a:prstGeom>
+          <a:noFill/>
+        </p:spPr>
+        <p:txBody>
+          <a:bodyPr wrap="square" rtlCol="0">
+            <a:spAutoFit/>
+          </a:bodyPr>
+          <a:lstStyle/>
+          <a:p>
+            <a:r>
+              <a:rPr lang="en-US" sz="1200" dirty="0">
+                <a:solidFill>
+                  <a:srgbClr val="176FC1"/>
+                </a:solidFill>
+                <a:latin typeface="Lucida Sans Typewriter" panose="020B0509030504030204" pitchFamily="49" charset="0"/>
+              </a:rPr>
+              <a:t># lifetimes in s</a:t>
+            </a:r>
+            <a:endParaRPr lang="en-US" sz="1200" b="1" dirty="0">
+              <a:solidFill>
+                <a:srgbClr val="176FC1"/>
+              </a:solidFill>
+              <a:latin typeface="Lucida Sans Typewriter" panose="020B0509030504030204" pitchFamily="49" charset="0"/>
+            </a:endParaRPr>
+          </a:p>
+          <a:p>
+            <a:r>
+              <a:rPr lang="en-US" sz="1200" b="1" dirty="0" err="1">
+                <a:latin typeface="Lucida Sans Typewriter" panose="020B0509030504030204" pitchFamily="49" charset="0"/>
+              </a:rPr>
+              <a:t>sensitizer_decay</a:t>
+            </a:r>
+            <a:r>
+              <a:rPr lang="en-US" sz="1200" dirty="0">
+                <a:latin typeface="Lucida Sans Typewriter" panose="020B0509030504030204" pitchFamily="49" charset="0"/>
+              </a:rPr>
+              <a:t>:</a:t>
+            </a:r>
+          </a:p>
+          <a:p>
+            <a:r>
+              <a:rPr lang="en-US" sz="1200" dirty="0">
+                <a:latin typeface="Lucida Sans Typewriter" panose="020B0509030504030204" pitchFamily="49" charset="0"/>
+              </a:rPr>
+              <a:t>    ES: 2.5e-3</a:t>
+            </a:r>
+          </a:p>
+          <a:p>
+            <a:endParaRPr lang="pt-BR" sz="1200" b="1" dirty="0">
+              <a:latin typeface="Lucida Sans Typewriter" panose="020B0509030504030204" pitchFamily="49" charset="0"/>
+            </a:endParaRPr>
+          </a:p>
+          <a:p>
+            <a:r>
+              <a:rPr lang="pt-BR" sz="1200" b="1" dirty="0">
+                <a:latin typeface="Lucida Sans Typewriter" panose="020B0509030504030204" pitchFamily="49" charset="0"/>
+              </a:rPr>
+              <a:t>activator_decay</a:t>
+            </a:r>
+            <a:r>
+              <a:rPr lang="pt-BR" sz="1200" dirty="0">
+                <a:latin typeface="Lucida Sans Typewriter" panose="020B0509030504030204" pitchFamily="49" charset="0"/>
+              </a:rPr>
+              <a:t>:</a:t>
+            </a:r>
+          </a:p>
+          <a:p>
+            <a:r>
+              <a:rPr lang="pt-BR" sz="1200" dirty="0">
+                <a:latin typeface="Lucida Sans Typewriter" panose="020B0509030504030204" pitchFamily="49" charset="0"/>
+              </a:rPr>
+              <a:t>    3F4: 12e-3</a:t>
+            </a:r>
+          </a:p>
+          <a:p>
+            <a:r>
+              <a:rPr lang="pt-BR" sz="1200" dirty="0">
+                <a:latin typeface="Lucida Sans Typewriter" panose="020B0509030504030204" pitchFamily="49" charset="0"/>
+              </a:rPr>
+              <a:t>    3H5: 25e-6</a:t>
+            </a:r>
+          </a:p>
+          <a:p>
+            <a:r>
+              <a:rPr lang="pt-BR" sz="1200" dirty="0">
+                <a:latin typeface="Lucida Sans Typewriter" panose="020B0509030504030204" pitchFamily="49" charset="0"/>
+              </a:rPr>
+              <a:t>    3H4: 2e-3</a:t>
+            </a:r>
+          </a:p>
+          <a:p>
+            <a:r>
+              <a:rPr lang="pt-BR" sz="1200" dirty="0">
+                <a:latin typeface="Lucida Sans Typewriter" panose="020B0509030504030204" pitchFamily="49" charset="0"/>
+              </a:rPr>
+              <a:t>    3F3: 2e-6</a:t>
+            </a:r>
+          </a:p>
+          <a:p>
+            <a:r>
+              <a:rPr lang="pt-BR" sz="1200" dirty="0">
+                <a:latin typeface="Lucida Sans Typewriter" panose="020B0509030504030204" pitchFamily="49" charset="0"/>
+              </a:rPr>
+              <a:t>    1G4: 760e-6</a:t>
+            </a:r>
+          </a:p>
+          <a:p>
+            <a:r>
+              <a:rPr lang="pt-BR" sz="1200" dirty="0">
+                <a:latin typeface="Lucida Sans Typewriter" panose="020B0509030504030204" pitchFamily="49" charset="0"/>
+              </a:rPr>
+              <a:t>    1D2: 67.5e-6</a:t>
+            </a:r>
+            <a:endParaRPr lang="en-US" sz="1200" b="1" dirty="0">
+              <a:latin typeface="Lucida Sans Typewriter" panose="020B0509030504030204" pitchFamily="49" charset="0"/>
+            </a:endParaRPr>
+          </a:p>
+          <a:p>
+            <a:endParaRPr lang="en-US" sz="1200" b="1" dirty="0">
+              <a:latin typeface="Lucida Sans Typewriter" panose="020B0509030504030204" pitchFamily="49" charset="0"/>
+            </a:endParaRPr>
+          </a:p>
+          <a:p>
+            <a:r>
+              <a:rPr lang="en-US" sz="1200" b="1" dirty="0" err="1">
+                <a:latin typeface="Lucida Sans Typewriter" panose="020B0509030504030204" pitchFamily="49" charset="0"/>
+              </a:rPr>
+              <a:t>activator_branching_ratios</a:t>
+            </a:r>
+            <a:r>
+              <a:rPr lang="en-US" sz="1200" dirty="0">
+                <a:latin typeface="Lucida Sans Typewriter" panose="020B0509030504030204" pitchFamily="49" charset="0"/>
+              </a:rPr>
+              <a:t>:</a:t>
+            </a:r>
+          </a:p>
+          <a:p>
+            <a:r>
+              <a:rPr lang="en-US" sz="1200" dirty="0">
+                <a:latin typeface="Lucida Sans Typewriter" panose="020B0509030504030204" pitchFamily="49" charset="0"/>
+              </a:rPr>
+              <a:t>    </a:t>
+            </a:r>
+            <a:r>
+              <a:rPr lang="en-US" sz="1200" dirty="0">
+                <a:solidFill>
+                  <a:srgbClr val="176FC1"/>
+                </a:solidFill>
+                <a:latin typeface="Lucida Sans Typewriter" panose="020B0509030504030204" pitchFamily="49" charset="0"/>
+              </a:rPr>
+              <a:t># 3H5 and 3H4 to 3F4</a:t>
+            </a:r>
+          </a:p>
+          <a:p>
+            <a:r>
+              <a:rPr lang="en-US" sz="1200" dirty="0">
+                <a:latin typeface="Lucida Sans Typewriter" panose="020B0509030504030204" pitchFamily="49" charset="0"/>
+              </a:rPr>
+              <a:t>    3H5-&gt;3F4: 0.4</a:t>
+            </a:r>
+          </a:p>
+          <a:p>
+            <a:r>
+              <a:rPr lang="en-US" sz="1200" dirty="0">
+                <a:latin typeface="Lucida Sans Typewriter" panose="020B0509030504030204" pitchFamily="49" charset="0"/>
+              </a:rPr>
+              <a:t>    3H4-&gt;3F4: 0.3</a:t>
+            </a:r>
+          </a:p>
+          <a:p>
+            <a:r>
+              <a:rPr lang="en-US" sz="1200" dirty="0">
+                <a:latin typeface="Lucida Sans Typewriter" panose="020B0509030504030204" pitchFamily="49" charset="0"/>
+              </a:rPr>
+              <a:t>    3H4-&gt;3H5: 0.1</a:t>
+            </a:r>
+          </a:p>
+          <a:p>
+            <a:r>
+              <a:rPr lang="en-US" sz="1200" dirty="0">
+                <a:latin typeface="Lucida Sans Typewriter" panose="020B0509030504030204" pitchFamily="49" charset="0"/>
+              </a:rPr>
+              <a:t>    </a:t>
+            </a:r>
+            <a:r>
+              <a:rPr lang="en-US" sz="1200" dirty="0">
+                <a:solidFill>
+                  <a:srgbClr val="176FC1"/>
+                </a:solidFill>
+                <a:latin typeface="Lucida Sans Typewriter" panose="020B0509030504030204" pitchFamily="49" charset="0"/>
+              </a:rPr>
+              <a:t># 3F3 to 3H4</a:t>
+            </a:r>
+          </a:p>
+          <a:p>
+            <a:r>
+              <a:rPr lang="en-US" sz="1200" dirty="0">
+                <a:latin typeface="Lucida Sans Typewriter" panose="020B0509030504030204" pitchFamily="49" charset="0"/>
+              </a:rPr>
+              <a:t>    3F3-&gt;3H4: 0.999</a:t>
+            </a:r>
+          </a:p>
+          <a:p>
+            <a:r>
+              <a:rPr lang="en-US" sz="1200" dirty="0">
+                <a:latin typeface="Lucida Sans Typewriter" panose="020B0509030504030204" pitchFamily="49" charset="0"/>
+              </a:rPr>
+              <a:t>    </a:t>
+            </a:r>
+            <a:r>
+              <a:rPr lang="en-US" sz="1200" dirty="0">
+                <a:solidFill>
+                  <a:srgbClr val="176FC1"/>
+                </a:solidFill>
+                <a:latin typeface="Lucida Sans Typewriter" panose="020B0509030504030204" pitchFamily="49" charset="0"/>
+              </a:rPr>
+              <a:t># 1G4 to 3F4, 3H5, 3H4, 3F3</a:t>
+            </a:r>
+          </a:p>
+          <a:p>
+            <a:r>
+              <a:rPr lang="en-US" sz="1200" dirty="0">
+                <a:latin typeface="Lucida Sans Typewriter" panose="020B0509030504030204" pitchFamily="49" charset="0"/>
+              </a:rPr>
+              <a:t>    1G4-&gt;3F4: 0.15</a:t>
+            </a:r>
+          </a:p>
+          <a:p>
+            <a:r>
+              <a:rPr lang="en-US" sz="1200" dirty="0">
+                <a:latin typeface="Lucida Sans Typewriter" panose="020B0509030504030204" pitchFamily="49" charset="0"/>
+              </a:rPr>
+              <a:t>    1G4-&gt;3H5: 0.16</a:t>
+            </a:r>
+          </a:p>
+          <a:p>
+            <a:r>
+              <a:rPr lang="en-US" sz="1200" dirty="0">
+                <a:latin typeface="Lucida Sans Typewriter" panose="020B0509030504030204" pitchFamily="49" charset="0"/>
+              </a:rPr>
+              <a:t>    1G4-&gt;3H4: 0.04</a:t>
+            </a:r>
+          </a:p>
+          <a:p>
+            <a:r>
+              <a:rPr lang="en-US" sz="1200" dirty="0">
+                <a:latin typeface="Lucida Sans Typewriter" panose="020B0509030504030204" pitchFamily="49" charset="0"/>
+              </a:rPr>
+              <a:t>    1G4-&gt;3F3: 0.00</a:t>
+            </a:r>
+          </a:p>
+          <a:p>
+            <a:r>
+              <a:rPr lang="en-US" sz="1200" dirty="0">
+                <a:latin typeface="Lucida Sans Typewriter" panose="020B0509030504030204" pitchFamily="49" charset="0"/>
+              </a:rPr>
+              <a:t>    </a:t>
+            </a:r>
+            <a:r>
+              <a:rPr lang="en-US" sz="1200" dirty="0">
+                <a:solidFill>
+                  <a:srgbClr val="176FC1"/>
+                </a:solidFill>
+                <a:latin typeface="Lucida Sans Typewriter" panose="020B0509030504030204" pitchFamily="49" charset="0"/>
+              </a:rPr>
+              <a:t># 1D2 to 3F4</a:t>
+            </a:r>
+          </a:p>
+          <a:p>
+            <a:r>
+              <a:rPr lang="en-US" sz="1200" dirty="0">
+                <a:latin typeface="Lucida Sans Typewriter" panose="020B0509030504030204" pitchFamily="49" charset="0"/>
+              </a:rPr>
+              <a:t>    1D2-&gt;3F4: 0.43</a:t>
+            </a:r>
+          </a:p>
+        </p:txBody>
+      </p:sp>
+      <p:sp>
+        <p:nvSpPr>
+          <p:cNvPr id="8" name="Oval 7"/>
           <p:cNvSpPr/>
           <p:nvPr/>
         </p:nvSpPr>
@@ -6667,20 +6678,13 @@
     </p:spTree>
     <p:extLst>
       <p:ext uri="{BB962C8B-B14F-4D97-AF65-F5344CB8AC3E}">
-        <p14:creationId xmlns:p14="http://schemas.microsoft.com/office/powerpoint/2010/main" val="1487174456"/>
+        <p14:creationId xmlns:p14="http://schemas.microsoft.com/office/powerpoint/2010/main" val="1450495992"/>
       </p:ext>
     </p:extLst>
   </p:cSld>
   <p:clrMapOvr>
     <a:masterClrMapping/>
   </p:clrMapOvr>
-  <p:timing>
-    <p:tnLst>
-      <p:par>
-        <p:cTn id="1" dur="indefinite" restart="never" nodeType="tmRoot"/>
-      </p:par>
-    </p:tnLst>
-  </p:timing>
 </p:sld>
 </file>
 
@@ -6717,11 +6721,11 @@
           <a:lstStyle/>
           <a:p>
             <a:r>
-              <a:rPr lang="de-CH" dirty="0" smtClean="0"/>
+              <a:rPr lang="de-CH" dirty="0"/>
               <a:t>How to use </a:t>
             </a:r>
             <a:r>
-              <a:rPr lang="de-CH" i="1" dirty="0" smtClean="0">
+              <a:rPr lang="de-CH" i="1" dirty="0">
                 <a:effectLst>
                   <a:outerShdw blurRad="38100" dist="38100" dir="2700000" algn="tl">
                     <a:srgbClr val="000000">
@@ -6732,15 +6736,7 @@
               </a:rPr>
               <a:t>simetuc</a:t>
             </a:r>
-            <a:endParaRPr lang="en-US" i="1" dirty="0">
-              <a:effectLst>
-                <a:outerShdw blurRad="38100" dist="38100" dir="2700000" algn="tl">
-                  <a:srgbClr val="000000">
-                    <a:alpha val="43137"/>
-                  </a:srgbClr>
-                </a:outerShdw>
-              </a:effectLst>
-            </a:endParaRPr>
+            <a:endParaRPr lang="en-US" dirty="0"/>
           </a:p>
         </p:txBody>
       </p:sp>
@@ -6768,9 +6764,108 @@
           </a:p>
         </p:txBody>
       </p:sp>
-      <p:sp>
-        <p:nvSpPr>
-          <p:cNvPr id="9" name="Oval 8"/>
+      <p:pic>
+        <p:nvPicPr>
+          <p:cNvPr id="8" name="Picture 7"/>
+          <p:cNvPicPr>
+            <a:picLocks noChangeAspect="1"/>
+          </p:cNvPicPr>
+          <p:nvPr/>
+        </p:nvPicPr>
+        <p:blipFill>
+          <a:blip r:embed="rId2">
+            <a:extLst>
+              <a:ext uri="{28A0092B-C50C-407E-A947-70E740481C1C}">
+                <a14:useLocalDpi xmlns:a14="http://schemas.microsoft.com/office/drawing/2010/main" val="0"/>
+              </a:ext>
+            </a:extLst>
+          </a:blip>
+          <a:stretch>
+            <a:fillRect/>
+          </a:stretch>
+        </p:blipFill>
+        <p:spPr>
+          <a:xfrm>
+            <a:off x="266700" y="1902938"/>
+            <a:ext cx="8610600" cy="4650262"/>
+          </a:xfrm>
+          <a:prstGeom prst="rect">
+            <a:avLst/>
+          </a:prstGeom>
+        </p:spPr>
+      </p:pic>
+      <p:sp>
+        <p:nvSpPr>
+          <p:cNvPr id="3" name="Content Placeholder 2"/>
+          <p:cNvSpPr>
+            <a:spLocks noGrp="1"/>
+          </p:cNvSpPr>
+          <p:nvPr>
+            <p:ph idx="1"/>
+          </p:nvPr>
+        </p:nvSpPr>
+        <p:spPr/>
+        <p:txBody>
+          <a:bodyPr/>
+          <a:lstStyle/>
+          <a:p>
+            <a:r>
+              <a:rPr lang="de-CH" dirty="0"/>
+              <a:t>Dynamics (not ET):</a:t>
+            </a:r>
+            <a:endParaRPr lang="en-US" dirty="0"/>
+          </a:p>
+        </p:txBody>
+      </p:sp>
+      <p:sp>
+        <p:nvSpPr>
+          <p:cNvPr id="9" name="Rectangle 8"/>
+          <p:cNvSpPr/>
+          <p:nvPr/>
+        </p:nvSpPr>
+        <p:spPr>
+          <a:xfrm>
+            <a:off x="5792788" y="4953000"/>
+            <a:ext cx="1370012" cy="1173165"/>
+          </a:xfrm>
+          <a:prstGeom prst="rect">
+            <a:avLst/>
+          </a:prstGeom>
+          <a:noFill/>
+          <a:ln>
+            <a:solidFill>
+              <a:srgbClr val="FF0000"/>
+            </a:solidFill>
+          </a:ln>
+        </p:spPr>
+        <p:style>
+          <a:lnRef idx="2">
+            <a:schemeClr val="accent1">
+              <a:shade val="50000"/>
+            </a:schemeClr>
+          </a:lnRef>
+          <a:fillRef idx="1">
+            <a:schemeClr val="accent1"/>
+          </a:fillRef>
+          <a:effectRef idx="0">
+            <a:schemeClr val="accent1"/>
+          </a:effectRef>
+          <a:fontRef idx="minor">
+            <a:schemeClr val="lt1"/>
+          </a:fontRef>
+        </p:style>
+        <p:txBody>
+          <a:bodyPr rtlCol="0" anchor="ctr"/>
+          <a:lstStyle/>
+          <a:p>
+            <a:pPr algn="ctr"/>
+            <a:endParaRPr lang="en-US"/>
+          </a:p>
+        </p:txBody>
+      </p:sp>
+      <p:sp>
+        <p:nvSpPr>
+          <p:cNvPr id="10" name="Oval 9"/>
           <p:cNvSpPr/>
           <p:nvPr/>
         </p:nvSpPr>
@@ -6824,85 +6919,16 @@
           </a:p>
         </p:txBody>
       </p:sp>
-      <p:pic>
-        <p:nvPicPr>
-          <p:cNvPr id="3" name="Picture 2"/>
-          <p:cNvPicPr>
-            <a:picLocks noChangeAspect="1"/>
-          </p:cNvPicPr>
-          <p:nvPr/>
-        </p:nvPicPr>
-        <p:blipFill rotWithShape="1">
-          <a:blip r:embed="rId2"/>
-          <a:srcRect/>
-          <a:stretch/>
-        </p:blipFill>
-        <p:spPr>
-          <a:xfrm>
-            <a:off x="1466850" y="2819400"/>
-            <a:ext cx="6210300" cy="2381250"/>
-          </a:xfrm>
-          <a:prstGeom prst="rect">
-            <a:avLst/>
-          </a:prstGeom>
-        </p:spPr>
-      </p:pic>
-      <p:sp>
-        <p:nvSpPr>
-          <p:cNvPr id="10" name="Content Placeholder 2"/>
-          <p:cNvSpPr>
-            <a:spLocks noGrp="1"/>
-          </p:cNvSpPr>
-          <p:nvPr>
-            <p:ph idx="1"/>
-          </p:nvPr>
-        </p:nvSpPr>
-        <p:spPr>
-          <a:xfrm>
-            <a:off x="457200" y="1219201"/>
-            <a:ext cx="8229600" cy="4906964"/>
-          </a:xfrm>
-        </p:spPr>
-        <p:txBody>
-          <a:bodyPr/>
-          <a:lstStyle/>
-          <a:p>
-            <a:r>
-              <a:rPr lang="en-US" dirty="0" smtClean="0"/>
-              <a:t>Experimental data:</a:t>
-            </a:r>
-          </a:p>
-          <a:p>
-            <a:pPr lvl="1"/>
-            <a:r>
-              <a:rPr lang="de-CH" dirty="0" smtClean="0"/>
-              <a:t>Inside folder </a:t>
-            </a:r>
-            <a:r>
-              <a:rPr lang="de-CH" b="1" i="1" dirty="0" smtClean="0"/>
-              <a:t>expData/latticeName/</a:t>
-            </a:r>
-            <a:endParaRPr lang="en-US" b="1" i="1" dirty="0" smtClean="0"/>
-          </a:p>
-        </p:txBody>
-      </p:sp>
     </p:spTree>
     <p:extLst>
       <p:ext uri="{BB962C8B-B14F-4D97-AF65-F5344CB8AC3E}">
-        <p14:creationId xmlns:p14="http://schemas.microsoft.com/office/powerpoint/2010/main" val="4042773668"/>
+        <p14:creationId xmlns:p14="http://schemas.microsoft.com/office/powerpoint/2010/main" val="1487174456"/>
       </p:ext>
     </p:extLst>
   </p:cSld>
   <p:clrMapOvr>
     <a:masterClrMapping/>
   </p:clrMapOvr>
-  <p:timing>
-    <p:tnLst>
-      <p:par>
-        <p:cTn id="1" dur="indefinite" restart="never" nodeType="tmRoot"/>
-      </p:par>
-    </p:tnLst>
-  </p:timing>
 </p:sld>
 </file>
 
@@ -6939,7 +6965,7 @@
           <a:lstStyle/>
           <a:p>
             <a:r>
-              <a:rPr lang="de-CH" dirty="0" smtClean="0"/>
+              <a:rPr lang="de-CH" dirty="0"/>
               <a:t>How to use </a:t>
             </a:r>
             <a:r>
@@ -6974,14 +7000,14 @@
           <a:lstStyle/>
           <a:p>
             <a:r>
-              <a:rPr lang="en-US" dirty="0" smtClean="0"/>
+              <a:rPr lang="en-US" dirty="0"/>
               <a:t>Configuration file:</a:t>
             </a:r>
           </a:p>
           <a:p>
             <a:pPr lvl="1"/>
             <a:r>
-              <a:rPr lang="de-CH" dirty="0" smtClean="0"/>
+              <a:rPr lang="de-CH" dirty="0"/>
               <a:t>Dynamics (with ET):</a:t>
             </a:r>
             <a:endParaRPr lang="en-US" dirty="0"/>
@@ -7049,22 +7075,13 @@
           </a:p>
           <a:p>
             <a:r>
-              <a:rPr lang="en-US" sz="1200" dirty="0" smtClean="0">
-                <a:solidFill>
-                  <a:srgbClr val="176FC1"/>
-                </a:solidFill>
-                <a:latin typeface="Lucida Sans Typewriter" panose="020B0509030504030204" pitchFamily="49" charset="0"/>
-              </a:rPr>
-              <a:t># strength in </a:t>
-            </a:r>
-            <a:r>
               <a:rPr lang="en-US" sz="1200" dirty="0">
                 <a:solidFill>
                   <a:srgbClr val="176FC1"/>
                 </a:solidFill>
                 <a:latin typeface="Lucida Sans Typewriter" panose="020B0509030504030204" pitchFamily="49" charset="0"/>
               </a:rPr>
-              <a:t>s^(-1)*Angstrom^(</a:t>
+              <a:t># strength in s^(-1)*Angstrom^(</a:t>
             </a:r>
             <a:r>
               <a:rPr lang="en-US" sz="1200" dirty="0" err="1">
@@ -7076,7 +7093,7 @@
               <a:t>multipolarity</a:t>
             </a:r>
             <a:r>
-              <a:rPr lang="en-US" sz="1200" dirty="0" smtClean="0">
+              <a:rPr lang="en-US" sz="1200" dirty="0">
                 <a:solidFill>
                   <a:srgbClr val="176FC1"/>
                 </a:solidFill>
@@ -7084,12 +7101,6 @@
               </a:rPr>
               <a:t>)</a:t>
             </a:r>
-            <a:endParaRPr lang="en-US" sz="1200" dirty="0">
-              <a:solidFill>
-                <a:srgbClr val="176FC1"/>
-              </a:solidFill>
-              <a:latin typeface="Lucida Sans Typewriter" panose="020B0509030504030204" pitchFamily="49" charset="0"/>
-            </a:endParaRPr>
           </a:p>
           <a:p>
             <a:r>
@@ -7247,13 +7258,6 @@
   <p:clrMapOvr>
     <a:masterClrMapping/>
   </p:clrMapOvr>
-  <p:timing>
-    <p:tnLst>
-      <p:par>
-        <p:cTn id="1" dur="indefinite" restart="never" nodeType="tmRoot"/>
-      </p:par>
-    </p:tnLst>
-  </p:timing>
 </p:sld>
 </file>
 
@@ -7290,7 +7294,7 @@
           <a:lstStyle/>
           <a:p>
             <a:r>
-              <a:rPr lang="de-CH" dirty="0" smtClean="0"/>
+              <a:rPr lang="de-CH" dirty="0"/>
               <a:t>How to use </a:t>
             </a:r>
             <a:r>
@@ -7325,7 +7329,7 @@
           <a:lstStyle/>
           <a:p>
             <a:r>
-              <a:rPr lang="de-CH" dirty="0" smtClean="0"/>
+              <a:rPr lang="de-CH" dirty="0"/>
               <a:t>Dynamics (with ET):</a:t>
             </a:r>
             <a:endParaRPr lang="en-US" dirty="0"/>
@@ -7498,13 +7502,6 @@
   <p:clrMapOvr>
     <a:masterClrMapping/>
   </p:clrMapOvr>
-  <p:timing>
-    <p:tnLst>
-      <p:par>
-        <p:cTn id="1" dur="indefinite" restart="never" nodeType="tmRoot"/>
-      </p:par>
-    </p:tnLst>
-  </p:timing>
 </p:sld>
 </file>
 
@@ -7541,7 +7538,7 @@
           <a:lstStyle/>
           <a:p>
             <a:r>
-              <a:rPr lang="de-CH" dirty="0" smtClean="0"/>
+              <a:rPr lang="de-CH" dirty="0"/>
               <a:t>How to use </a:t>
             </a:r>
             <a:r>
@@ -7576,8 +7573,15 @@
           <a:lstStyle/>
           <a:p>
             <a:r>
-              <a:rPr lang="de-CH" dirty="0" smtClean="0"/>
-              <a:t>Optimize ET parameters:</a:t>
+              <a:rPr lang="de-CH" dirty="0"/>
+              <a:t>Dynamics (with ET):</a:t>
+            </a:r>
+          </a:p>
+          <a:p>
+            <a:pPr lvl="1"/>
+            <a:r>
+              <a:rPr lang="de-CH" dirty="0"/>
+              <a:t>Average rate equations</a:t>
             </a:r>
             <a:endParaRPr lang="en-US" dirty="0"/>
           </a:p>
@@ -7607,36 +7611,6 @@
           </a:p>
         </p:txBody>
       </p:sp>
-      <p:pic>
-        <p:nvPicPr>
-          <p:cNvPr id="7" name="Picture 6"/>
-          <p:cNvPicPr>
-            <a:picLocks noChangeAspect="1"/>
-          </p:cNvPicPr>
-          <p:nvPr/>
-        </p:nvPicPr>
-        <p:blipFill>
-          <a:blip r:embed="rId2">
-            <a:extLst>
-              <a:ext uri="{28A0092B-C50C-407E-A947-70E740481C1C}">
-                <a14:useLocalDpi xmlns:a14="http://schemas.microsoft.com/office/drawing/2010/main" val="0"/>
-              </a:ext>
-            </a:extLst>
-          </a:blip>
-          <a:stretch>
-            <a:fillRect/>
-          </a:stretch>
-        </p:blipFill>
-        <p:spPr>
-          <a:xfrm>
-            <a:off x="266700" y="1981200"/>
-            <a:ext cx="8610600" cy="4417533"/>
-          </a:xfrm>
-          <a:prstGeom prst="rect">
-            <a:avLst/>
-          </a:prstGeom>
-        </p:spPr>
-      </p:pic>
       <p:sp>
         <p:nvSpPr>
           <p:cNvPr id="8" name="Oval 7"/>
@@ -7693,69 +7667,39 @@
           </a:p>
         </p:txBody>
       </p:sp>
-      <p:sp>
-        <p:nvSpPr>
-          <p:cNvPr id="9" name="Rectangle 8"/>
-          <p:cNvSpPr/>
+      <p:pic>
+        <p:nvPicPr>
+          <p:cNvPr id="6" name="Picture 5"/>
+          <p:cNvPicPr>
+            <a:picLocks noChangeAspect="1"/>
+          </p:cNvPicPr>
           <p:nvPr/>
-        </p:nvSpPr>
+        </p:nvPicPr>
+        <p:blipFill rotWithShape="1">
+          <a:blip r:embed="rId2"/>
+          <a:srcRect t="13453"/>
+          <a:stretch/>
+        </p:blipFill>
         <p:spPr>
           <a:xfrm>
-            <a:off x="7367589" y="3055143"/>
-            <a:ext cx="228600" cy="152400"/>
+            <a:off x="304800" y="2209800"/>
+            <a:ext cx="8534400" cy="3962400"/>
           </a:xfrm>
           <a:prstGeom prst="rect">
             <a:avLst/>
           </a:prstGeom>
-          <a:noFill/>
-          <a:ln>
-            <a:solidFill>
-              <a:srgbClr val="FF0000"/>
-            </a:solidFill>
-          </a:ln>
         </p:spPr>
-        <p:style>
-          <a:lnRef idx="2">
-            <a:schemeClr val="accent1">
-              <a:shade val="50000"/>
-            </a:schemeClr>
-          </a:lnRef>
-          <a:fillRef idx="1">
-            <a:schemeClr val="accent1"/>
-          </a:fillRef>
-          <a:effectRef idx="0">
-            <a:schemeClr val="accent1"/>
-          </a:effectRef>
-          <a:fontRef idx="minor">
-            <a:schemeClr val="lt1"/>
-          </a:fontRef>
-        </p:style>
-        <p:txBody>
-          <a:bodyPr rtlCol="0" anchor="ctr"/>
-          <a:lstStyle/>
-          <a:p>
-            <a:pPr algn="ctr"/>
-            <a:endParaRPr lang="en-US"/>
-          </a:p>
-        </p:txBody>
-      </p:sp>
+      </p:pic>
     </p:spTree>
     <p:extLst>
       <p:ext uri="{BB962C8B-B14F-4D97-AF65-F5344CB8AC3E}">
-        <p14:creationId xmlns:p14="http://schemas.microsoft.com/office/powerpoint/2010/main" val="1032529238"/>
+        <p14:creationId xmlns:p14="http://schemas.microsoft.com/office/powerpoint/2010/main" val="2146012304"/>
       </p:ext>
     </p:extLst>
   </p:cSld>
   <p:clrMapOvr>
     <a:masterClrMapping/>
   </p:clrMapOvr>
-  <p:timing>
-    <p:tnLst>
-      <p:par>
-        <p:cTn id="1" dur="indefinite" restart="never" nodeType="tmRoot"/>
-      </p:par>
-    </p:tnLst>
-  </p:timing>
 </p:sld>
 </file>
 
@@ -7792,7 +7736,7 @@
           <a:lstStyle/>
           <a:p>
             <a:r>
-              <a:rPr lang="de-CH" dirty="0" smtClean="0"/>
+              <a:rPr lang="de-CH" dirty="0"/>
               <a:t>How to use </a:t>
             </a:r>
             <a:r>
@@ -7828,11 +7772,7 @@
           <a:p>
             <a:r>
               <a:rPr lang="de-CH" dirty="0"/>
-              <a:t>Steady </a:t>
-            </a:r>
-            <a:r>
-              <a:rPr lang="de-CH" dirty="0" smtClean="0"/>
-              <a:t>state</a:t>
+              <a:t>Optimize ET parameters:</a:t>
             </a:r>
             <a:endParaRPr lang="en-US" dirty="0"/>
           </a:p>
@@ -7884,8 +7824,8 @@
         </p:blipFill>
         <p:spPr>
           <a:xfrm>
-            <a:off x="29700" y="1619251"/>
-            <a:ext cx="9084600" cy="4922408"/>
+            <a:off x="266700" y="1981200"/>
+            <a:ext cx="8610600" cy="4417533"/>
           </a:xfrm>
           <a:prstGeom prst="rect">
             <a:avLst/>
@@ -7956,7 +7896,7 @@
         </p:nvSpPr>
         <p:spPr>
           <a:xfrm>
-            <a:off x="7818120" y="1981200"/>
+            <a:off x="7367589" y="3055143"/>
             <a:ext cx="228600" cy="152400"/>
           </a:xfrm>
           <a:prstGeom prst="rect">
@@ -7997,20 +7937,13 @@
     </p:spTree>
     <p:extLst>
       <p:ext uri="{BB962C8B-B14F-4D97-AF65-F5344CB8AC3E}">
-        <p14:creationId xmlns:p14="http://schemas.microsoft.com/office/powerpoint/2010/main" val="332684623"/>
+        <p14:creationId xmlns:p14="http://schemas.microsoft.com/office/powerpoint/2010/main" val="1032529238"/>
       </p:ext>
     </p:extLst>
   </p:cSld>
   <p:clrMapOvr>
     <a:masterClrMapping/>
   </p:clrMapOvr>
-  <p:timing>
-    <p:tnLst>
-      <p:par>
-        <p:cTn id="1" dur="indefinite" restart="never" nodeType="tmRoot"/>
-      </p:par>
-    </p:tnLst>
-  </p:timing>
 </p:sld>
 </file>
 
@@ -8047,7 +7980,7 @@
           <a:lstStyle/>
           <a:p>
             <a:r>
-              <a:rPr lang="de-CH" dirty="0" smtClean="0"/>
+              <a:rPr lang="de-CH" dirty="0"/>
               <a:t>How to use </a:t>
             </a:r>
             <a:r>
@@ -8082,8 +8015,8 @@
           <a:lstStyle/>
           <a:p>
             <a:r>
-              <a:rPr lang="de-CH" dirty="0" smtClean="0"/>
-              <a:t>Power dependence</a:t>
+              <a:rPr lang="de-CH" dirty="0"/>
+              <a:t>Steady state</a:t>
             </a:r>
             <a:endParaRPr lang="en-US" dirty="0"/>
           </a:p>
@@ -8135,8 +8068,8 @@
         </p:blipFill>
         <p:spPr>
           <a:xfrm>
-            <a:off x="-2643" y="1600201"/>
-            <a:ext cx="9149286" cy="4922868"/>
+            <a:off x="29700" y="1619251"/>
+            <a:ext cx="9084600" cy="4922408"/>
           </a:xfrm>
           <a:prstGeom prst="rect">
             <a:avLst/>
@@ -8207,7 +8140,7 @@
         </p:nvSpPr>
         <p:spPr>
           <a:xfrm>
-            <a:off x="8815643" y="1845276"/>
+            <a:off x="7818120" y="1981200"/>
             <a:ext cx="228600" cy="152400"/>
           </a:xfrm>
           <a:prstGeom prst="rect">
@@ -8248,20 +8181,13 @@
     </p:spTree>
     <p:extLst>
       <p:ext uri="{BB962C8B-B14F-4D97-AF65-F5344CB8AC3E}">
-        <p14:creationId xmlns:p14="http://schemas.microsoft.com/office/powerpoint/2010/main" val="3090116542"/>
+        <p14:creationId xmlns:p14="http://schemas.microsoft.com/office/powerpoint/2010/main" val="332684623"/>
       </p:ext>
     </p:extLst>
   </p:cSld>
   <p:clrMapOvr>
     <a:masterClrMapping/>
   </p:clrMapOvr>
-  <p:timing>
-    <p:tnLst>
-      <p:par>
-        <p:cTn id="1" dur="indefinite" restart="never" nodeType="tmRoot"/>
-      </p:par>
-    </p:tnLst>
-  </p:timing>
 </p:sld>
 </file>
 
@@ -8298,7 +8224,7 @@
           <a:lstStyle/>
           <a:p>
             <a:r>
-              <a:rPr lang="de-CH" dirty="0" smtClean="0"/>
+              <a:rPr lang="de-CH" dirty="0"/>
               <a:t>How to use </a:t>
             </a:r>
             <a:r>
@@ -8333,8 +8259,15 @@
           <a:lstStyle/>
           <a:p>
             <a:r>
-              <a:rPr lang="de-CH" dirty="0" smtClean="0"/>
-              <a:t>Concentration dependence</a:t>
+              <a:rPr lang="en-US" dirty="0"/>
+              <a:t>Configuration file:</a:t>
+            </a:r>
+          </a:p>
+          <a:p>
+            <a:pPr lvl="1"/>
+            <a:r>
+              <a:rPr lang="de-CH" dirty="0"/>
+              <a:t>Power dependence.</a:t>
             </a:r>
             <a:endParaRPr lang="en-US" dirty="0"/>
           </a:p>
@@ -8364,30 +8297,76 @@
           </a:p>
         </p:txBody>
       </p:sp>
-      <p:pic>
-        <p:nvPicPr>
-          <p:cNvPr id="6" name="Picture 5"/>
-          <p:cNvPicPr>
-            <a:picLocks noChangeAspect="1"/>
-          </p:cNvPicPr>
+      <p:sp>
+        <p:nvSpPr>
+          <p:cNvPr id="6" name="TextBox 5"/>
+          <p:cNvSpPr txBox="1"/>
           <p:nvPr/>
-        </p:nvPicPr>
-        <p:blipFill>
-          <a:blip r:embed="rId2"/>
-          <a:stretch>
-            <a:fillRect/>
-          </a:stretch>
-        </p:blipFill>
+        </p:nvSpPr>
         <p:spPr>
           <a:xfrm>
-            <a:off x="152401" y="2077810"/>
-            <a:ext cx="8839198" cy="2702380"/>
+            <a:off x="304800" y="1981200"/>
+            <a:ext cx="8686800" cy="830997"/>
           </a:xfrm>
           <a:prstGeom prst="rect">
             <a:avLst/>
           </a:prstGeom>
+          <a:noFill/>
         </p:spPr>
-      </p:pic>
+        <p:txBody>
+          <a:bodyPr wrap="square" rtlCol="0">
+            <a:spAutoFit/>
+          </a:bodyPr>
+          <a:lstStyle/>
+          <a:p>
+            <a:r>
+              <a:rPr lang="en-US" sz="1200" dirty="0">
+                <a:solidFill>
+                  <a:srgbClr val="176FC1"/>
+                </a:solidFill>
+                <a:latin typeface="Lucida Sans Typewriter" panose="020B0509030504030204" pitchFamily="49" charset="0"/>
+              </a:rPr>
+              <a:t># minimum and maximum excitation powers (in W/cm^2) and the number of points</a:t>
+            </a:r>
+          </a:p>
+          <a:p>
+            <a:r>
+              <a:rPr lang="en-US" sz="1200" dirty="0">
+                <a:solidFill>
+                  <a:srgbClr val="176FC1"/>
+                </a:solidFill>
+                <a:latin typeface="Lucida Sans Typewriter" panose="020B0509030504030204" pitchFamily="49" charset="0"/>
+              </a:rPr>
+              <a:t># to calculate the power dependence</a:t>
+            </a:r>
+          </a:p>
+          <a:p>
+            <a:r>
+              <a:rPr lang="en-US" sz="1200" dirty="0">
+                <a:solidFill>
+                  <a:srgbClr val="176FC1"/>
+                </a:solidFill>
+                <a:latin typeface="Lucida Sans Typewriter" panose="020B0509030504030204" pitchFamily="49" charset="0"/>
+              </a:rPr>
+              <a:t># note: a logarithmic scale is used</a:t>
+            </a:r>
+          </a:p>
+          <a:p>
+            <a:r>
+              <a:rPr lang="en-US" sz="1200" b="1" dirty="0" err="1">
+                <a:latin typeface="Lucida Sans Typewriter" panose="020B0509030504030204" pitchFamily="49" charset="0"/>
+              </a:rPr>
+              <a:t>power_dependence</a:t>
+            </a:r>
+            <a:r>
+              <a:rPr lang="en-US" sz="1200" dirty="0">
+                <a:latin typeface="Lucida Sans Typewriter" panose="020B0509030504030204" pitchFamily="49" charset="0"/>
+              </a:rPr>
+              <a:t>: [1e1, 1e8, 8]</a:t>
+            </a:r>
+          </a:p>
+        </p:txBody>
+      </p:sp>
       <p:sp>
         <p:nvSpPr>
           <p:cNvPr id="8" name="Oval 7"/>
@@ -8444,69 +8423,16 @@
           </a:p>
         </p:txBody>
       </p:sp>
-      <p:sp>
-        <p:nvSpPr>
-          <p:cNvPr id="7" name="Rectangle 6"/>
-          <p:cNvSpPr/>
-          <p:nvPr/>
-        </p:nvSpPr>
-        <p:spPr>
-          <a:xfrm>
-            <a:off x="8429624" y="2524126"/>
-            <a:ext cx="304800" cy="152400"/>
-          </a:xfrm>
-          <a:prstGeom prst="rect">
-            <a:avLst/>
-          </a:prstGeom>
-          <a:noFill/>
-          <a:ln>
-            <a:solidFill>
-              <a:srgbClr val="FF0000"/>
-            </a:solidFill>
-          </a:ln>
-        </p:spPr>
-        <p:style>
-          <a:lnRef idx="2">
-            <a:schemeClr val="accent1">
-              <a:shade val="50000"/>
-            </a:schemeClr>
-          </a:lnRef>
-          <a:fillRef idx="1">
-            <a:schemeClr val="accent1"/>
-          </a:fillRef>
-          <a:effectRef idx="0">
-            <a:schemeClr val="accent1"/>
-          </a:effectRef>
-          <a:fontRef idx="minor">
-            <a:schemeClr val="lt1"/>
-          </a:fontRef>
-        </p:style>
-        <p:txBody>
-          <a:bodyPr rtlCol="0" anchor="ctr"/>
-          <a:lstStyle/>
-          <a:p>
-            <a:pPr algn="ctr"/>
-            <a:endParaRPr lang="en-US"/>
-          </a:p>
-        </p:txBody>
-      </p:sp>
     </p:spTree>
     <p:extLst>
       <p:ext uri="{BB962C8B-B14F-4D97-AF65-F5344CB8AC3E}">
-        <p14:creationId xmlns:p14="http://schemas.microsoft.com/office/powerpoint/2010/main" val="2204699414"/>
+        <p14:creationId xmlns:p14="http://schemas.microsoft.com/office/powerpoint/2010/main" val="3367606521"/>
       </p:ext>
     </p:extLst>
   </p:cSld>
   <p:clrMapOvr>
     <a:masterClrMapping/>
   </p:clrMapOvr>
-  <p:timing>
-    <p:tnLst>
-      <p:par>
-        <p:cTn id="1" dur="indefinite" restart="never" nodeType="tmRoot"/>
-      </p:par>
-    </p:tnLst>
-  </p:timing>
 </p:sld>
 </file>
 
@@ -8572,42 +8498,33 @@
           <a:lstStyle/>
           <a:p>
             <a:r>
-              <a:rPr lang="en-US" dirty="0" smtClean="0"/>
-              <a:t>What </a:t>
-            </a:r>
-            <a:r>
-              <a:rPr lang="en-US" dirty="0" smtClean="0"/>
-              <a:t>kind of problems does it solve?</a:t>
-            </a:r>
-          </a:p>
-          <a:p>
-            <a:r>
-              <a:rPr lang="en-US" dirty="0" smtClean="0"/>
+              <a:rPr lang="en-US" dirty="0"/>
+              <a:t>What kind of problems does it solve?</a:t>
+            </a:r>
+          </a:p>
+          <a:p>
+            <a:r>
+              <a:rPr lang="en-US" dirty="0"/>
               <a:t>How does it solve them?</a:t>
             </a:r>
           </a:p>
           <a:p>
             <a:r>
               <a:rPr lang="en-US" dirty="0"/>
-              <a:t>How to download and install it</a:t>
-            </a:r>
-            <a:r>
-              <a:rPr lang="en-US" dirty="0" smtClean="0"/>
-              <a:t>?</a:t>
-            </a:r>
-          </a:p>
-          <a:p>
-            <a:r>
-              <a:rPr lang="en-US" dirty="0" smtClean="0"/>
+              <a:t>How to download and install it?</a:t>
+            </a:r>
+          </a:p>
+          <a:p>
+            <a:r>
+              <a:rPr lang="en-US" dirty="0"/>
               <a:t>How to use it?</a:t>
             </a:r>
           </a:p>
           <a:p>
             <a:r>
-              <a:rPr lang="en-US" dirty="0" smtClean="0"/>
+              <a:rPr lang="en-US" dirty="0"/>
               <a:t>About the code.</a:t>
             </a:r>
-            <a:endParaRPr lang="en-US" dirty="0"/>
           </a:p>
           <a:p>
             <a:endParaRPr lang="en-US" dirty="0"/>
@@ -8648,13 +8565,6 @@
   <p:clrMapOvr>
     <a:masterClrMapping/>
   </p:clrMapOvr>
-  <p:timing>
-    <p:tnLst>
-      <p:par>
-        <p:cTn id="1" dur="indefinite" restart="never" nodeType="tmRoot"/>
-      </p:par>
-    </p:tnLst>
-  </p:timing>
 </p:sld>
 </file>
 
@@ -8691,7 +8601,7 @@
           <a:lstStyle/>
           <a:p>
             <a:r>
-              <a:rPr lang="de-CH" dirty="0" smtClean="0"/>
+              <a:rPr lang="de-CH" dirty="0"/>
               <a:t>How to use </a:t>
             </a:r>
             <a:r>
@@ -8726,8 +8636,8 @@
           <a:lstStyle/>
           <a:p>
             <a:r>
-              <a:rPr lang="de-CH" dirty="0" smtClean="0"/>
-              <a:t>Concentration dependence</a:t>
+              <a:rPr lang="de-CH" dirty="0"/>
+              <a:t>Power dependence</a:t>
             </a:r>
             <a:endParaRPr lang="en-US" dirty="0"/>
           </a:p>
@@ -8757,9 +8667,39 @@
           </a:p>
         </p:txBody>
       </p:sp>
-      <p:sp>
-        <p:nvSpPr>
-          <p:cNvPr id="5" name="Oval 4"/>
+      <p:pic>
+        <p:nvPicPr>
+          <p:cNvPr id="7" name="Picture 6"/>
+          <p:cNvPicPr>
+            <a:picLocks noChangeAspect="1"/>
+          </p:cNvPicPr>
+          <p:nvPr/>
+        </p:nvPicPr>
+        <p:blipFill>
+          <a:blip r:embed="rId2">
+            <a:extLst>
+              <a:ext uri="{28A0092B-C50C-407E-A947-70E740481C1C}">
+                <a14:useLocalDpi xmlns:a14="http://schemas.microsoft.com/office/drawing/2010/main" val="0"/>
+              </a:ext>
+            </a:extLst>
+          </a:blip>
+          <a:stretch>
+            <a:fillRect/>
+          </a:stretch>
+        </p:blipFill>
+        <p:spPr>
+          <a:xfrm>
+            <a:off x="-2643" y="1600201"/>
+            <a:ext cx="9149286" cy="4922868"/>
+          </a:xfrm>
+          <a:prstGeom prst="rect">
+            <a:avLst/>
+          </a:prstGeom>
+        </p:spPr>
+      </p:pic>
+      <p:sp>
+        <p:nvSpPr>
+          <p:cNvPr id="8" name="Oval 7"/>
           <p:cNvSpPr/>
           <p:nvPr/>
         </p:nvSpPr>
@@ -8813,6 +8753,939 @@
           </a:p>
         </p:txBody>
       </p:sp>
+      <p:sp>
+        <p:nvSpPr>
+          <p:cNvPr id="9" name="Rectangle 8"/>
+          <p:cNvSpPr/>
+          <p:nvPr/>
+        </p:nvSpPr>
+        <p:spPr>
+          <a:xfrm>
+            <a:off x="8815643" y="1845276"/>
+            <a:ext cx="228600" cy="152400"/>
+          </a:xfrm>
+          <a:prstGeom prst="rect">
+            <a:avLst/>
+          </a:prstGeom>
+          <a:noFill/>
+          <a:ln>
+            <a:solidFill>
+              <a:srgbClr val="FF0000"/>
+            </a:solidFill>
+          </a:ln>
+        </p:spPr>
+        <p:style>
+          <a:lnRef idx="2">
+            <a:schemeClr val="accent1">
+              <a:shade val="50000"/>
+            </a:schemeClr>
+          </a:lnRef>
+          <a:fillRef idx="1">
+            <a:schemeClr val="accent1"/>
+          </a:fillRef>
+          <a:effectRef idx="0">
+            <a:schemeClr val="accent1"/>
+          </a:effectRef>
+          <a:fontRef idx="minor">
+            <a:schemeClr val="lt1"/>
+          </a:fontRef>
+        </p:style>
+        <p:txBody>
+          <a:bodyPr rtlCol="0" anchor="ctr"/>
+          <a:lstStyle/>
+          <a:p>
+            <a:pPr algn="ctr"/>
+            <a:endParaRPr lang="en-US"/>
+          </a:p>
+        </p:txBody>
+      </p:sp>
+    </p:spTree>
+    <p:extLst>
+      <p:ext uri="{BB962C8B-B14F-4D97-AF65-F5344CB8AC3E}">
+        <p14:creationId xmlns:p14="http://schemas.microsoft.com/office/powerpoint/2010/main" val="3090116542"/>
+      </p:ext>
+    </p:extLst>
+  </p:cSld>
+  <p:clrMapOvr>
+    <a:masterClrMapping/>
+  </p:clrMapOvr>
+</p:sld>
+</file>
+
+<file path=ppt/slides/slide21.xml><?xml version="1.0" encoding="utf-8"?>
+<p:sld xmlns:a="http://schemas.openxmlformats.org/drawingml/2006/main" xmlns:r="http://schemas.openxmlformats.org/officeDocument/2006/relationships" xmlns:p="http://schemas.openxmlformats.org/presentationml/2006/main">
+  <p:cSld>
+    <p:spTree>
+      <p:nvGrpSpPr>
+        <p:cNvPr id="1" name=""/>
+        <p:cNvGrpSpPr/>
+        <p:nvPr/>
+      </p:nvGrpSpPr>
+      <p:grpSpPr>
+        <a:xfrm>
+          <a:off x="0" y="0"/>
+          <a:ext cx="0" cy="0"/>
+          <a:chOff x="0" y="0"/>
+          <a:chExt cx="0" cy="0"/>
+        </a:xfrm>
+      </p:grpSpPr>
+      <p:sp>
+        <p:nvSpPr>
+          <p:cNvPr id="2" name="Title 1"/>
+          <p:cNvSpPr>
+            <a:spLocks noGrp="1"/>
+          </p:cNvSpPr>
+          <p:nvPr>
+            <p:ph type="title"/>
+          </p:nvPr>
+        </p:nvSpPr>
+        <p:spPr/>
+        <p:txBody>
+          <a:bodyPr/>
+          <a:lstStyle/>
+          <a:p>
+            <a:r>
+              <a:rPr lang="de-CH" dirty="0"/>
+              <a:t>How to use </a:t>
+            </a:r>
+            <a:r>
+              <a:rPr lang="de-CH" i="1" dirty="0">
+                <a:effectLst>
+                  <a:outerShdw blurRad="38100" dist="38100" dir="2700000" algn="tl">
+                    <a:srgbClr val="000000">
+                      <a:alpha val="43137"/>
+                    </a:srgbClr>
+                  </a:outerShdw>
+                </a:effectLst>
+              </a:rPr>
+              <a:t>simetuc</a:t>
+            </a:r>
+            <a:endParaRPr lang="en-US" dirty="0"/>
+          </a:p>
+        </p:txBody>
+      </p:sp>
+      <p:sp>
+        <p:nvSpPr>
+          <p:cNvPr id="3" name="Content Placeholder 2"/>
+          <p:cNvSpPr>
+            <a:spLocks noGrp="1"/>
+          </p:cNvSpPr>
+          <p:nvPr>
+            <p:ph idx="1"/>
+          </p:nvPr>
+        </p:nvSpPr>
+        <p:spPr/>
+        <p:txBody>
+          <a:bodyPr/>
+          <a:lstStyle/>
+          <a:p>
+            <a:r>
+              <a:rPr lang="en-US" dirty="0"/>
+              <a:t>Configuration file:</a:t>
+            </a:r>
+          </a:p>
+          <a:p>
+            <a:pPr lvl="1"/>
+            <a:r>
+              <a:rPr lang="de-CH" dirty="0"/>
+              <a:t>Concentration dependence.</a:t>
+            </a:r>
+            <a:endParaRPr lang="en-US" dirty="0"/>
+          </a:p>
+        </p:txBody>
+      </p:sp>
+      <p:sp>
+        <p:nvSpPr>
+          <p:cNvPr id="4" name="Slide Number Placeholder 3"/>
+          <p:cNvSpPr>
+            <a:spLocks noGrp="1"/>
+          </p:cNvSpPr>
+          <p:nvPr>
+            <p:ph type="sldNum" sz="quarter" idx="4"/>
+          </p:nvPr>
+        </p:nvSpPr>
+        <p:spPr/>
+        <p:txBody>
+          <a:bodyPr/>
+          <a:lstStyle/>
+          <a:p>
+            <a:fld id="{B6F15528-21DE-4FAA-801E-634DDDAF4B2B}" type="slidenum">
+              <a:rPr lang="en-US" smtClean="0"/>
+              <a:pPr/>
+              <a:t>21</a:t>
+            </a:fld>
+            <a:endParaRPr lang="en-US" dirty="0"/>
+          </a:p>
+        </p:txBody>
+      </p:sp>
+      <p:sp>
+        <p:nvSpPr>
+          <p:cNvPr id="6" name="TextBox 5"/>
+          <p:cNvSpPr txBox="1"/>
+          <p:nvPr/>
+        </p:nvSpPr>
+        <p:spPr>
+          <a:xfrm>
+            <a:off x="304800" y="1981200"/>
+            <a:ext cx="8686800" cy="1569660"/>
+          </a:xfrm>
+          <a:prstGeom prst="rect">
+            <a:avLst/>
+          </a:prstGeom>
+          <a:noFill/>
+        </p:spPr>
+        <p:txBody>
+          <a:bodyPr wrap="square" rtlCol="0">
+            <a:spAutoFit/>
+          </a:bodyPr>
+          <a:lstStyle/>
+          <a:p>
+            <a:r>
+              <a:rPr lang="en-US" sz="1200" dirty="0">
+                <a:solidFill>
+                  <a:srgbClr val="176FC1"/>
+                </a:solidFill>
+                <a:latin typeface="Lucida Sans Typewriter" panose="020B0509030504030204" pitchFamily="49" charset="0"/>
+              </a:rPr>
+              <a:t># list of two lists:</a:t>
+            </a:r>
+          </a:p>
+          <a:p>
+            <a:r>
+              <a:rPr lang="en-US" sz="1200" dirty="0">
+                <a:solidFill>
+                  <a:srgbClr val="176FC1"/>
+                </a:solidFill>
+                <a:latin typeface="Lucida Sans Typewriter" panose="020B0509030504030204" pitchFamily="49" charset="0"/>
+              </a:rPr>
+              <a:t># with the sensitizer and the activator concentrations</a:t>
+            </a:r>
+          </a:p>
+          <a:p>
+            <a:r>
+              <a:rPr lang="en-US" sz="1200" dirty="0">
+                <a:solidFill>
+                  <a:srgbClr val="176FC1"/>
+                </a:solidFill>
+                <a:latin typeface="Lucida Sans Typewriter" panose="020B0509030504030204" pitchFamily="49" charset="0"/>
+              </a:rPr>
+              <a:t># to simulate for the concentration dependence</a:t>
+            </a:r>
+          </a:p>
+          <a:p>
+            <a:r>
+              <a:rPr lang="en-US" sz="1200" b="1" dirty="0" err="1">
+                <a:latin typeface="Lucida Sans Typewriter" panose="020B0509030504030204" pitchFamily="49" charset="0"/>
+              </a:rPr>
+              <a:t>concentration_dependence</a:t>
+            </a:r>
+            <a:r>
+              <a:rPr lang="en-US" sz="1200" dirty="0">
+                <a:latin typeface="Lucida Sans Typewriter" panose="020B0509030504030204" pitchFamily="49" charset="0"/>
+              </a:rPr>
+              <a:t>: [[0, 0.1, 0.5], [0.01, 0.1, 0.2, 0.3, 0.4, 0.5]]</a:t>
+            </a:r>
+          </a:p>
+          <a:p>
+            <a:r>
+              <a:rPr lang="en-US" sz="1200" dirty="0">
+                <a:latin typeface="Lucida Sans Typewriter" panose="020B0509030504030204" pitchFamily="49" charset="0"/>
+              </a:rPr>
+              <a:t>or</a:t>
+            </a:r>
+          </a:p>
+          <a:p>
+            <a:r>
+              <a:rPr lang="en-US" sz="1200" b="1" dirty="0" err="1">
+                <a:latin typeface="Lucida Sans Typewriter" panose="020B0509030504030204" pitchFamily="49" charset="0"/>
+              </a:rPr>
+              <a:t>concentration_dependence</a:t>
+            </a:r>
+            <a:r>
+              <a:rPr lang="en-US" sz="1200" dirty="0">
+                <a:latin typeface="Lucida Sans Typewriter" panose="020B0509030504030204" pitchFamily="49" charset="0"/>
+              </a:rPr>
+              <a:t>: [[0], [0.01, 0.1, 0.2, 0.3, 0.4, 0.5]]</a:t>
+            </a:r>
+          </a:p>
+          <a:p>
+            <a:r>
+              <a:rPr lang="en-US" sz="1200" dirty="0">
+                <a:latin typeface="Lucida Sans Typewriter" panose="020B0509030504030204" pitchFamily="49" charset="0"/>
+              </a:rPr>
+              <a:t>or</a:t>
+            </a:r>
+          </a:p>
+          <a:p>
+            <a:r>
+              <a:rPr lang="en-US" sz="1200" b="1" dirty="0" err="1">
+                <a:latin typeface="Lucida Sans Typewriter" panose="020B0509030504030204" pitchFamily="49" charset="0"/>
+              </a:rPr>
+              <a:t>concentration_dependence</a:t>
+            </a:r>
+            <a:r>
+              <a:rPr lang="en-US" sz="1200" dirty="0">
+                <a:latin typeface="Lucida Sans Typewriter" panose="020B0509030504030204" pitchFamily="49" charset="0"/>
+              </a:rPr>
+              <a:t>: [[0, 0.1, 0.5], [0.01]]</a:t>
+            </a:r>
+          </a:p>
+        </p:txBody>
+      </p:sp>
+      <p:sp>
+        <p:nvSpPr>
+          <p:cNvPr id="8" name="Oval 7"/>
+          <p:cNvSpPr/>
+          <p:nvPr/>
+        </p:nvSpPr>
+        <p:spPr bwMode="auto">
+          <a:xfrm>
+            <a:off x="5429250" y="6554788"/>
+            <a:ext cx="303212" cy="303212"/>
+          </a:xfrm>
+          <a:prstGeom prst="ellipse">
+            <a:avLst/>
+          </a:prstGeom>
+          <a:solidFill>
+            <a:srgbClr val="AD2231"/>
+          </a:solidFill>
+          <a:ln>
+            <a:solidFill>
+              <a:srgbClr val="AD2231"/>
+            </a:solidFill>
+          </a:ln>
+        </p:spPr>
+        <p:style>
+          <a:lnRef idx="2">
+            <a:schemeClr val="accent1">
+              <a:shade val="50000"/>
+            </a:schemeClr>
+          </a:lnRef>
+          <a:fillRef idx="1">
+            <a:schemeClr val="accent1"/>
+          </a:fillRef>
+          <a:effectRef idx="0">
+            <a:schemeClr val="accent1"/>
+          </a:effectRef>
+          <a:fontRef idx="minor">
+            <a:schemeClr val="lt1"/>
+          </a:fontRef>
+        </p:style>
+        <p:txBody>
+          <a:bodyPr anchor="ctr"/>
+          <a:lstStyle/>
+          <a:p>
+            <a:pPr algn="ctr" eaLnBrk="1" fontAlgn="auto" hangingPunct="1">
+              <a:spcBef>
+                <a:spcPts val="0"/>
+              </a:spcBef>
+              <a:spcAft>
+                <a:spcPts val="0"/>
+              </a:spcAft>
+              <a:defRPr/>
+            </a:pPr>
+            <a:endParaRPr lang="en-US" dirty="0"/>
+          </a:p>
+        </p:txBody>
+      </p:sp>
+    </p:spTree>
+    <p:extLst>
+      <p:ext uri="{BB962C8B-B14F-4D97-AF65-F5344CB8AC3E}">
+        <p14:creationId xmlns:p14="http://schemas.microsoft.com/office/powerpoint/2010/main" val="2627055793"/>
+      </p:ext>
+    </p:extLst>
+  </p:cSld>
+  <p:clrMapOvr>
+    <a:masterClrMapping/>
+  </p:clrMapOvr>
+</p:sld>
+</file>
+
+<file path=ppt/slides/slide22.xml><?xml version="1.0" encoding="utf-8"?>
+<p:sld xmlns:a="http://schemas.openxmlformats.org/drawingml/2006/main" xmlns:r="http://schemas.openxmlformats.org/officeDocument/2006/relationships" xmlns:p="http://schemas.openxmlformats.org/presentationml/2006/main">
+  <p:cSld>
+    <p:spTree>
+      <p:nvGrpSpPr>
+        <p:cNvPr id="1" name=""/>
+        <p:cNvGrpSpPr/>
+        <p:nvPr/>
+      </p:nvGrpSpPr>
+      <p:grpSpPr>
+        <a:xfrm>
+          <a:off x="0" y="0"/>
+          <a:ext cx="0" cy="0"/>
+          <a:chOff x="0" y="0"/>
+          <a:chExt cx="0" cy="0"/>
+        </a:xfrm>
+      </p:grpSpPr>
+      <p:sp>
+        <p:nvSpPr>
+          <p:cNvPr id="2" name="Title 1"/>
+          <p:cNvSpPr>
+            <a:spLocks noGrp="1"/>
+          </p:cNvSpPr>
+          <p:nvPr>
+            <p:ph type="title"/>
+          </p:nvPr>
+        </p:nvSpPr>
+        <p:spPr/>
+        <p:txBody>
+          <a:bodyPr/>
+          <a:lstStyle/>
+          <a:p>
+            <a:r>
+              <a:rPr lang="de-CH" dirty="0"/>
+              <a:t>How to use </a:t>
+            </a:r>
+            <a:r>
+              <a:rPr lang="de-CH" i="1" dirty="0">
+                <a:effectLst>
+                  <a:outerShdw blurRad="38100" dist="38100" dir="2700000" algn="tl">
+                    <a:srgbClr val="000000">
+                      <a:alpha val="43137"/>
+                    </a:srgbClr>
+                  </a:outerShdw>
+                </a:effectLst>
+              </a:rPr>
+              <a:t>simetuc</a:t>
+            </a:r>
+            <a:endParaRPr lang="en-US" dirty="0"/>
+          </a:p>
+        </p:txBody>
+      </p:sp>
+      <p:sp>
+        <p:nvSpPr>
+          <p:cNvPr id="3" name="Content Placeholder 2"/>
+          <p:cNvSpPr>
+            <a:spLocks noGrp="1"/>
+          </p:cNvSpPr>
+          <p:nvPr>
+            <p:ph idx="1"/>
+          </p:nvPr>
+        </p:nvSpPr>
+        <p:spPr/>
+        <p:txBody>
+          <a:bodyPr/>
+          <a:lstStyle/>
+          <a:p>
+            <a:r>
+              <a:rPr lang="de-CH" dirty="0"/>
+              <a:t>Concentration dependence</a:t>
+            </a:r>
+            <a:endParaRPr lang="en-US" dirty="0"/>
+          </a:p>
+        </p:txBody>
+      </p:sp>
+      <p:sp>
+        <p:nvSpPr>
+          <p:cNvPr id="4" name="Slide Number Placeholder 3"/>
+          <p:cNvSpPr>
+            <a:spLocks noGrp="1"/>
+          </p:cNvSpPr>
+          <p:nvPr>
+            <p:ph type="sldNum" sz="quarter" idx="4"/>
+          </p:nvPr>
+        </p:nvSpPr>
+        <p:spPr/>
+        <p:txBody>
+          <a:bodyPr/>
+          <a:lstStyle/>
+          <a:p>
+            <a:fld id="{B6F15528-21DE-4FAA-801E-634DDDAF4B2B}" type="slidenum">
+              <a:rPr lang="en-US" smtClean="0"/>
+              <a:pPr/>
+              <a:t>22</a:t>
+            </a:fld>
+            <a:endParaRPr lang="en-US" dirty="0"/>
+          </a:p>
+        </p:txBody>
+      </p:sp>
+      <p:pic>
+        <p:nvPicPr>
+          <p:cNvPr id="6" name="Picture 5"/>
+          <p:cNvPicPr>
+            <a:picLocks noChangeAspect="1"/>
+          </p:cNvPicPr>
+          <p:nvPr/>
+        </p:nvPicPr>
+        <p:blipFill>
+          <a:blip r:embed="rId2"/>
+          <a:stretch>
+            <a:fillRect/>
+          </a:stretch>
+        </p:blipFill>
+        <p:spPr>
+          <a:xfrm>
+            <a:off x="152401" y="2077810"/>
+            <a:ext cx="8839198" cy="2702380"/>
+          </a:xfrm>
+          <a:prstGeom prst="rect">
+            <a:avLst/>
+          </a:prstGeom>
+        </p:spPr>
+      </p:pic>
+      <p:sp>
+        <p:nvSpPr>
+          <p:cNvPr id="8" name="Oval 7"/>
+          <p:cNvSpPr/>
+          <p:nvPr/>
+        </p:nvSpPr>
+        <p:spPr bwMode="auto">
+          <a:xfrm>
+            <a:off x="5429250" y="6554788"/>
+            <a:ext cx="303212" cy="303212"/>
+          </a:xfrm>
+          <a:prstGeom prst="ellipse">
+            <a:avLst/>
+          </a:prstGeom>
+          <a:solidFill>
+            <a:srgbClr val="AD2231"/>
+          </a:solidFill>
+          <a:ln>
+            <a:solidFill>
+              <a:srgbClr val="AD2231"/>
+            </a:solidFill>
+          </a:ln>
+        </p:spPr>
+        <p:style>
+          <a:lnRef idx="2">
+            <a:schemeClr val="accent1">
+              <a:shade val="50000"/>
+            </a:schemeClr>
+          </a:lnRef>
+          <a:fillRef idx="1">
+            <a:schemeClr val="accent1"/>
+          </a:fillRef>
+          <a:effectRef idx="0">
+            <a:schemeClr val="accent1"/>
+          </a:effectRef>
+          <a:fontRef idx="minor">
+            <a:schemeClr val="lt1"/>
+          </a:fontRef>
+        </p:style>
+        <p:txBody>
+          <a:bodyPr anchor="ctr"/>
+          <a:lstStyle/>
+          <a:p>
+            <a:pPr algn="ctr" eaLnBrk="1" fontAlgn="auto" hangingPunct="1">
+              <a:spcBef>
+                <a:spcPts val="0"/>
+              </a:spcBef>
+              <a:spcAft>
+                <a:spcPts val="0"/>
+              </a:spcAft>
+              <a:defRPr/>
+            </a:pPr>
+            <a:endParaRPr lang="en-US" dirty="0"/>
+          </a:p>
+        </p:txBody>
+      </p:sp>
+      <p:sp>
+        <p:nvSpPr>
+          <p:cNvPr id="7" name="Rectangle 6"/>
+          <p:cNvSpPr/>
+          <p:nvPr/>
+        </p:nvSpPr>
+        <p:spPr>
+          <a:xfrm>
+            <a:off x="8429624" y="2524126"/>
+            <a:ext cx="304800" cy="152400"/>
+          </a:xfrm>
+          <a:prstGeom prst="rect">
+            <a:avLst/>
+          </a:prstGeom>
+          <a:noFill/>
+          <a:ln>
+            <a:solidFill>
+              <a:srgbClr val="FF0000"/>
+            </a:solidFill>
+          </a:ln>
+        </p:spPr>
+        <p:style>
+          <a:lnRef idx="2">
+            <a:schemeClr val="accent1">
+              <a:shade val="50000"/>
+            </a:schemeClr>
+          </a:lnRef>
+          <a:fillRef idx="1">
+            <a:schemeClr val="accent1"/>
+          </a:fillRef>
+          <a:effectRef idx="0">
+            <a:schemeClr val="accent1"/>
+          </a:effectRef>
+          <a:fontRef idx="minor">
+            <a:schemeClr val="lt1"/>
+          </a:fontRef>
+        </p:style>
+        <p:txBody>
+          <a:bodyPr rtlCol="0" anchor="ctr"/>
+          <a:lstStyle/>
+          <a:p>
+            <a:pPr algn="ctr"/>
+            <a:endParaRPr lang="en-US"/>
+          </a:p>
+        </p:txBody>
+      </p:sp>
+    </p:spTree>
+    <p:extLst>
+      <p:ext uri="{BB962C8B-B14F-4D97-AF65-F5344CB8AC3E}">
+        <p14:creationId xmlns:p14="http://schemas.microsoft.com/office/powerpoint/2010/main" val="2204699414"/>
+      </p:ext>
+    </p:extLst>
+  </p:cSld>
+  <p:clrMapOvr>
+    <a:masterClrMapping/>
+  </p:clrMapOvr>
+</p:sld>
+</file>
+
+<file path=ppt/slides/slide23.xml><?xml version="1.0" encoding="utf-8"?>
+<p:sld xmlns:a="http://schemas.openxmlformats.org/drawingml/2006/main" xmlns:r="http://schemas.openxmlformats.org/officeDocument/2006/relationships" xmlns:p="http://schemas.openxmlformats.org/presentationml/2006/main">
+  <p:cSld>
+    <p:spTree>
+      <p:nvGrpSpPr>
+        <p:cNvPr id="1" name=""/>
+        <p:cNvGrpSpPr/>
+        <p:nvPr/>
+      </p:nvGrpSpPr>
+      <p:grpSpPr>
+        <a:xfrm>
+          <a:off x="0" y="0"/>
+          <a:ext cx="0" cy="0"/>
+          <a:chOff x="0" y="0"/>
+          <a:chExt cx="0" cy="0"/>
+        </a:xfrm>
+      </p:grpSpPr>
+      <p:sp>
+        <p:nvSpPr>
+          <p:cNvPr id="2" name="Title 1"/>
+          <p:cNvSpPr>
+            <a:spLocks noGrp="1"/>
+          </p:cNvSpPr>
+          <p:nvPr>
+            <p:ph type="title"/>
+          </p:nvPr>
+        </p:nvSpPr>
+        <p:spPr/>
+        <p:txBody>
+          <a:bodyPr/>
+          <a:lstStyle/>
+          <a:p>
+            <a:r>
+              <a:rPr lang="de-CH" dirty="0"/>
+              <a:t>How to use </a:t>
+            </a:r>
+            <a:r>
+              <a:rPr lang="de-CH" i="1" dirty="0">
+                <a:effectLst>
+                  <a:outerShdw blurRad="38100" dist="38100" dir="2700000" algn="tl">
+                    <a:srgbClr val="000000">
+                      <a:alpha val="43137"/>
+                    </a:srgbClr>
+                  </a:outerShdw>
+                </a:effectLst>
+              </a:rPr>
+              <a:t>simetuc</a:t>
+            </a:r>
+            <a:endParaRPr lang="en-US" dirty="0"/>
+          </a:p>
+        </p:txBody>
+      </p:sp>
+      <p:sp>
+        <p:nvSpPr>
+          <p:cNvPr id="3" name="Content Placeholder 2"/>
+          <p:cNvSpPr>
+            <a:spLocks noGrp="1"/>
+          </p:cNvSpPr>
+          <p:nvPr>
+            <p:ph idx="1"/>
+          </p:nvPr>
+        </p:nvSpPr>
+        <p:spPr/>
+        <p:txBody>
+          <a:bodyPr/>
+          <a:lstStyle/>
+          <a:p>
+            <a:r>
+              <a:rPr lang="de-CH" dirty="0"/>
+              <a:t>Concentration dependence</a:t>
+            </a:r>
+            <a:endParaRPr lang="en-US" dirty="0"/>
+          </a:p>
+        </p:txBody>
+      </p:sp>
+      <p:sp>
+        <p:nvSpPr>
+          <p:cNvPr id="4" name="Slide Number Placeholder 3"/>
+          <p:cNvSpPr>
+            <a:spLocks noGrp="1"/>
+          </p:cNvSpPr>
+          <p:nvPr>
+            <p:ph type="sldNum" sz="quarter" idx="4"/>
+          </p:nvPr>
+        </p:nvSpPr>
+        <p:spPr/>
+        <p:txBody>
+          <a:bodyPr/>
+          <a:lstStyle/>
+          <a:p>
+            <a:fld id="{B6F15528-21DE-4FAA-801E-634DDDAF4B2B}" type="slidenum">
+              <a:rPr lang="en-US" smtClean="0"/>
+              <a:pPr/>
+              <a:t>23</a:t>
+            </a:fld>
+            <a:endParaRPr lang="en-US" dirty="0"/>
+          </a:p>
+        </p:txBody>
+      </p:sp>
+      <p:sp>
+        <p:nvSpPr>
+          <p:cNvPr id="5" name="Oval 4"/>
+          <p:cNvSpPr/>
+          <p:nvPr/>
+        </p:nvSpPr>
+        <p:spPr bwMode="auto">
+          <a:xfrm>
+            <a:off x="5429250" y="6554788"/>
+            <a:ext cx="303212" cy="303212"/>
+          </a:xfrm>
+          <a:prstGeom prst="ellipse">
+            <a:avLst/>
+          </a:prstGeom>
+          <a:solidFill>
+            <a:srgbClr val="AD2231"/>
+          </a:solidFill>
+          <a:ln>
+            <a:solidFill>
+              <a:srgbClr val="AD2231"/>
+            </a:solidFill>
+          </a:ln>
+        </p:spPr>
+        <p:style>
+          <a:lnRef idx="2">
+            <a:schemeClr val="accent1">
+              <a:shade val="50000"/>
+            </a:schemeClr>
+          </a:lnRef>
+          <a:fillRef idx="1">
+            <a:schemeClr val="accent1"/>
+          </a:fillRef>
+          <a:effectRef idx="0">
+            <a:schemeClr val="accent1"/>
+          </a:effectRef>
+          <a:fontRef idx="minor">
+            <a:schemeClr val="lt1"/>
+          </a:fontRef>
+        </p:style>
+        <p:txBody>
+          <a:bodyPr anchor="ctr"/>
+          <a:lstStyle/>
+          <a:p>
+            <a:pPr algn="ctr" eaLnBrk="1" fontAlgn="auto" hangingPunct="1">
+              <a:spcBef>
+                <a:spcPts val="0"/>
+              </a:spcBef>
+              <a:spcAft>
+                <a:spcPts val="0"/>
+              </a:spcAft>
+              <a:defRPr/>
+            </a:pPr>
+            <a:endParaRPr lang="en-US" dirty="0"/>
+          </a:p>
+        </p:txBody>
+      </p:sp>
+      <p:pic>
+        <p:nvPicPr>
+          <p:cNvPr id="6" name="Picture 5"/>
+          <p:cNvPicPr>
+            <a:picLocks noChangeAspect="1"/>
+          </p:cNvPicPr>
+          <p:nvPr/>
+        </p:nvPicPr>
+        <p:blipFill>
+          <a:blip r:embed="rId2"/>
+          <a:stretch>
+            <a:fillRect/>
+          </a:stretch>
+        </p:blipFill>
+        <p:spPr>
+          <a:xfrm>
+            <a:off x="0" y="1580417"/>
+            <a:ext cx="9144000" cy="4905375"/>
+          </a:xfrm>
+          <a:prstGeom prst="rect">
+            <a:avLst/>
+          </a:prstGeom>
+        </p:spPr>
+      </p:pic>
+    </p:spTree>
+    <p:extLst>
+      <p:ext uri="{BB962C8B-B14F-4D97-AF65-F5344CB8AC3E}">
+        <p14:creationId xmlns:p14="http://schemas.microsoft.com/office/powerpoint/2010/main" val="1060920561"/>
+      </p:ext>
+    </p:extLst>
+  </p:cSld>
+  <p:clrMapOvr>
+    <a:masterClrMapping/>
+  </p:clrMapOvr>
+</p:sld>
+</file>
+
+<file path=ppt/slides/slide24.xml><?xml version="1.0" encoding="utf-8"?>
+<p:sld xmlns:a="http://schemas.openxmlformats.org/drawingml/2006/main" xmlns:r="http://schemas.openxmlformats.org/officeDocument/2006/relationships" xmlns:p="http://schemas.openxmlformats.org/presentationml/2006/main">
+  <p:cSld>
+    <p:spTree>
+      <p:nvGrpSpPr>
+        <p:cNvPr id="1" name=""/>
+        <p:cNvGrpSpPr/>
+        <p:nvPr/>
+      </p:nvGrpSpPr>
+      <p:grpSpPr>
+        <a:xfrm>
+          <a:off x="0" y="0"/>
+          <a:ext cx="0" cy="0"/>
+          <a:chOff x="0" y="0"/>
+          <a:chExt cx="0" cy="0"/>
+        </a:xfrm>
+      </p:grpSpPr>
+      <p:sp>
+        <p:nvSpPr>
+          <p:cNvPr id="2" name="Title 1"/>
+          <p:cNvSpPr>
+            <a:spLocks noGrp="1"/>
+          </p:cNvSpPr>
+          <p:nvPr>
+            <p:ph type="title"/>
+          </p:nvPr>
+        </p:nvSpPr>
+        <p:spPr/>
+        <p:txBody>
+          <a:bodyPr/>
+          <a:lstStyle/>
+          <a:p>
+            <a:r>
+              <a:rPr lang="de-CH" dirty="0"/>
+              <a:t>How to use </a:t>
+            </a:r>
+            <a:r>
+              <a:rPr lang="de-CH" i="1" dirty="0">
+                <a:effectLst>
+                  <a:outerShdw blurRad="38100" dist="38100" dir="2700000" algn="tl">
+                    <a:srgbClr val="000000">
+                      <a:alpha val="43137"/>
+                    </a:srgbClr>
+                  </a:outerShdw>
+                </a:effectLst>
+              </a:rPr>
+              <a:t>simetuc</a:t>
+            </a:r>
+            <a:endParaRPr lang="en-US" dirty="0"/>
+          </a:p>
+        </p:txBody>
+      </p:sp>
+      <p:sp>
+        <p:nvSpPr>
+          <p:cNvPr id="3" name="Content Placeholder 2"/>
+          <p:cNvSpPr>
+            <a:spLocks noGrp="1"/>
+          </p:cNvSpPr>
+          <p:nvPr>
+            <p:ph idx="1"/>
+          </p:nvPr>
+        </p:nvSpPr>
+        <p:spPr/>
+        <p:txBody>
+          <a:bodyPr/>
+          <a:lstStyle/>
+          <a:p>
+            <a:r>
+              <a:rPr lang="de-CH" dirty="0"/>
+              <a:t>Concentration dependence</a:t>
+            </a:r>
+            <a:endParaRPr lang="en-US" dirty="0"/>
+          </a:p>
+        </p:txBody>
+      </p:sp>
+      <p:sp>
+        <p:nvSpPr>
+          <p:cNvPr id="4" name="Slide Number Placeholder 3"/>
+          <p:cNvSpPr>
+            <a:spLocks noGrp="1"/>
+          </p:cNvSpPr>
+          <p:nvPr>
+            <p:ph type="sldNum" sz="quarter" idx="4"/>
+          </p:nvPr>
+        </p:nvSpPr>
+        <p:spPr/>
+        <p:txBody>
+          <a:bodyPr/>
+          <a:lstStyle/>
+          <a:p>
+            <a:fld id="{B6F15528-21DE-4FAA-801E-634DDDAF4B2B}" type="slidenum">
+              <a:rPr lang="en-US" smtClean="0"/>
+              <a:pPr/>
+              <a:t>24</a:t>
+            </a:fld>
+            <a:endParaRPr lang="en-US" dirty="0"/>
+          </a:p>
+        </p:txBody>
+      </p:sp>
+      <p:sp>
+        <p:nvSpPr>
+          <p:cNvPr id="5" name="Oval 4"/>
+          <p:cNvSpPr/>
+          <p:nvPr/>
+        </p:nvSpPr>
+        <p:spPr bwMode="auto">
+          <a:xfrm>
+            <a:off x="5429250" y="6554788"/>
+            <a:ext cx="303212" cy="303212"/>
+          </a:xfrm>
+          <a:prstGeom prst="ellipse">
+            <a:avLst/>
+          </a:prstGeom>
+          <a:solidFill>
+            <a:srgbClr val="AD2231"/>
+          </a:solidFill>
+          <a:ln>
+            <a:solidFill>
+              <a:srgbClr val="AD2231"/>
+            </a:solidFill>
+          </a:ln>
+        </p:spPr>
+        <p:style>
+          <a:lnRef idx="2">
+            <a:schemeClr val="accent1">
+              <a:shade val="50000"/>
+            </a:schemeClr>
+          </a:lnRef>
+          <a:fillRef idx="1">
+            <a:schemeClr val="accent1"/>
+          </a:fillRef>
+          <a:effectRef idx="0">
+            <a:schemeClr val="accent1"/>
+          </a:effectRef>
+          <a:fontRef idx="minor">
+            <a:schemeClr val="lt1"/>
+          </a:fontRef>
+        </p:style>
+        <p:txBody>
+          <a:bodyPr anchor="ctr"/>
+          <a:lstStyle/>
+          <a:p>
+            <a:pPr algn="ctr" eaLnBrk="1" fontAlgn="auto" hangingPunct="1">
+              <a:spcBef>
+                <a:spcPts val="0"/>
+              </a:spcBef>
+              <a:spcAft>
+                <a:spcPts val="0"/>
+              </a:spcAft>
+              <a:defRPr/>
+            </a:pPr>
+            <a:endParaRPr lang="en-US" dirty="0"/>
+          </a:p>
+        </p:txBody>
+      </p:sp>
       <p:pic>
         <p:nvPicPr>
           <p:cNvPr id="7" name="Picture 6"/>
@@ -8846,24 +9719,17 @@
     </p:spTree>
     <p:extLst>
       <p:ext uri="{BB962C8B-B14F-4D97-AF65-F5344CB8AC3E}">
-        <p14:creationId xmlns:p14="http://schemas.microsoft.com/office/powerpoint/2010/main" val="1060920561"/>
+        <p14:creationId xmlns:p14="http://schemas.microsoft.com/office/powerpoint/2010/main" val="1847439422"/>
       </p:ext>
     </p:extLst>
   </p:cSld>
   <p:clrMapOvr>
     <a:masterClrMapping/>
   </p:clrMapOvr>
-  <p:timing>
-    <p:tnLst>
-      <p:par>
-        <p:cTn id="1" dur="indefinite" restart="never" nodeType="tmRoot"/>
-      </p:par>
-    </p:tnLst>
-  </p:timing>
 </p:sld>
 </file>
 
-<file path=ppt/slides/slide21.xml><?xml version="1.0" encoding="utf-8"?>
+<file path=ppt/slides/slide25.xml><?xml version="1.0" encoding="utf-8"?>
 <p:sld xmlns:a="http://schemas.openxmlformats.org/drawingml/2006/main" xmlns:r="http://schemas.openxmlformats.org/officeDocument/2006/relationships" xmlns:p="http://schemas.openxmlformats.org/presentationml/2006/main">
   <p:cSld>
     <p:spTree>
@@ -8896,52 +9762,50 @@
           <a:lstStyle/>
           <a:p>
             <a:r>
-              <a:rPr lang="en-US" dirty="0" smtClean="0"/>
+              <a:rPr lang="en-US" dirty="0"/>
               <a:t>About the code</a:t>
             </a:r>
+          </a:p>
+        </p:txBody>
+      </p:sp>
+      <p:sp>
+        <p:nvSpPr>
+          <p:cNvPr id="26" name="Content Placeholder 2"/>
+          <p:cNvSpPr>
+            <a:spLocks noGrp="1"/>
+          </p:cNvSpPr>
+          <p:nvPr>
+            <p:ph idx="1"/>
+          </p:nvPr>
+        </p:nvSpPr>
+        <p:spPr/>
+        <p:txBody>
+          <a:bodyPr/>
+          <a:lstStyle/>
+          <a:p>
+            <a:r>
+              <a:rPr lang="en-US" dirty="0"/>
+              <a:t>Code available at </a:t>
+            </a:r>
+            <a:r>
+              <a:rPr lang="en-US" dirty="0">
+                <a:hlinkClick r:id="rId3"/>
+              </a:rPr>
+              <a:t>https://github.com/pedvide/simetuc</a:t>
+            </a:r>
             <a:endParaRPr lang="en-US" dirty="0"/>
           </a:p>
-        </p:txBody>
-      </p:sp>
-      <p:sp>
-        <p:nvSpPr>
-          <p:cNvPr id="26" name="Content Placeholder 2"/>
-          <p:cNvSpPr>
-            <a:spLocks noGrp="1"/>
-          </p:cNvSpPr>
-          <p:nvPr>
-            <p:ph idx="1"/>
-          </p:nvPr>
-        </p:nvSpPr>
-        <p:spPr/>
-        <p:txBody>
-          <a:bodyPr/>
-          <a:lstStyle/>
-          <a:p>
-            <a:r>
-              <a:rPr lang="en-US" dirty="0" smtClean="0"/>
-              <a:t>Code available at </a:t>
-            </a:r>
-            <a:r>
-              <a:rPr lang="en-US" dirty="0" smtClean="0">
-                <a:hlinkClick r:id="rId3"/>
-              </a:rPr>
-              <a:t>https://github.com/pedvide/simetuc</a:t>
-            </a:r>
-            <a:endParaRPr lang="en-US" dirty="0" smtClean="0"/>
-          </a:p>
-          <a:p>
-            <a:r>
-              <a:rPr lang="en-US" dirty="0" smtClean="0"/>
+          <a:p>
+            <a:r>
+              <a:rPr lang="en-US" dirty="0"/>
               <a:t>MIT license (open source).</a:t>
             </a:r>
           </a:p>
           <a:p>
             <a:r>
-              <a:rPr lang="en-US" dirty="0" smtClean="0"/>
+              <a:rPr lang="en-US" dirty="0"/>
               <a:t>Written in Python.</a:t>
             </a:r>
-            <a:endParaRPr lang="en-US" dirty="0"/>
           </a:p>
         </p:txBody>
       </p:sp>
@@ -8963,7 +9827,7 @@
             <a:fld id="{B6F15528-21DE-4FAA-801E-634DDDAF4B2B}" type="slidenum">
               <a:rPr lang="en-US" smtClean="0"/>
               <a:pPr/>
-              <a:t>21</a:t>
+              <a:t>25</a:t>
             </a:fld>
             <a:endParaRPr lang="en-US" dirty="0"/>
           </a:p>
@@ -9047,7 +9911,7 @@
           <a:lstStyle/>
           <a:p>
             <a:r>
-              <a:rPr lang="en-US" sz="4800" dirty="0" smtClean="0">
+              <a:rPr lang="en-US" sz="4800" dirty="0">
                 <a:solidFill>
                   <a:prstClr val="black">
                     <a:lumMod val="85000"/>
@@ -9218,10 +10082,9 @@
           <a:lstStyle/>
           <a:p>
             <a:r>
-              <a:rPr lang="en-US" dirty="0" smtClean="0"/>
+              <a:rPr lang="en-US" dirty="0"/>
               <a:t>ET problems</a:t>
             </a:r>
-            <a:endParaRPr lang="en-US" dirty="0"/>
           </a:p>
         </p:txBody>
       </p:sp>
@@ -9254,12 +10117,8 @@
           </a:p>
           <a:p>
             <a:r>
-              <a:rPr lang="en-US" dirty="0" smtClean="0"/>
-              <a:t>ET and UC </a:t>
-            </a:r>
-            <a:r>
               <a:rPr lang="en-US" dirty="0"/>
-              <a:t>mechanisms:</a:t>
+              <a:t>ET and UC mechanisms:</a:t>
             </a:r>
           </a:p>
           <a:p>
@@ -9286,12 +10145,8 @@
           <a:p>
             <a:pPr lvl="2"/>
             <a:r>
-              <a:rPr lang="en-US" dirty="0" smtClean="0"/>
-              <a:t>Excitation </a:t>
-            </a:r>
-            <a:r>
               <a:rPr lang="en-US" dirty="0"/>
-              <a:t>power.</a:t>
+              <a:t>Excitation power.</a:t>
             </a:r>
           </a:p>
           <a:p>
@@ -9374,7 +10229,7 @@
           <a:lstStyle/>
           <a:p>
             <a:r>
-              <a:rPr lang="en-US" sz="1400" dirty="0" smtClean="0">
+              <a:rPr lang="en-US" sz="1400" dirty="0">
                 <a:solidFill>
                   <a:schemeClr val="tx1">
                     <a:lumMod val="85000"/>
@@ -9385,15 +10240,6 @@
               </a:rPr>
               <a:t>Metastable states</a:t>
             </a:r>
-            <a:endParaRPr lang="en-US" sz="1400" dirty="0">
-              <a:solidFill>
-                <a:schemeClr val="tx1">
-                  <a:lumMod val="85000"/>
-                  <a:lumOff val="15000"/>
-                </a:schemeClr>
-              </a:solidFill>
-              <a:latin typeface="+mj-lt"/>
-            </a:endParaRPr>
           </a:p>
         </p:txBody>
       </p:sp>
@@ -9420,7 +10266,7 @@
           <a:lstStyle/>
           <a:p>
             <a:r>
-              <a:rPr lang="en-US" sz="1400" dirty="0" smtClean="0">
+              <a:rPr lang="en-US" sz="1400" dirty="0">
                 <a:solidFill>
                   <a:schemeClr val="tx1">
                     <a:lumMod val="85000"/>
@@ -9431,15 +10277,6 @@
               </a:rPr>
               <a:t>Ground states</a:t>
             </a:r>
-            <a:endParaRPr lang="en-US" sz="1400" dirty="0">
-              <a:solidFill>
-                <a:schemeClr val="tx1">
-                  <a:lumMod val="85000"/>
-                  <a:lumOff val="15000"/>
-                </a:schemeClr>
-              </a:solidFill>
-              <a:latin typeface="+mj-lt"/>
-            </a:endParaRPr>
           </a:p>
         </p:txBody>
       </p:sp>
@@ -9466,7 +10303,7 @@
           <a:lstStyle/>
           <a:p>
             <a:r>
-              <a:rPr lang="en-US" sz="1400" dirty="0" smtClean="0">
+              <a:rPr lang="en-US" sz="1400" dirty="0">
                 <a:solidFill>
                   <a:schemeClr val="tx1">
                     <a:lumMod val="85000"/>
@@ -9477,15 +10314,6 @@
               </a:rPr>
               <a:t>Excited states</a:t>
             </a:r>
-            <a:endParaRPr lang="en-US" sz="1400" dirty="0">
-              <a:solidFill>
-                <a:schemeClr val="tx1">
-                  <a:lumMod val="85000"/>
-                  <a:lumOff val="15000"/>
-                </a:schemeClr>
-              </a:solidFill>
-              <a:latin typeface="+mj-lt"/>
-            </a:endParaRPr>
           </a:p>
         </p:txBody>
       </p:sp>
@@ -10088,10 +10916,9 @@
           <a:lstStyle/>
           <a:p>
             <a:r>
-              <a:rPr lang="en-US" dirty="0" smtClean="0"/>
+              <a:rPr lang="en-US" dirty="0"/>
               <a:t>Solving SODEs</a:t>
             </a:r>
-            <a:endParaRPr lang="en-US" dirty="0"/>
           </a:p>
         </p:txBody>
       </p:sp>
@@ -10111,7 +10938,7 @@
           <a:lstStyle/>
           <a:p>
             <a:r>
-              <a:rPr lang="en-US" dirty="0" smtClean="0"/>
+              <a:rPr lang="en-US" dirty="0"/>
               <a:t>Systems of Ordinary Differential Equations (SODE).</a:t>
             </a:r>
           </a:p>
@@ -10212,7 +11039,7 @@
         </p:blipFill>
         <p:spPr>
           <a:xfrm>
-            <a:off x="76200" y="5029200"/>
+            <a:off x="152400" y="3124200"/>
             <a:ext cx="6172200" cy="1219200"/>
           </a:xfrm>
           <a:prstGeom prst="rect">
@@ -10230,13 +11057,13 @@
         </p:nvPicPr>
         <p:blipFill rotWithShape="1">
           <a:blip r:embed="rId3"/>
-          <a:srcRect l="2305" t="6011" r="3944" b="5466"/>
+          <a:srcRect l="9361" r="-2952"/>
           <a:stretch/>
         </p:blipFill>
         <p:spPr>
           <a:xfrm>
-            <a:off x="306674" y="2758283"/>
-            <a:ext cx="4572000" cy="2057400"/>
+            <a:off x="990600" y="4267200"/>
+            <a:ext cx="4040474" cy="2057400"/>
           </a:xfrm>
           <a:prstGeom prst="rect">
             <a:avLst/>
@@ -10259,32 +11086,8 @@
         </p:blipFill>
         <p:spPr>
           <a:xfrm>
-            <a:off x="1305863" y="1805688"/>
+            <a:off x="1410638" y="1805688"/>
             <a:ext cx="3200398" cy="777408"/>
-          </a:xfrm>
-          <a:prstGeom prst="rect">
-            <a:avLst/>
-          </a:prstGeom>
-        </p:spPr>
-      </p:pic>
-      <p:pic>
-        <p:nvPicPr>
-          <p:cNvPr id="15" name="Picture 14"/>
-          <p:cNvPicPr>
-            <a:picLocks noChangeAspect="1"/>
-          </p:cNvPicPr>
-          <p:nvPr/>
-        </p:nvPicPr>
-        <p:blipFill>
-          <a:blip r:embed="rId5"/>
-          <a:stretch>
-            <a:fillRect/>
-          </a:stretch>
-        </p:blipFill>
-        <p:spPr>
-          <a:xfrm>
-            <a:off x="6500813" y="3381375"/>
-            <a:ext cx="1876425" cy="1914525"/>
           </a:xfrm>
           <a:prstGeom prst="rect">
             <a:avLst/>
@@ -10300,14 +11103,14 @@
           <p:nvPr/>
         </p:nvPicPr>
         <p:blipFill>
-          <a:blip r:embed="rId6"/>
+          <a:blip r:embed="rId5"/>
           <a:stretch>
             <a:fillRect/>
           </a:stretch>
         </p:blipFill>
         <p:spPr>
           <a:xfrm>
-            <a:off x="5838827" y="1958975"/>
+            <a:off x="5838827" y="1676400"/>
             <a:ext cx="3200398" cy="1422400"/>
           </a:xfrm>
           <a:prstGeom prst="rect">
@@ -10315,6 +11118,226 @@
           </a:prstGeom>
         </p:spPr>
       </p:pic>
+      <p:grpSp>
+        <p:nvGrpSpPr>
+          <p:cNvPr id="6" name="Group 5"/>
+          <p:cNvGrpSpPr/>
+          <p:nvPr/>
+        </p:nvGrpSpPr>
+        <p:grpSpPr>
+          <a:xfrm>
+            <a:off x="6500813" y="3381375"/>
+            <a:ext cx="2203571" cy="1914525"/>
+            <a:chOff x="6500813" y="3381375"/>
+            <a:chExt cx="2203571" cy="1914525"/>
+          </a:xfrm>
+        </p:grpSpPr>
+        <p:pic>
+          <p:nvPicPr>
+            <p:cNvPr id="15" name="Picture 14"/>
+            <p:cNvPicPr>
+              <a:picLocks noChangeAspect="1"/>
+            </p:cNvPicPr>
+            <p:nvPr/>
+          </p:nvPicPr>
+          <p:blipFill>
+            <a:blip r:embed="rId6"/>
+            <a:stretch>
+              <a:fillRect/>
+            </a:stretch>
+          </p:blipFill>
+          <p:spPr>
+            <a:xfrm>
+              <a:off x="6500813" y="3381375"/>
+              <a:ext cx="1876425" cy="1914525"/>
+            </a:xfrm>
+            <a:prstGeom prst="rect">
+              <a:avLst/>
+            </a:prstGeom>
+          </p:spPr>
+        </p:pic>
+        <p:sp>
+          <p:nvSpPr>
+            <p:cNvPr id="5" name="TextBox 4"/>
+            <p:cNvSpPr txBox="1"/>
+            <p:nvPr/>
+          </p:nvSpPr>
+          <p:spPr>
+            <a:xfrm>
+              <a:off x="6705600" y="3860800"/>
+              <a:ext cx="428322" cy="369332"/>
+            </a:xfrm>
+            <a:prstGeom prst="rect">
+              <a:avLst/>
+            </a:prstGeom>
+            <a:noFill/>
+          </p:spPr>
+          <p:txBody>
+            <a:bodyPr wrap="none" rtlCol="0">
+              <a:spAutoFit/>
+            </a:bodyPr>
+            <a:lstStyle/>
+            <a:p>
+              <a:r>
+                <a:rPr lang="en-US" dirty="0" err="1">
+                  <a:latin typeface="+mj-lt"/>
+                </a:rPr>
+                <a:t>R</a:t>
+              </a:r>
+              <a:r>
+                <a:rPr lang="en-US" baseline="-25000" dirty="0" err="1">
+                  <a:latin typeface="+mj-lt"/>
+                </a:rPr>
+                <a:t>p</a:t>
+              </a:r>
+              <a:endParaRPr lang="en-US" baseline="-25000" dirty="0">
+                <a:latin typeface="+mj-lt"/>
+              </a:endParaRPr>
+            </a:p>
+          </p:txBody>
+        </p:sp>
+        <p:sp>
+          <p:nvSpPr>
+            <p:cNvPr id="12" name="TextBox 11"/>
+            <p:cNvSpPr txBox="1"/>
+            <p:nvPr/>
+          </p:nvSpPr>
+          <p:spPr>
+            <a:xfrm>
+              <a:off x="8077200" y="4495800"/>
+              <a:ext cx="385042" cy="369332"/>
+            </a:xfrm>
+            <a:prstGeom prst="rect">
+              <a:avLst/>
+            </a:prstGeom>
+            <a:noFill/>
+          </p:spPr>
+          <p:txBody>
+            <a:bodyPr wrap="none" rtlCol="0">
+              <a:spAutoFit/>
+            </a:bodyPr>
+            <a:lstStyle/>
+            <a:p>
+              <a:r>
+                <a:rPr lang="en-US" dirty="0">
+                  <a:latin typeface="+mj-lt"/>
+                </a:rPr>
+                <a:t>k</a:t>
+              </a:r>
+              <a:r>
+                <a:rPr lang="en-US" baseline="-25000" dirty="0">
+                  <a:latin typeface="+mj-lt"/>
+                </a:rPr>
+                <a:t>2</a:t>
+              </a:r>
+            </a:p>
+          </p:txBody>
+        </p:sp>
+        <p:sp>
+          <p:nvSpPr>
+            <p:cNvPr id="17" name="TextBox 16"/>
+            <p:cNvSpPr txBox="1"/>
+            <p:nvPr/>
+          </p:nvSpPr>
+          <p:spPr>
+            <a:xfrm>
+              <a:off x="7620000" y="3616568"/>
+              <a:ext cx="736099" cy="369332"/>
+            </a:xfrm>
+            <a:prstGeom prst="rect">
+              <a:avLst/>
+            </a:prstGeom>
+            <a:noFill/>
+          </p:spPr>
+          <p:txBody>
+            <a:bodyPr wrap="none" rtlCol="0">
+              <a:spAutoFit/>
+            </a:bodyPr>
+            <a:lstStyle/>
+            <a:p>
+              <a:r>
+                <a:rPr lang="el-GR" dirty="0">
+                  <a:latin typeface="+mj-lt"/>
+                </a:rPr>
+                <a:t>β</a:t>
+              </a:r>
+              <a:r>
+                <a:rPr lang="en-US" baseline="-25000" dirty="0">
+                  <a:latin typeface="+mj-lt"/>
+                </a:rPr>
+                <a:t>3,2</a:t>
+              </a:r>
+              <a:r>
+                <a:rPr lang="en-US" dirty="0">
+                  <a:latin typeface="+mj-lt"/>
+                </a:rPr>
+                <a:t>k</a:t>
+              </a:r>
+              <a:r>
+                <a:rPr lang="en-US" baseline="-25000" dirty="0">
+                  <a:latin typeface="+mj-lt"/>
+                </a:rPr>
+                <a:t>3</a:t>
+              </a:r>
+            </a:p>
+          </p:txBody>
+        </p:sp>
+        <p:sp>
+          <p:nvSpPr>
+            <p:cNvPr id="18" name="TextBox 17"/>
+            <p:cNvSpPr txBox="1"/>
+            <p:nvPr/>
+          </p:nvSpPr>
+          <p:spPr>
+            <a:xfrm>
+              <a:off x="7593182" y="3962400"/>
+              <a:ext cx="1111202" cy="369332"/>
+            </a:xfrm>
+            <a:prstGeom prst="rect">
+              <a:avLst/>
+            </a:prstGeom>
+            <a:noFill/>
+          </p:spPr>
+          <p:txBody>
+            <a:bodyPr wrap="none" rtlCol="0">
+              <a:spAutoFit/>
+            </a:bodyPr>
+            <a:lstStyle/>
+            <a:p>
+              <a:r>
+                <a:rPr lang="en-US" dirty="0">
+                  <a:latin typeface="+mj-lt"/>
+                </a:rPr>
+                <a:t>(1-</a:t>
+              </a:r>
+              <a:r>
+                <a:rPr lang="el-GR" dirty="0">
+                  <a:latin typeface="+mj-lt"/>
+                </a:rPr>
+                <a:t>β</a:t>
+              </a:r>
+              <a:r>
+                <a:rPr lang="en-US" baseline="-25000" dirty="0">
+                  <a:latin typeface="+mj-lt"/>
+                </a:rPr>
+                <a:t>3,2</a:t>
+              </a:r>
+              <a:r>
+                <a:rPr lang="en-US" dirty="0">
+                  <a:latin typeface="+mj-lt"/>
+                </a:rPr>
+                <a:t>)k</a:t>
+              </a:r>
+              <a:r>
+                <a:rPr lang="en-US" baseline="-25000" dirty="0">
+                  <a:latin typeface="+mj-lt"/>
+                </a:rPr>
+                <a:t>3</a:t>
+              </a:r>
+            </a:p>
+          </p:txBody>
+        </p:sp>
+      </p:grpSp>
     </p:spTree>
     <p:extLst>
       <p:ext uri="{BB962C8B-B14F-4D97-AF65-F5344CB8AC3E}">
@@ -10325,13 +11348,6 @@
   <p:clrMapOvr>
     <a:masterClrMapping/>
   </p:clrMapOvr>
-  <p:timing>
-    <p:tnLst>
-      <p:par>
-        <p:cTn id="1" dur="indefinite" restart="never" nodeType="tmRoot"/>
-      </p:par>
-    </p:tnLst>
-  </p:timing>
 </p:sld>
 </file>
 
@@ -10368,10 +11384,9 @@
           <a:lstStyle/>
           <a:p>
             <a:r>
-              <a:rPr lang="en-US" dirty="0" smtClean="0"/>
+              <a:rPr lang="en-US" dirty="0"/>
               <a:t>Solving SODEs</a:t>
             </a:r>
-            <a:endParaRPr lang="en-US" dirty="0"/>
           </a:p>
         </p:txBody>
       </p:sp>
@@ -10391,58 +11406,45 @@
           <a:lstStyle/>
           <a:p>
             <a:r>
-              <a:rPr lang="en-US" dirty="0" smtClean="0"/>
-              <a:t>Systems of Ordinary Differential Equations (SODE</a:t>
-            </a:r>
-            <a:r>
-              <a:rPr lang="en-US" dirty="0" smtClean="0"/>
-              <a:t>).</a:t>
+              <a:rPr lang="en-US" dirty="0"/>
+              <a:t>Systems of Ordinary Differential Equations (SODE).</a:t>
             </a:r>
           </a:p>
           <a:p>
             <a:endParaRPr lang="de-CH" dirty="0"/>
           </a:p>
           <a:p>
-            <a:endParaRPr lang="de-CH" dirty="0" smtClean="0"/>
-          </a:p>
-          <a:p>
             <a:endParaRPr lang="de-CH" dirty="0"/>
           </a:p>
           <a:p>
-            <a:endParaRPr lang="de-CH" dirty="0" smtClean="0"/>
-          </a:p>
-          <a:p>
             <a:endParaRPr lang="de-CH" dirty="0"/>
           </a:p>
           <a:p>
-            <a:endParaRPr lang="de-CH" dirty="0" smtClean="0"/>
-          </a:p>
-          <a:p>
             <a:endParaRPr lang="de-CH" dirty="0"/>
           </a:p>
           <a:p>
-            <a:endParaRPr lang="de-CH" dirty="0" smtClean="0"/>
-          </a:p>
-          <a:p>
             <a:endParaRPr lang="de-CH" dirty="0"/>
           </a:p>
           <a:p>
-            <a:endParaRPr lang="de-CH" dirty="0" smtClean="0"/>
-          </a:p>
-          <a:p>
-            <a:r>
-              <a:rPr lang="en-US" dirty="0" smtClean="0"/>
-              <a:t>Solver: Backward differentiation formulas (</a:t>
-            </a:r>
+            <a:endParaRPr lang="de-CH" dirty="0"/>
+          </a:p>
+          <a:p>
+            <a:endParaRPr lang="de-CH" dirty="0"/>
+          </a:p>
+          <a:p>
+            <a:endParaRPr lang="de-CH" dirty="0"/>
+          </a:p>
+          <a:p>
+            <a:endParaRPr lang="de-CH" dirty="0"/>
+          </a:p>
+          <a:p>
+            <a:endParaRPr lang="de-CH" dirty="0"/>
+          </a:p>
+          <a:p>
             <a:r>
               <a:rPr lang="en-US" dirty="0"/>
-              <a:t>BDF</a:t>
-            </a:r>
-            <a:r>
-              <a:rPr lang="en-US" dirty="0" smtClean="0"/>
-              <a:t>).</a:t>
-            </a:r>
-            <a:endParaRPr lang="en-US" dirty="0" smtClean="0"/>
+              <a:t>Solver: Backward differentiation formulas (BDF).</a:t>
+            </a:r>
           </a:p>
         </p:txBody>
       </p:sp>
@@ -10528,7 +11530,7 @@
       </p:sp>
       <p:pic>
         <p:nvPicPr>
-          <p:cNvPr id="10" name="Picture 9"/>
+          <p:cNvPr id="7" name="Picture 6"/>
           <p:cNvPicPr>
             <a:picLocks noChangeAspect="1"/>
           </p:cNvPicPr>
@@ -10536,78 +11538,6 @@
         </p:nvPicPr>
         <p:blipFill>
           <a:blip r:embed="rId2"/>
-          <a:stretch>
-            <a:fillRect/>
-          </a:stretch>
-        </p:blipFill>
-        <p:spPr>
-          <a:xfrm>
-            <a:off x="1305863" y="1805688"/>
-            <a:ext cx="3200398" cy="777408"/>
-          </a:xfrm>
-          <a:prstGeom prst="rect">
-            <a:avLst/>
-          </a:prstGeom>
-        </p:spPr>
-      </p:pic>
-      <p:pic>
-        <p:nvPicPr>
-          <p:cNvPr id="13" name="Picture 12"/>
-          <p:cNvPicPr>
-            <a:picLocks noChangeAspect="1"/>
-          </p:cNvPicPr>
-          <p:nvPr/>
-        </p:nvPicPr>
-        <p:blipFill>
-          <a:blip r:embed="rId3"/>
-          <a:stretch>
-            <a:fillRect/>
-          </a:stretch>
-        </p:blipFill>
-        <p:spPr>
-          <a:xfrm>
-            <a:off x="6500813" y="3381375"/>
-            <a:ext cx="1876425" cy="1914525"/>
-          </a:xfrm>
-          <a:prstGeom prst="rect">
-            <a:avLst/>
-          </a:prstGeom>
-        </p:spPr>
-      </p:pic>
-      <p:pic>
-        <p:nvPicPr>
-          <p:cNvPr id="14" name="Picture 13"/>
-          <p:cNvPicPr>
-            <a:picLocks noChangeAspect="1"/>
-          </p:cNvPicPr>
-          <p:nvPr/>
-        </p:nvPicPr>
-        <p:blipFill>
-          <a:blip r:embed="rId4"/>
-          <a:stretch>
-            <a:fillRect/>
-          </a:stretch>
-        </p:blipFill>
-        <p:spPr>
-          <a:xfrm>
-            <a:off x="5838827" y="1958975"/>
-            <a:ext cx="3200398" cy="1422400"/>
-          </a:xfrm>
-          <a:prstGeom prst="rect">
-            <a:avLst/>
-          </a:prstGeom>
-        </p:spPr>
-      </p:pic>
-      <p:pic>
-        <p:nvPicPr>
-          <p:cNvPr id="7" name="Picture 6"/>
-          <p:cNvPicPr>
-            <a:picLocks noChangeAspect="1"/>
-          </p:cNvPicPr>
-          <p:nvPr/>
-        </p:nvPicPr>
-        <p:blipFill>
-          <a:blip r:embed="rId5"/>
           <a:stretch>
             <a:fillRect/>
           </a:stretch>
@@ -10622,6 +11552,274 @@
           </a:prstGeom>
         </p:spPr>
       </p:pic>
+      <p:pic>
+        <p:nvPicPr>
+          <p:cNvPr id="11" name="Picture 10"/>
+          <p:cNvPicPr>
+            <a:picLocks noChangeAspect="1"/>
+          </p:cNvPicPr>
+          <p:nvPr/>
+        </p:nvPicPr>
+        <p:blipFill>
+          <a:blip r:embed="rId3"/>
+          <a:stretch>
+            <a:fillRect/>
+          </a:stretch>
+        </p:blipFill>
+        <p:spPr>
+          <a:xfrm>
+            <a:off x="1410638" y="1805688"/>
+            <a:ext cx="3200398" cy="777408"/>
+          </a:xfrm>
+          <a:prstGeom prst="rect">
+            <a:avLst/>
+          </a:prstGeom>
+        </p:spPr>
+      </p:pic>
+      <p:pic>
+        <p:nvPicPr>
+          <p:cNvPr id="12" name="Picture 11"/>
+          <p:cNvPicPr>
+            <a:picLocks noChangeAspect="1"/>
+          </p:cNvPicPr>
+          <p:nvPr/>
+        </p:nvPicPr>
+        <p:blipFill>
+          <a:blip r:embed="rId4"/>
+          <a:stretch>
+            <a:fillRect/>
+          </a:stretch>
+        </p:blipFill>
+        <p:spPr>
+          <a:xfrm>
+            <a:off x="5838827" y="1676400"/>
+            <a:ext cx="3200398" cy="1422400"/>
+          </a:xfrm>
+          <a:prstGeom prst="rect">
+            <a:avLst/>
+          </a:prstGeom>
+        </p:spPr>
+      </p:pic>
+      <p:grpSp>
+        <p:nvGrpSpPr>
+          <p:cNvPr id="15" name="Group 14"/>
+          <p:cNvGrpSpPr/>
+          <p:nvPr/>
+        </p:nvGrpSpPr>
+        <p:grpSpPr>
+          <a:xfrm>
+            <a:off x="6500813" y="3381375"/>
+            <a:ext cx="2203571" cy="1914525"/>
+            <a:chOff x="6500813" y="3381375"/>
+            <a:chExt cx="2203571" cy="1914525"/>
+          </a:xfrm>
+        </p:grpSpPr>
+        <p:pic>
+          <p:nvPicPr>
+            <p:cNvPr id="16" name="Picture 15"/>
+            <p:cNvPicPr>
+              <a:picLocks noChangeAspect="1"/>
+            </p:cNvPicPr>
+            <p:nvPr/>
+          </p:nvPicPr>
+          <p:blipFill>
+            <a:blip r:embed="rId5"/>
+            <a:stretch>
+              <a:fillRect/>
+            </a:stretch>
+          </p:blipFill>
+          <p:spPr>
+            <a:xfrm>
+              <a:off x="6500813" y="3381375"/>
+              <a:ext cx="1876425" cy="1914525"/>
+            </a:xfrm>
+            <a:prstGeom prst="rect">
+              <a:avLst/>
+            </a:prstGeom>
+          </p:spPr>
+        </p:pic>
+        <p:sp>
+          <p:nvSpPr>
+            <p:cNvPr id="17" name="TextBox 16"/>
+            <p:cNvSpPr txBox="1"/>
+            <p:nvPr/>
+          </p:nvSpPr>
+          <p:spPr>
+            <a:xfrm>
+              <a:off x="6705600" y="3860800"/>
+              <a:ext cx="428322" cy="369332"/>
+            </a:xfrm>
+            <a:prstGeom prst="rect">
+              <a:avLst/>
+            </a:prstGeom>
+            <a:noFill/>
+          </p:spPr>
+          <p:txBody>
+            <a:bodyPr wrap="none" rtlCol="0">
+              <a:spAutoFit/>
+            </a:bodyPr>
+            <a:lstStyle/>
+            <a:p>
+              <a:r>
+                <a:rPr lang="en-US" dirty="0" err="1">
+                  <a:latin typeface="+mj-lt"/>
+                </a:rPr>
+                <a:t>R</a:t>
+              </a:r>
+              <a:r>
+                <a:rPr lang="en-US" baseline="-25000" dirty="0" err="1">
+                  <a:latin typeface="+mj-lt"/>
+                </a:rPr>
+                <a:t>p</a:t>
+              </a:r>
+              <a:endParaRPr lang="en-US" baseline="-25000" dirty="0">
+                <a:latin typeface="+mj-lt"/>
+              </a:endParaRPr>
+            </a:p>
+          </p:txBody>
+        </p:sp>
+        <p:sp>
+          <p:nvSpPr>
+            <p:cNvPr id="18" name="TextBox 17"/>
+            <p:cNvSpPr txBox="1"/>
+            <p:nvPr/>
+          </p:nvSpPr>
+          <p:spPr>
+            <a:xfrm>
+              <a:off x="8077200" y="4495800"/>
+              <a:ext cx="385042" cy="369332"/>
+            </a:xfrm>
+            <a:prstGeom prst="rect">
+              <a:avLst/>
+            </a:prstGeom>
+            <a:noFill/>
+          </p:spPr>
+          <p:txBody>
+            <a:bodyPr wrap="none" rtlCol="0">
+              <a:spAutoFit/>
+            </a:bodyPr>
+            <a:lstStyle/>
+            <a:p>
+              <a:r>
+                <a:rPr lang="en-US" dirty="0">
+                  <a:latin typeface="+mj-lt"/>
+                </a:rPr>
+                <a:t>k</a:t>
+              </a:r>
+              <a:r>
+                <a:rPr lang="en-US" baseline="-25000" dirty="0">
+                  <a:latin typeface="+mj-lt"/>
+                </a:rPr>
+                <a:t>2</a:t>
+              </a:r>
+            </a:p>
+          </p:txBody>
+        </p:sp>
+        <p:sp>
+          <p:nvSpPr>
+            <p:cNvPr id="19" name="TextBox 18"/>
+            <p:cNvSpPr txBox="1"/>
+            <p:nvPr/>
+          </p:nvSpPr>
+          <p:spPr>
+            <a:xfrm>
+              <a:off x="7620000" y="3616568"/>
+              <a:ext cx="736099" cy="369332"/>
+            </a:xfrm>
+            <a:prstGeom prst="rect">
+              <a:avLst/>
+            </a:prstGeom>
+            <a:noFill/>
+          </p:spPr>
+          <p:txBody>
+            <a:bodyPr wrap="none" rtlCol="0">
+              <a:spAutoFit/>
+            </a:bodyPr>
+            <a:lstStyle/>
+            <a:p>
+              <a:r>
+                <a:rPr lang="el-GR" dirty="0">
+                  <a:latin typeface="+mj-lt"/>
+                </a:rPr>
+                <a:t>β</a:t>
+              </a:r>
+              <a:r>
+                <a:rPr lang="en-US" baseline="-25000" dirty="0">
+                  <a:latin typeface="+mj-lt"/>
+                </a:rPr>
+                <a:t>3,2</a:t>
+              </a:r>
+              <a:r>
+                <a:rPr lang="en-US" dirty="0">
+                  <a:latin typeface="+mj-lt"/>
+                </a:rPr>
+                <a:t>k</a:t>
+              </a:r>
+              <a:r>
+                <a:rPr lang="en-US" baseline="-25000" dirty="0">
+                  <a:latin typeface="+mj-lt"/>
+                </a:rPr>
+                <a:t>3</a:t>
+              </a:r>
+            </a:p>
+          </p:txBody>
+        </p:sp>
+        <p:sp>
+          <p:nvSpPr>
+            <p:cNvPr id="20" name="TextBox 19"/>
+            <p:cNvSpPr txBox="1"/>
+            <p:nvPr/>
+          </p:nvSpPr>
+          <p:spPr>
+            <a:xfrm>
+              <a:off x="7593182" y="3962400"/>
+              <a:ext cx="1111202" cy="369332"/>
+            </a:xfrm>
+            <a:prstGeom prst="rect">
+              <a:avLst/>
+            </a:prstGeom>
+            <a:noFill/>
+          </p:spPr>
+          <p:txBody>
+            <a:bodyPr wrap="none" rtlCol="0">
+              <a:spAutoFit/>
+            </a:bodyPr>
+            <a:lstStyle/>
+            <a:p>
+              <a:r>
+                <a:rPr lang="en-US" dirty="0">
+                  <a:latin typeface="+mj-lt"/>
+                </a:rPr>
+                <a:t>(1-</a:t>
+              </a:r>
+              <a:r>
+                <a:rPr lang="el-GR" dirty="0">
+                  <a:latin typeface="+mj-lt"/>
+                </a:rPr>
+                <a:t>β</a:t>
+              </a:r>
+              <a:r>
+                <a:rPr lang="en-US" baseline="-25000" dirty="0">
+                  <a:latin typeface="+mj-lt"/>
+                </a:rPr>
+                <a:t>3,2</a:t>
+              </a:r>
+              <a:r>
+                <a:rPr lang="en-US" dirty="0">
+                  <a:latin typeface="+mj-lt"/>
+                </a:rPr>
+                <a:t>)k</a:t>
+              </a:r>
+              <a:r>
+                <a:rPr lang="en-US" baseline="-25000" dirty="0">
+                  <a:latin typeface="+mj-lt"/>
+                </a:rPr>
+                <a:t>3</a:t>
+              </a:r>
+            </a:p>
+          </p:txBody>
+        </p:sp>
+      </p:grpSp>
     </p:spTree>
     <p:extLst>
       <p:ext uri="{BB962C8B-B14F-4D97-AF65-F5344CB8AC3E}">
@@ -10632,13 +11830,6 @@
   <p:clrMapOvr>
     <a:masterClrMapping/>
   </p:clrMapOvr>
-  <p:timing>
-    <p:tnLst>
-      <p:par>
-        <p:cTn id="1" dur="indefinite" restart="never" nodeType="tmRoot"/>
-      </p:par>
-    </p:tnLst>
-  </p:timing>
 </p:sld>
 </file>
 
@@ -10675,7 +11866,7 @@
           <a:lstStyle/>
           <a:p>
             <a:r>
-              <a:rPr lang="de-CH" dirty="0" smtClean="0"/>
+              <a:rPr lang="de-CH" dirty="0"/>
               <a:t>Installation of </a:t>
             </a:r>
             <a:r>
@@ -10706,144 +11897,125 @@
         </p:nvSpPr>
         <p:spPr/>
         <p:txBody>
-          <a:bodyPr/>
-          <a:lstStyle/>
-          <a:p>
-            <a:r>
-              <a:rPr lang="en-US" dirty="0" smtClean="0"/>
-              <a:t>Easiest for any operative system:</a:t>
+          <a:bodyPr>
+            <a:normAutofit/>
+          </a:bodyPr>
+          <a:lstStyle/>
+          <a:p>
+            <a:r>
+              <a:rPr lang="en-US" dirty="0"/>
+              <a:t>Code available at </a:t>
+            </a:r>
+            <a:r>
+              <a:rPr lang="en-US" dirty="0">
+                <a:hlinkClick r:id="rId2"/>
+              </a:rPr>
+              <a:t>https://github.com/pedvide/simetuc</a:t>
+            </a:r>
+            <a:endParaRPr lang="en-US" dirty="0"/>
+          </a:p>
+          <a:p>
+            <a:r>
+              <a:rPr lang="en-US" dirty="0"/>
+              <a:t>Easiest for any operative system (Windows 32/64, Linux 32/64 and OSX 64 bits):</a:t>
             </a:r>
           </a:p>
           <a:p>
             <a:pPr lvl="1"/>
             <a:r>
-              <a:rPr lang="en-US" dirty="0" smtClean="0"/>
+              <a:rPr lang="en-US" dirty="0"/>
               <a:t>Install Anaconda (preferably 64 bits) from </a:t>
             </a:r>
             <a:r>
-              <a:rPr lang="en-US" dirty="0" smtClean="0">
-                <a:hlinkClick r:id="rId2"/>
+              <a:rPr lang="en-US" dirty="0">
+                <a:hlinkClick r:id="rId3"/>
               </a:rPr>
               <a:t>https://anaconda.org/</a:t>
             </a:r>
-            <a:endParaRPr lang="en-US" dirty="0" smtClean="0"/>
+            <a:endParaRPr lang="en-US" dirty="0"/>
           </a:p>
           <a:p>
             <a:pPr lvl="2"/>
             <a:r>
-              <a:rPr lang="de-CH" dirty="0" smtClean="0"/>
+              <a:rPr lang="de-CH" dirty="0"/>
               <a:t>About 400 MB.</a:t>
             </a:r>
           </a:p>
           <a:p>
             <a:pPr lvl="2"/>
             <a:r>
-              <a:rPr lang="de-CH" dirty="0" smtClean="0"/>
+              <a:rPr lang="de-CH" dirty="0"/>
               <a:t>Miniconda is a lighter option.</a:t>
             </a:r>
-            <a:endParaRPr lang="en-US" dirty="0" smtClean="0"/>
+            <a:endParaRPr lang="en-US" dirty="0"/>
           </a:p>
           <a:p>
             <a:pPr lvl="1"/>
             <a:r>
-              <a:rPr lang="en-US" dirty="0" smtClean="0"/>
+              <a:rPr lang="en-US" dirty="0"/>
               <a:t>Then install the </a:t>
             </a:r>
             <a:r>
-              <a:rPr lang="en-US" dirty="0" err="1" smtClean="0"/>
+              <a:rPr lang="en-US" dirty="0" err="1"/>
               <a:t>simetuc</a:t>
             </a:r>
             <a:r>
-              <a:rPr lang="en-US" dirty="0" smtClean="0"/>
+              <a:rPr lang="en-US" dirty="0"/>
               <a:t> package:</a:t>
             </a:r>
-          </a:p>
-          <a:p>
-            <a:pPr lvl="2"/>
-            <a:r>
-              <a:rPr lang="de-CH" dirty="0" smtClean="0"/>
-              <a:t>About 100 KB.</a:t>
-            </a:r>
-            <a:endParaRPr lang="en-US" dirty="0" smtClean="0"/>
-          </a:p>
-          <a:p>
-            <a:pPr marL="457200" lvl="1" indent="0">
-              <a:buNone/>
-            </a:pPr>
             <a:endParaRPr lang="de-CH" dirty="0"/>
           </a:p>
           <a:p>
-            <a:endParaRPr lang="en-US" dirty="0" smtClean="0"/>
+            <a:endParaRPr lang="en-US" dirty="0"/>
           </a:p>
           <a:p>
             <a:pPr lvl="1"/>
             <a:r>
-              <a:rPr lang="en-US" dirty="0" smtClean="0"/>
+              <a:rPr lang="en-US" dirty="0"/>
               <a:t>That will install all necessary packages.</a:t>
             </a:r>
+          </a:p>
+          <a:p>
+            <a:r>
+              <a:rPr lang="de-CH" dirty="0"/>
+              <a:t>A configuration file is required to use the program!</a:t>
+            </a:r>
+          </a:p>
+          <a:p>
+            <a:pPr lvl="1"/>
+            <a:r>
+              <a:rPr lang="de-CH" dirty="0"/>
+              <a:t>Download an example from </a:t>
+            </a:r>
+            <a:r>
+              <a:rPr lang="de-CH" dirty="0">
+                <a:hlinkClick r:id="rId4"/>
+              </a:rPr>
+              <a:t>https://github.com/pedvide/simetuc/blob/master/simetuc/config_file.txt</a:t>
+            </a:r>
+            <a:endParaRPr lang="de-CH" dirty="0"/>
+          </a:p>
+          <a:p>
+            <a:r>
+              <a:rPr lang="de-CH" dirty="0"/>
+              <a:t>Create a folder for all your work with the config file.</a:t>
+            </a:r>
+          </a:p>
+          <a:p>
+            <a:pPr lvl="1"/>
+            <a:r>
+              <a:rPr lang="de-CH" dirty="0"/>
+              <a:t>And add an additional folder </a:t>
+            </a:r>
+            <a:r>
+              <a:rPr lang="de-CH" b="1" i="1" dirty="0"/>
+              <a:t>expData</a:t>
+            </a:r>
+            <a:r>
+              <a:rPr lang="de-CH" dirty="0"/>
+              <a:t> for the experimental data.</a:t>
+            </a:r>
             <a:endParaRPr lang="en-US" dirty="0"/>
-          </a:p>
-          <a:p>
-            <a:r>
-              <a:rPr lang="de-CH" dirty="0" smtClean="0"/>
-              <a:t>A configuration file is required to use the program!</a:t>
-            </a:r>
-          </a:p>
-          <a:p>
-            <a:pPr lvl="1"/>
-            <a:r>
-              <a:rPr lang="de-CH" dirty="0" smtClean="0"/>
-              <a:t>Download an </a:t>
-            </a:r>
-            <a:r>
-              <a:rPr lang="de-CH" dirty="0"/>
-              <a:t>example </a:t>
-            </a:r>
-            <a:r>
-              <a:rPr lang="de-CH" dirty="0" smtClean="0"/>
-              <a:t>from </a:t>
-            </a:r>
-            <a:r>
-              <a:rPr lang="de-CH" dirty="0" smtClean="0">
-                <a:hlinkClick r:id="rId3"/>
-              </a:rPr>
-              <a:t>https</a:t>
-            </a:r>
-            <a:r>
-              <a:rPr lang="de-CH" dirty="0">
-                <a:hlinkClick r:id="rId3"/>
-              </a:rPr>
-              <a:t>://</a:t>
-            </a:r>
-            <a:r>
-              <a:rPr lang="de-CH" dirty="0" smtClean="0">
-                <a:hlinkClick r:id="rId3"/>
-              </a:rPr>
-              <a:t>github.com/pedvide/simetuc/blob/master/simetuc/config_file.txt</a:t>
-            </a:r>
-            <a:endParaRPr lang="de-CH" dirty="0" smtClean="0"/>
-          </a:p>
-          <a:p>
-            <a:r>
-              <a:rPr lang="de-CH" dirty="0" smtClean="0"/>
-              <a:t>Create a folder for all your work with the config file.</a:t>
-            </a:r>
-          </a:p>
-          <a:p>
-            <a:pPr lvl="1"/>
-            <a:r>
-              <a:rPr lang="de-CH" dirty="0" smtClean="0"/>
-              <a:t>And an additional folder </a:t>
-            </a:r>
-            <a:r>
-              <a:rPr lang="de-CH" b="1" i="1" dirty="0" smtClean="0"/>
-              <a:t>expData</a:t>
-            </a:r>
-            <a:r>
-              <a:rPr lang="de-CH" dirty="0" smtClean="0"/>
-              <a:t> for the experimental data.</a:t>
-            </a:r>
-            <a:endParaRPr lang="en-US" dirty="0" smtClean="0"/>
           </a:p>
         </p:txBody>
       </p:sp>
@@ -10879,7 +12051,7 @@
         </p:nvSpPr>
         <p:spPr>
           <a:xfrm>
-            <a:off x="1219200" y="3212068"/>
+            <a:off x="1219200" y="3516868"/>
             <a:ext cx="4647426" cy="369332"/>
           </a:xfrm>
           <a:prstGeom prst="rect">
@@ -10897,13 +12069,7 @@
               <a:rPr lang="de-CH" dirty="0">
                 <a:latin typeface="Lucida Sans Typewriter" panose="020B0509030504030204" pitchFamily="49" charset="0"/>
               </a:rPr>
-              <a:t>conda install –c pedvide </a:t>
-            </a:r>
-            <a:r>
-              <a:rPr lang="de-CH" dirty="0" smtClean="0">
-                <a:latin typeface="Lucida Sans Typewriter" panose="020B0509030504030204" pitchFamily="49" charset="0"/>
-              </a:rPr>
-              <a:t>simetuc</a:t>
+              <a:t>conda install –c pedvide simetuc</a:t>
             </a:r>
             <a:endParaRPr lang="en-US" dirty="0">
               <a:latin typeface="Lucida Sans Typewriter" panose="020B0509030504030204" pitchFamily="49" charset="0"/>
@@ -10977,13 +12143,6 @@
   <p:clrMapOvr>
     <a:masterClrMapping/>
   </p:clrMapOvr>
-  <p:timing>
-    <p:tnLst>
-      <p:par>
-        <p:cTn id="1" dur="indefinite" restart="never" nodeType="tmRoot"/>
-      </p:par>
-    </p:tnLst>
-  </p:timing>
 </p:sld>
 </file>
 
@@ -11020,7 +12179,7 @@
           <a:lstStyle/>
           <a:p>
             <a:r>
-              <a:rPr lang="de-CH" dirty="0" smtClean="0"/>
+              <a:rPr lang="de-CH" dirty="0"/>
               <a:t>How to use </a:t>
             </a:r>
             <a:r>
@@ -11055,84 +12214,89 @@
           <a:lstStyle/>
           <a:p>
             <a:r>
-              <a:rPr lang="en-US" dirty="0" smtClean="0"/>
+              <a:rPr lang="en-US" dirty="0"/>
               <a:t>Current features:</a:t>
             </a:r>
           </a:p>
           <a:p>
             <a:pPr lvl="1"/>
             <a:r>
-              <a:rPr lang="de-CH" dirty="0" smtClean="0"/>
+              <a:rPr lang="de-CH" dirty="0"/>
               <a:t>Lattice creation.</a:t>
             </a:r>
-            <a:endParaRPr lang="en-US" dirty="0" smtClean="0"/>
+            <a:endParaRPr lang="en-US" dirty="0"/>
           </a:p>
           <a:p>
             <a:pPr lvl="1"/>
             <a:r>
-              <a:rPr lang="en-US" dirty="0" smtClean="0"/>
-              <a:t>Dynamics (rise and decay</a:t>
-            </a:r>
-            <a:r>
-              <a:rPr lang="en-US" dirty="0" smtClean="0"/>
-              <a:t>).</a:t>
+              <a:rPr lang="en-US" dirty="0"/>
+              <a:t>Dynamics (rise and decay).</a:t>
             </a:r>
           </a:p>
           <a:p>
             <a:pPr lvl="1"/>
             <a:r>
-              <a:rPr lang="de-CH" dirty="0" smtClean="0"/>
+              <a:rPr lang="de-CH" dirty="0"/>
               <a:t>Optimization of ET parameters.</a:t>
             </a:r>
-            <a:endParaRPr lang="en-US" dirty="0" smtClean="0"/>
+          </a:p>
+          <a:p>
+            <a:pPr lvl="2"/>
+            <a:r>
+              <a:rPr lang="de-CH" dirty="0"/>
+              <a:t>Minimize </a:t>
+            </a:r>
+            <a:r>
+              <a:rPr lang="en-US" dirty="0"/>
+              <a:t>the deviation between experiment and simulation.</a:t>
+            </a:r>
           </a:p>
           <a:p>
             <a:pPr lvl="1"/>
             <a:r>
-              <a:rPr lang="en-US" dirty="0" smtClean="0"/>
+              <a:rPr lang="en-US" dirty="0"/>
               <a:t>Steady state.</a:t>
             </a:r>
           </a:p>
           <a:p>
             <a:pPr lvl="1"/>
             <a:r>
-              <a:rPr lang="en-US" dirty="0" smtClean="0"/>
-              <a:t>Power dependence.</a:t>
+              <a:rPr lang="en-US" dirty="0"/>
+              <a:t>Power dependence of the emission.</a:t>
             </a:r>
           </a:p>
           <a:p>
             <a:pPr lvl="1"/>
             <a:r>
-              <a:rPr lang="en-US" dirty="0" smtClean="0"/>
+              <a:rPr lang="en-US" dirty="0"/>
               <a:t>Concentration dependence of the dynamics or the steady state.</a:t>
             </a:r>
           </a:p>
           <a:p>
             <a:r>
-              <a:rPr lang="en-US" dirty="0" smtClean="0"/>
+              <a:rPr lang="en-US" dirty="0"/>
               <a:t>Plot solutions.</a:t>
             </a:r>
           </a:p>
           <a:p>
             <a:r>
-              <a:rPr lang="en-US" dirty="0" smtClean="0"/>
+              <a:rPr lang="en-US" dirty="0"/>
               <a:t>All simulated data is saved in a standard .hdf5 format.</a:t>
             </a:r>
           </a:p>
           <a:p>
             <a:pPr lvl="1"/>
             <a:r>
-              <a:rPr lang="en-US" dirty="0" smtClean="0"/>
+              <a:rPr lang="en-US" dirty="0"/>
               <a:t>Simulated data can be saved and loaded at a later time.</a:t>
             </a:r>
           </a:p>
           <a:p>
             <a:pPr lvl="1"/>
             <a:r>
-              <a:rPr lang="en-US" dirty="0" smtClean="0"/>
+              <a:rPr lang="en-US" dirty="0"/>
               <a:t>Some data can be saved as a text file.</a:t>
             </a:r>
-            <a:endParaRPr lang="en-US" dirty="0"/>
           </a:p>
         </p:txBody>
       </p:sp>
@@ -11226,13 +12390,6 @@
   <p:clrMapOvr>
     <a:masterClrMapping/>
   </p:clrMapOvr>
-  <p:timing>
-    <p:tnLst>
-      <p:par>
-        <p:cTn id="1" dur="indefinite" restart="never" nodeType="tmRoot"/>
-      </p:par>
-    </p:tnLst>
-  </p:timing>
 </p:sld>
 </file>
 
@@ -11269,11 +12426,11 @@
           <a:lstStyle/>
           <a:p>
             <a:r>
-              <a:rPr lang="de-CH" dirty="0" smtClean="0"/>
+              <a:rPr lang="de-CH" dirty="0"/>
               <a:t>How to use </a:t>
             </a:r>
             <a:r>
-              <a:rPr lang="de-CH" i="1" dirty="0" smtClean="0">
+              <a:rPr lang="de-CH" i="1" dirty="0">
                 <a:effectLst>
                   <a:outerShdw blurRad="38100" dist="38100" dir="2700000" algn="tl">
                     <a:srgbClr val="000000">
@@ -11462,13 +12619,6 @@
   <p:clrMapOvr>
     <a:masterClrMapping/>
   </p:clrMapOvr>
-  <p:timing>
-    <p:tnLst>
-      <p:par>
-        <p:cTn id="1" dur="indefinite" restart="never" nodeType="tmRoot"/>
-      </p:par>
-    </p:tnLst>
-  </p:timing>
 </p:sld>
 </file>
 
@@ -11505,7 +12655,7 @@
           <a:lstStyle/>
           <a:p>
             <a:r>
-              <a:rPr lang="de-CH" dirty="0" smtClean="0"/>
+              <a:rPr lang="de-CH" dirty="0"/>
               <a:t>How to use </a:t>
             </a:r>
             <a:r>
@@ -11540,14 +12690,14 @@
           <a:lstStyle/>
           <a:p>
             <a:r>
-              <a:rPr lang="en-US" dirty="0" smtClean="0"/>
+              <a:rPr lang="en-US" dirty="0"/>
               <a:t>Configuration file:</a:t>
             </a:r>
           </a:p>
           <a:p>
             <a:pPr lvl="1"/>
             <a:r>
-              <a:rPr lang="de-CH" dirty="0" smtClean="0"/>
+              <a:rPr lang="de-CH" dirty="0"/>
               <a:t>Lattice:</a:t>
             </a:r>
             <a:endParaRPr lang="en-US" dirty="0"/>
@@ -11587,7 +12737,7 @@
         <p:spPr>
           <a:xfrm>
             <a:off x="457200" y="1981200"/>
-            <a:ext cx="8458200" cy="3970318"/>
+            <a:ext cx="8458200" cy="4339650"/>
           </a:xfrm>
           <a:prstGeom prst="rect">
             <a:avLst/>
@@ -11601,13 +12751,13 @@
           <a:lstStyle/>
           <a:p>
             <a:r>
-              <a:rPr lang="de-CH" sz="1200" b="1" dirty="0" smtClean="0">
+              <a:rPr lang="de-CH" sz="1200" b="1" dirty="0">
                 <a:latin typeface="Lucida Sans Typewriter" panose="020B0509030504030204" pitchFamily="49" charset="0"/>
               </a:rPr>
               <a:t>version</a:t>
             </a:r>
             <a:r>
-              <a:rPr lang="de-CH" sz="1200" dirty="0" smtClean="0">
+              <a:rPr lang="de-CH" sz="1200" dirty="0">
                 <a:latin typeface="Lucida Sans Typewriter" panose="020B0509030504030204" pitchFamily="49" charset="0"/>
               </a:rPr>
               <a:t>: 1</a:t>
@@ -11632,49 +12782,28 @@
               <a:rPr lang="en-US" sz="1200" dirty="0">
                 <a:latin typeface="Lucida Sans Typewriter" panose="020B0509030504030204" pitchFamily="49" charset="0"/>
               </a:rPr>
-              <a:t> </a:t>
-            </a:r>
-            <a:r>
-              <a:rPr lang="en-US" sz="1200" dirty="0" smtClean="0">
-                <a:latin typeface="Lucida Sans Typewriter" panose="020B0509030504030204" pitchFamily="49" charset="0"/>
-              </a:rPr>
-              <a:t>   name</a:t>
-            </a:r>
+              <a:t>    name: bNaYF4</a:t>
+            </a:r>
+          </a:p>
+          <a:p>
             <a:r>
               <a:rPr lang="en-US" sz="1200" dirty="0">
                 <a:latin typeface="Lucida Sans Typewriter" panose="020B0509030504030204" pitchFamily="49" charset="0"/>
               </a:rPr>
-              <a:t>: bNaYF4</a:t>
-            </a:r>
-          </a:p>
-          <a:p>
+              <a:t>    </a:t>
+            </a:r>
+            <a:r>
+              <a:rPr lang="en-US" sz="1200" dirty="0" err="1">
+                <a:latin typeface="Lucida Sans Typewriter" panose="020B0509030504030204" pitchFamily="49" charset="0"/>
+              </a:rPr>
+              <a:t>N_uc</a:t>
+            </a:r>
             <a:r>
               <a:rPr lang="en-US" sz="1200" dirty="0">
                 <a:latin typeface="Lucida Sans Typewriter" panose="020B0509030504030204" pitchFamily="49" charset="0"/>
               </a:rPr>
-              <a:t>    </a:t>
-            </a:r>
-            <a:r>
-              <a:rPr lang="en-US" sz="1200" dirty="0" err="1">
-                <a:latin typeface="Lucida Sans Typewriter" panose="020B0509030504030204" pitchFamily="49" charset="0"/>
-              </a:rPr>
-              <a:t>N_uc</a:t>
-            </a:r>
-            <a:r>
-              <a:rPr lang="en-US" sz="1200" dirty="0">
-                <a:latin typeface="Lucida Sans Typewriter" panose="020B0509030504030204" pitchFamily="49" charset="0"/>
-              </a:rPr>
-              <a:t>: </a:t>
-            </a:r>
-            <a:r>
-              <a:rPr lang="en-US" sz="1200" dirty="0" smtClean="0">
-                <a:latin typeface="Lucida Sans Typewriter" panose="020B0509030504030204" pitchFamily="49" charset="0"/>
-              </a:rPr>
-              <a:t>50</a:t>
-            </a:r>
-            <a:endParaRPr lang="en-US" sz="1200" dirty="0">
-              <a:latin typeface="Lucida Sans Typewriter" panose="020B0509030504030204" pitchFamily="49" charset="0"/>
-            </a:endParaRPr>
+              <a:t>: 50</a:t>
+            </a:r>
           </a:p>
           <a:p>
             <a:r>
@@ -11753,44 +12882,9 @@
           <a:p>
             <a:r>
               <a:rPr lang="en-US" sz="1200" dirty="0">
-                <a:solidFill>
-                  <a:srgbClr val="176FC1"/>
-                </a:solidFill>
-                <a:latin typeface="Lucida Sans Typewriter" panose="020B0509030504030204" pitchFamily="49" charset="0"/>
-              </a:rPr>
-              <a:t>    # distances in Angstrom</a:t>
-            </a:r>
-          </a:p>
-          <a:p>
-            <a:r>
-              <a:rPr lang="en-US" sz="1200" dirty="0">
-                <a:latin typeface="Lucida Sans Typewriter" panose="020B0509030504030204" pitchFamily="49" charset="0"/>
-              </a:rPr>
-              <a:t>    a: 5.9738</a:t>
-            </a:r>
-          </a:p>
-          <a:p>
-            <a:r>
-              <a:rPr lang="en-US" sz="1200" dirty="0">
-                <a:latin typeface="Lucida Sans Typewriter" panose="020B0509030504030204" pitchFamily="49" charset="0"/>
-              </a:rPr>
-              <a:t>    b: 5.9738</a:t>
-            </a:r>
-          </a:p>
-          <a:p>
-            <a:r>
-              <a:rPr lang="en-US" sz="1200" dirty="0">
-                <a:latin typeface="Lucida Sans Typewriter" panose="020B0509030504030204" pitchFamily="49" charset="0"/>
-              </a:rPr>
-              <a:t>    c: 3.5297</a:t>
-            </a:r>
-          </a:p>
-          <a:p>
-            <a:r>
-              <a:rPr lang="en-US" sz="1200" dirty="0">
-                <a:latin typeface="Lucida Sans Typewriter" panose="020B0509030504030204" pitchFamily="49" charset="0"/>
-              </a:rPr>
-              <a:t>    </a:t>
+                <a:latin typeface="Lucida Sans Typewriter" panose="020B0509030504030204" pitchFamily="49" charset="0"/>
+              </a:rPr>
+              <a:t>    a: 5.9738 </a:t>
             </a:r>
             <a:r>
               <a:rPr lang="en-US" sz="1200" dirty="0">
@@ -11799,15 +12893,18 @@
                 </a:solidFill>
                 <a:latin typeface="Lucida Sans Typewriter" panose="020B0509030504030204" pitchFamily="49" charset="0"/>
               </a:rPr>
-              <a:t># angles in degree</a:t>
-            </a:r>
+              <a:t># distances in Angstrom</a:t>
+            </a:r>
+            <a:endParaRPr lang="en-US" sz="1200" dirty="0">
+              <a:latin typeface="Lucida Sans Typewriter" panose="020B0509030504030204" pitchFamily="49" charset="0"/>
+            </a:endParaRPr>
           </a:p>
           <a:p>
             <a:r>
               <a:rPr lang="en-US" sz="1200" dirty="0">
                 <a:latin typeface="Lucida Sans Typewriter" panose="020B0509030504030204" pitchFamily="49" charset="0"/>
               </a:rPr>
-              <a:t>    alpha: 90</a:t>
+              <a:t>    b: 5.9738</a:t>
             </a:r>
           </a:p>
           <a:p>
@@ -11815,41 +12912,7 @@
               <a:rPr lang="en-US" sz="1200" dirty="0">
                 <a:latin typeface="Lucida Sans Typewriter" panose="020B0509030504030204" pitchFamily="49" charset="0"/>
               </a:rPr>
-              <a:t>    beta: 90</a:t>
-            </a:r>
-          </a:p>
-          <a:p>
-            <a:r>
-              <a:rPr lang="en-US" sz="1200" dirty="0">
-                <a:latin typeface="Lucida Sans Typewriter" panose="020B0509030504030204" pitchFamily="49" charset="0"/>
-              </a:rPr>
-              <a:t>    gamma: 120</a:t>
-            </a:r>
-          </a:p>
-          <a:p>
-            <a:r>
-              <a:rPr lang="en-US" sz="1200" dirty="0">
-                <a:latin typeface="Lucida Sans Typewriter" panose="020B0509030504030204" pitchFamily="49" charset="0"/>
-              </a:rPr>
-              <a:t>    </a:t>
-            </a:r>
-            <a:r>
-              <a:rPr lang="en-US" sz="1200" dirty="0">
-                <a:solidFill>
-                  <a:srgbClr val="176FC1"/>
-                </a:solidFill>
-                <a:latin typeface="Lucida Sans Typewriter" panose="020B0509030504030204" pitchFamily="49" charset="0"/>
-              </a:rPr>
-              <a:t># the number is also ok for the </a:t>
-            </a:r>
-            <a:r>
-              <a:rPr lang="en-US" sz="1200" dirty="0" err="1">
-                <a:solidFill>
-                  <a:srgbClr val="176FC1"/>
-                </a:solidFill>
-                <a:latin typeface="Lucida Sans Typewriter" panose="020B0509030504030204" pitchFamily="49" charset="0"/>
-              </a:rPr>
-              <a:t>spacegroup</a:t>
+              <a:t>    c: 3.5297</a:t>
             </a:r>
             <a:endParaRPr lang="en-US" sz="1200" dirty="0">
               <a:solidFill>
@@ -11863,27 +12926,7 @@
               <a:rPr lang="en-US" sz="1200" dirty="0">
                 <a:latin typeface="Lucida Sans Typewriter" panose="020B0509030504030204" pitchFamily="49" charset="0"/>
               </a:rPr>
-              <a:t>    </a:t>
-            </a:r>
-            <a:r>
-              <a:rPr lang="en-US" sz="1200" dirty="0" err="1">
-                <a:latin typeface="Lucida Sans Typewriter" panose="020B0509030504030204" pitchFamily="49" charset="0"/>
-              </a:rPr>
-              <a:t>spacegroup</a:t>
-            </a:r>
-            <a:r>
-              <a:rPr lang="en-US" sz="1200" dirty="0">
-                <a:latin typeface="Lucida Sans Typewriter" panose="020B0509030504030204" pitchFamily="49" charset="0"/>
-              </a:rPr>
-              <a:t>: P-6</a:t>
-            </a:r>
-          </a:p>
-          <a:p>
-            <a:r>
-              <a:rPr lang="en-US" sz="1200" dirty="0">
-                <a:latin typeface="Lucida Sans Typewriter" panose="020B0509030504030204" pitchFamily="49" charset="0"/>
-              </a:rPr>
-              <a:t>    </a:t>
+              <a:t>    alpha: 90 </a:t>
             </a:r>
             <a:r>
               <a:rPr lang="en-US" sz="1200" dirty="0">
@@ -11892,16 +12935,52 @@
                 </a:solidFill>
                 <a:latin typeface="Lucida Sans Typewriter" panose="020B0509030504030204" pitchFamily="49" charset="0"/>
               </a:rPr>
-              <a:t># info about </a:t>
-            </a:r>
-            <a:r>
-              <a:rPr lang="en-US" sz="1200" dirty="0" smtClean="0">
+              <a:t># angles in degree</a:t>
+            </a:r>
+            <a:endParaRPr lang="en-US" sz="1200" dirty="0">
+              <a:latin typeface="Lucida Sans Typewriter" panose="020B0509030504030204" pitchFamily="49" charset="0"/>
+            </a:endParaRPr>
+          </a:p>
+          <a:p>
+            <a:r>
+              <a:rPr lang="en-US" sz="1200" dirty="0">
+                <a:latin typeface="Lucida Sans Typewriter" panose="020B0509030504030204" pitchFamily="49" charset="0"/>
+              </a:rPr>
+              <a:t>    beta: 90</a:t>
+            </a:r>
+          </a:p>
+          <a:p>
+            <a:r>
+              <a:rPr lang="en-US" sz="1200" dirty="0">
+                <a:latin typeface="Lucida Sans Typewriter" panose="020B0509030504030204" pitchFamily="49" charset="0"/>
+              </a:rPr>
+              <a:t>    gamma: 120</a:t>
+            </a:r>
+          </a:p>
+          <a:p>
+            <a:r>
+              <a:rPr lang="en-US" sz="1200" dirty="0">
+                <a:latin typeface="Lucida Sans Typewriter" panose="020B0509030504030204" pitchFamily="49" charset="0"/>
+              </a:rPr>
+              <a:t>    </a:t>
+            </a:r>
+            <a:r>
+              <a:rPr lang="en-US" sz="1200" dirty="0">
                 <a:solidFill>
                   <a:srgbClr val="176FC1"/>
                 </a:solidFill>
                 <a:latin typeface="Lucida Sans Typewriter" panose="020B0509030504030204" pitchFamily="49" charset="0"/>
               </a:rPr>
-              <a:t>sites</a:t>
+              <a:t># the number is also ok for the </a:t>
+            </a:r>
+            <a:r>
+              <a:rPr lang="en-US" sz="1200" dirty="0" err="1">
+                <a:solidFill>
+                  <a:srgbClr val="176FC1"/>
+                </a:solidFill>
+                <a:latin typeface="Lucida Sans Typewriter" panose="020B0509030504030204" pitchFamily="49" charset="0"/>
+              </a:rPr>
+              <a:t>spacegroup</a:t>
             </a:r>
             <a:endParaRPr lang="en-US" sz="1200" dirty="0">
               <a:solidFill>
@@ -11921,6 +13000,43 @@
               <a:rPr lang="en-US" sz="1200" dirty="0" err="1">
                 <a:latin typeface="Lucida Sans Typewriter" panose="020B0509030504030204" pitchFamily="49" charset="0"/>
               </a:rPr>
+              <a:t>spacegroup</a:t>
+            </a:r>
+            <a:r>
+              <a:rPr lang="en-US" sz="1200" dirty="0">
+                <a:latin typeface="Lucida Sans Typewriter" panose="020B0509030504030204" pitchFamily="49" charset="0"/>
+              </a:rPr>
+              <a:t>: P-6</a:t>
+            </a:r>
+          </a:p>
+          <a:p>
+            <a:r>
+              <a:rPr lang="en-US" sz="1200" dirty="0">
+                <a:latin typeface="Lucida Sans Typewriter" panose="020B0509030504030204" pitchFamily="49" charset="0"/>
+              </a:rPr>
+              <a:t>    </a:t>
+            </a:r>
+            <a:r>
+              <a:rPr lang="en-US" sz="1200" dirty="0">
+                <a:solidFill>
+                  <a:srgbClr val="176FC1"/>
+                </a:solidFill>
+                <a:latin typeface="Lucida Sans Typewriter" panose="020B0509030504030204" pitchFamily="49" charset="0"/>
+              </a:rPr>
+              <a:t># info about sites</a:t>
+            </a:r>
+          </a:p>
+          <a:p>
+            <a:r>
+              <a:rPr lang="en-US" sz="1200" dirty="0">
+                <a:latin typeface="Lucida Sans Typewriter" panose="020B0509030504030204" pitchFamily="49" charset="0"/>
+              </a:rPr>
+              <a:t>    </a:t>
+            </a:r>
+            <a:r>
+              <a:rPr lang="en-US" sz="1200" dirty="0" err="1">
+                <a:latin typeface="Lucida Sans Typewriter" panose="020B0509030504030204" pitchFamily="49" charset="0"/>
+              </a:rPr>
               <a:t>sites_pos</a:t>
             </a:r>
             <a:r>
@@ -11948,6 +13064,98 @@
                 <a:latin typeface="Lucida Sans Typewriter" panose="020B0509030504030204" pitchFamily="49" charset="0"/>
               </a:rPr>
               <a:t>: [1, 1/2]</a:t>
+            </a:r>
+          </a:p>
+          <a:p>
+            <a:r>
+              <a:rPr lang="en-US" sz="1200" dirty="0">
+                <a:latin typeface="Lucida Sans Typewriter" panose="020B0509030504030204" pitchFamily="49" charset="0"/>
+              </a:rPr>
+              <a:t>    </a:t>
+            </a:r>
+            <a:r>
+              <a:rPr lang="en-US" sz="1200" dirty="0">
+                <a:solidFill>
+                  <a:srgbClr val="176FC1"/>
+                </a:solidFill>
+                <a:latin typeface="Lucida Sans Typewriter" panose="020B0509030504030204" pitchFamily="49" charset="0"/>
+              </a:rPr>
+              <a:t># maximum distance of interaction for normal ET and for cooperative</a:t>
+            </a:r>
+          </a:p>
+          <a:p>
+            <a:r>
+              <a:rPr lang="en-US" sz="1200" dirty="0">
+                <a:latin typeface="Lucida Sans Typewriter" panose="020B0509030504030204" pitchFamily="49" charset="0"/>
+              </a:rPr>
+              <a:t>    </a:t>
+            </a:r>
+            <a:r>
+              <a:rPr lang="en-US" sz="1200" dirty="0" err="1">
+                <a:latin typeface="Lucida Sans Typewriter" panose="020B0509030504030204" pitchFamily="49" charset="0"/>
+              </a:rPr>
+              <a:t>d_max</a:t>
+            </a:r>
+            <a:r>
+              <a:rPr lang="en-US" sz="1200" dirty="0">
+                <a:latin typeface="Lucida Sans Typewriter" panose="020B0509030504030204" pitchFamily="49" charset="0"/>
+              </a:rPr>
+              <a:t>: 100.0 </a:t>
+            </a:r>
+            <a:r>
+              <a:rPr lang="en-US" sz="1200" dirty="0">
+                <a:solidFill>
+                  <a:srgbClr val="176FC1"/>
+                </a:solidFill>
+                <a:latin typeface="Lucida Sans Typewriter" panose="020B0509030504030204" pitchFamily="49" charset="0"/>
+              </a:rPr>
+              <a:t># optional, not yet implemented</a:t>
+            </a:r>
+          </a:p>
+          <a:p>
+            <a:r>
+              <a:rPr lang="en-US" sz="1200" dirty="0">
+                <a:latin typeface="Lucida Sans Typewriter" panose="020B0509030504030204" pitchFamily="49" charset="0"/>
+              </a:rPr>
+              <a:t>    </a:t>
+            </a:r>
+            <a:r>
+              <a:rPr lang="en-US" sz="1200" dirty="0">
+                <a:solidFill>
+                  <a:srgbClr val="176FC1"/>
+                </a:solidFill>
+                <a:latin typeface="Lucida Sans Typewriter" panose="020B0509030504030204" pitchFamily="49" charset="0"/>
+              </a:rPr>
+              <a:t># it's strongly advised to keep this number low</a:t>
+            </a:r>
+          </a:p>
+          <a:p>
+            <a:r>
+              <a:rPr lang="en-US" sz="1200" dirty="0">
+                <a:latin typeface="Lucida Sans Typewriter" panose="020B0509030504030204" pitchFamily="49" charset="0"/>
+              </a:rPr>
+              <a:t>    </a:t>
+            </a:r>
+            <a:r>
+              <a:rPr lang="en-US" sz="1200" dirty="0" err="1">
+                <a:latin typeface="Lucida Sans Typewriter" panose="020B0509030504030204" pitchFamily="49" charset="0"/>
+              </a:rPr>
+              <a:t>d_max_coop</a:t>
+            </a:r>
+            <a:r>
+              <a:rPr lang="en-US" sz="1200" dirty="0">
+                <a:latin typeface="Lucida Sans Typewriter" panose="020B0509030504030204" pitchFamily="49" charset="0"/>
+              </a:rPr>
+              <a:t>: 25.0 </a:t>
+            </a:r>
+            <a:r>
+              <a:rPr lang="en-US" sz="1200" dirty="0">
+                <a:solidFill>
+                  <a:srgbClr val="176FC1"/>
+                </a:solidFill>
+                <a:latin typeface="Lucida Sans Typewriter" panose="020B0509030504030204" pitchFamily="49" charset="0"/>
+              </a:rPr>
+              <a:t># optional</a:t>
             </a:r>
           </a:p>
         </p:txBody>
@@ -12040,19 +13248,7 @@
                 </a:solidFill>
                 <a:latin typeface="+mj-lt"/>
               </a:rPr>
-              <a:t>Use 4 spaces (no tabs</a:t>
-            </a:r>
-            <a:r>
-              <a:rPr lang="de-CH" sz="1600" dirty="0" smtClean="0">
-                <a:solidFill>
-                  <a:schemeClr val="tx1">
-                    <a:lumMod val="85000"/>
-                    <a:lumOff val="15000"/>
-                  </a:schemeClr>
-                </a:solidFill>
-                <a:latin typeface="+mj-lt"/>
-              </a:rPr>
-              <a:t>!)</a:t>
+              <a:t>Use 4 spaces (no tabs!)</a:t>
             </a:r>
             <a:r>
               <a:rPr lang="en-US" sz="1600" dirty="0">
@@ -12064,21 +13260,9 @@
                 </a:solidFill>
                 <a:latin typeface="+mj-lt"/>
               </a:rPr>
-              <a:t> </a:t>
-            </a:r>
-            <a:r>
-              <a:rPr lang="en-US" sz="1600" dirty="0" smtClean="0">
-                <a:solidFill>
-                  <a:schemeClr val="tx1">
-                    <a:lumMod val="85000"/>
-                    <a:lumOff val="15000"/>
-                  </a:schemeClr>
-                </a:solidFill>
-                <a:latin typeface="+mj-lt"/>
-              </a:rPr>
-              <a:t>to indent entries.</a:t>
-            </a:r>
-            <a:endParaRPr lang="de-CH" sz="1600" dirty="0" smtClean="0">
+              <a:t> to indent entries.</a:t>
+            </a:r>
+            <a:endParaRPr lang="de-CH" sz="1600" dirty="0">
               <a:solidFill>
                 <a:schemeClr val="tx1">
                   <a:lumMod val="85000"/>
@@ -12100,13 +13284,6 @@
   <p:clrMapOvr>
     <a:masterClrMapping/>
   </p:clrMapOvr>
-  <p:timing>
-    <p:tnLst>
-      <p:par>
-        <p:cTn id="1" dur="indefinite" restart="never" nodeType="tmRoot"/>
-      </p:par>
-    </p:tnLst>
-  </p:timing>
 </p:sld>
 </file>
 
